--- a/Network-Security/Module_1 Internetworking/Lesson_1_Networking_Overview.pptx
+++ b/Network-Security/Module_1 Internetworking/Lesson_1_Networking_Overview.pptx
@@ -283,7 +283,7 @@
               <a:pPr>
                 <a:defRPr/>
               </a:pPr>
-              <a:t>3/30/2018</a:t>
+              <a:t>4/3/2018</a:t>
             </a:fld>
             <a:endParaRPr lang="en-US"/>
           </a:p>
@@ -4209,10 +4209,9 @@
           <a:lstStyle/>
           <a:p>
             <a:r>
-              <a:rPr lang="en-US"/>
-              <a:t>Background</a:t>
-            </a:r>
-            <a:endParaRPr lang="en-US" dirty="0"/>
+              <a:rPr lang="en-US" dirty="0"/>
+              <a:t>Background – OSI Model (part 3)</a:t>
+            </a:r>
           </a:p>
         </p:txBody>
       </p:sp>
@@ -4376,10 +4375,9 @@
           <a:lstStyle/>
           <a:p>
             <a:r>
-              <a:rPr lang="en-US"/>
-              <a:t>Background</a:t>
-            </a:r>
-            <a:endParaRPr lang="en-US" dirty="0"/>
+              <a:rPr lang="en-US" dirty="0"/>
+              <a:t>Network Layers</a:t>
+            </a:r>
           </a:p>
         </p:txBody>
       </p:sp>
@@ -7998,10 +7996,9 @@
           <a:lstStyle/>
           <a:p>
             <a:r>
-              <a:rPr lang="en-US"/>
-              <a:t>Background</a:t>
-            </a:r>
-            <a:endParaRPr lang="en-US" dirty="0"/>
+              <a:rPr lang="en-US" dirty="0"/>
+              <a:t>OSI Layers 1 and 2</a:t>
+            </a:r>
           </a:p>
         </p:txBody>
       </p:sp>
@@ -8129,10 +8126,9 @@
           <a:lstStyle/>
           <a:p>
             <a:r>
-              <a:rPr lang="en-US"/>
-              <a:t>Background</a:t>
-            </a:r>
-            <a:endParaRPr lang="en-US" dirty="0"/>
+              <a:rPr lang="en-US" dirty="0"/>
+              <a:t>OSI Layers 3 and 4</a:t>
+            </a:r>
           </a:p>
         </p:txBody>
       </p:sp>
@@ -8254,10 +8250,9 @@
           <a:lstStyle/>
           <a:p>
             <a:r>
-              <a:rPr lang="en-US"/>
-              <a:t>Background</a:t>
-            </a:r>
-            <a:endParaRPr lang="en-US" dirty="0"/>
+              <a:rPr lang="en-US" dirty="0"/>
+              <a:t>OSI Layers 5-7</a:t>
+            </a:r>
           </a:p>
         </p:txBody>
       </p:sp>
@@ -8394,7 +8389,7 @@
           <a:p>
             <a:r>
               <a:rPr lang="en-US"/>
-              <a:t>Background</a:t>
+              <a:t>DoD Layers</a:t>
             </a:r>
             <a:endParaRPr lang="en-US" dirty="0"/>
           </a:p>
@@ -9425,10 +9420,9 @@
           <a:lstStyle/>
           <a:p>
             <a:r>
-              <a:rPr lang="en-US"/>
-              <a:t>Background</a:t>
-            </a:r>
-            <a:endParaRPr lang="en-US" dirty="0"/>
+              <a:rPr lang="en-US" dirty="0"/>
+              <a:t>Background (part 2)</a:t>
+            </a:r>
           </a:p>
         </p:txBody>
       </p:sp>
@@ -9578,10 +9572,9 @@
           <a:lstStyle/>
           <a:p>
             <a:r>
-              <a:rPr lang="en-US"/>
-              <a:t>Background</a:t>
-            </a:r>
-            <a:endParaRPr lang="en-US" dirty="0"/>
+              <a:rPr lang="en-US" dirty="0"/>
+              <a:t>Background – DoD Model</a:t>
+            </a:r>
           </a:p>
         </p:txBody>
       </p:sp>
@@ -9717,10 +9710,9 @@
           <a:lstStyle/>
           <a:p>
             <a:r>
-              <a:rPr lang="en-US"/>
-              <a:t>Background</a:t>
-            </a:r>
-            <a:endParaRPr lang="en-US" dirty="0"/>
+              <a:rPr lang="en-US" dirty="0"/>
+              <a:t>Background – OSI Model</a:t>
+            </a:r>
           </a:p>
         </p:txBody>
       </p:sp>
@@ -9855,10 +9847,9 @@
           <a:lstStyle/>
           <a:p>
             <a:r>
-              <a:rPr lang="en-US"/>
-              <a:t>Background</a:t>
-            </a:r>
-            <a:endParaRPr lang="en-US" dirty="0"/>
+              <a:rPr lang="en-US" dirty="0"/>
+              <a:t>Background – OSI Model (part 2)</a:t>
+            </a:r>
           </a:p>
         </p:txBody>
       </p:sp>
@@ -9956,8 +9947,8 @@
   <p:tag name="ARTICULATE_PROJECT_CHECK" val="0"/>
   <p:tag name="TAG_BACKING_FORM_KEY" val="16519558-k:\cnap\netsec course\lectures\module_1\lesson 1 networking overview.pptx"/>
   <p:tag name="ARTICULATE_PRESENTER_VERSION" val="8"/>
+  <p:tag name="ARTICULATE_SLIDE_COUNT" val="16"/>
   <p:tag name="ARTICULATE_PROJECT_OPEN" val="0"/>
-  <p:tag name="ARTICULATE_SLIDE_COUNT" val="16"/>
 </p:tagLst>
 </file>
 

--- a/Network-Security/Module_1 Internetworking/Lesson_1_Networking_Overview.pptx
+++ b/Network-Security/Module_1 Internetworking/Lesson_1_Networking_Overview.pptx
@@ -283,7 +283,7 @@
               <a:pPr>
                 <a:defRPr/>
               </a:pPr>
-              <a:t>4/3/2018</a:t>
+              <a:t>3/30/2018</a:t>
             </a:fld>
             <a:endParaRPr lang="en-US"/>
           </a:p>
@@ -4209,9 +4209,10 @@
           <a:lstStyle/>
           <a:p>
             <a:r>
-              <a:rPr lang="en-US" dirty="0"/>
-              <a:t>Background – OSI Model (part 3)</a:t>
-            </a:r>
+              <a:rPr lang="en-US"/>
+              <a:t>Background</a:t>
+            </a:r>
+            <a:endParaRPr lang="en-US" dirty="0"/>
           </a:p>
         </p:txBody>
       </p:sp>
@@ -4375,9 +4376,10 @@
           <a:lstStyle/>
           <a:p>
             <a:r>
-              <a:rPr lang="en-US" dirty="0"/>
-              <a:t>Network Layers</a:t>
-            </a:r>
+              <a:rPr lang="en-US"/>
+              <a:t>Background</a:t>
+            </a:r>
+            <a:endParaRPr lang="en-US" dirty="0"/>
           </a:p>
         </p:txBody>
       </p:sp>
@@ -7996,9 +7998,10 @@
           <a:lstStyle/>
           <a:p>
             <a:r>
-              <a:rPr lang="en-US" dirty="0"/>
-              <a:t>OSI Layers 1 and 2</a:t>
-            </a:r>
+              <a:rPr lang="en-US"/>
+              <a:t>Background</a:t>
+            </a:r>
+            <a:endParaRPr lang="en-US" dirty="0"/>
           </a:p>
         </p:txBody>
       </p:sp>
@@ -8126,9 +8129,10 @@
           <a:lstStyle/>
           <a:p>
             <a:r>
-              <a:rPr lang="en-US" dirty="0"/>
-              <a:t>OSI Layers 3 and 4</a:t>
-            </a:r>
+              <a:rPr lang="en-US"/>
+              <a:t>Background</a:t>
+            </a:r>
+            <a:endParaRPr lang="en-US" dirty="0"/>
           </a:p>
         </p:txBody>
       </p:sp>
@@ -8250,9 +8254,10 @@
           <a:lstStyle/>
           <a:p>
             <a:r>
-              <a:rPr lang="en-US" dirty="0"/>
-              <a:t>OSI Layers 5-7</a:t>
-            </a:r>
+              <a:rPr lang="en-US"/>
+              <a:t>Background</a:t>
+            </a:r>
+            <a:endParaRPr lang="en-US" dirty="0"/>
           </a:p>
         </p:txBody>
       </p:sp>
@@ -8389,7 +8394,7 @@
           <a:p>
             <a:r>
               <a:rPr lang="en-US"/>
-              <a:t>DoD Layers</a:t>
+              <a:t>Background</a:t>
             </a:r>
             <a:endParaRPr lang="en-US" dirty="0"/>
           </a:p>
@@ -9420,9 +9425,10 @@
           <a:lstStyle/>
           <a:p>
             <a:r>
-              <a:rPr lang="en-US" dirty="0"/>
-              <a:t>Background (part 2)</a:t>
-            </a:r>
+              <a:rPr lang="en-US"/>
+              <a:t>Background</a:t>
+            </a:r>
+            <a:endParaRPr lang="en-US" dirty="0"/>
           </a:p>
         </p:txBody>
       </p:sp>
@@ -9572,9 +9578,10 @@
           <a:lstStyle/>
           <a:p>
             <a:r>
-              <a:rPr lang="en-US" dirty="0"/>
-              <a:t>Background – DoD Model</a:t>
-            </a:r>
+              <a:rPr lang="en-US"/>
+              <a:t>Background</a:t>
+            </a:r>
+            <a:endParaRPr lang="en-US" dirty="0"/>
           </a:p>
         </p:txBody>
       </p:sp>
@@ -9710,9 +9717,10 @@
           <a:lstStyle/>
           <a:p>
             <a:r>
-              <a:rPr lang="en-US" dirty="0"/>
-              <a:t>Background – OSI Model</a:t>
-            </a:r>
+              <a:rPr lang="en-US"/>
+              <a:t>Background</a:t>
+            </a:r>
+            <a:endParaRPr lang="en-US" dirty="0"/>
           </a:p>
         </p:txBody>
       </p:sp>
@@ -9847,9 +9855,10 @@
           <a:lstStyle/>
           <a:p>
             <a:r>
-              <a:rPr lang="en-US" dirty="0"/>
-              <a:t>Background – OSI Model (part 2)</a:t>
-            </a:r>
+              <a:rPr lang="en-US"/>
+              <a:t>Background</a:t>
+            </a:r>
+            <a:endParaRPr lang="en-US" dirty="0"/>
           </a:p>
         </p:txBody>
       </p:sp>
@@ -9947,8 +9956,8 @@
   <p:tag name="ARTICULATE_PROJECT_CHECK" val="0"/>
   <p:tag name="TAG_BACKING_FORM_KEY" val="16519558-k:\cnap\netsec course\lectures\module_1\lesson 1 networking overview.pptx"/>
   <p:tag name="ARTICULATE_PRESENTER_VERSION" val="8"/>
+  <p:tag name="ARTICULATE_PROJECT_OPEN" val="0"/>
   <p:tag name="ARTICULATE_SLIDE_COUNT" val="16"/>
-  <p:tag name="ARTICULATE_PROJECT_OPEN" val="0"/>
 </p:tagLst>
 </file>
 

--- a/Network-Security/Module_1 Internetworking/Lesson_1_Networking_Overview.pptx
+++ b/Network-Security/Module_1 Internetworking/Lesson_1_Networking_Overview.pptx
@@ -5,30 +5,31 @@
     <p:sldMasterId id="2147483686" r:id="rId1"/>
   </p:sldMasterIdLst>
   <p:notesMasterIdLst>
-    <p:notesMasterId r:id="rId18"/>
+    <p:notesMasterId r:id="rId19"/>
   </p:notesMasterIdLst>
   <p:sldIdLst>
     <p:sldId id="334" r:id="rId2"/>
     <p:sldId id="348" r:id="rId3"/>
     <p:sldId id="335" r:id="rId4"/>
-    <p:sldId id="336" r:id="rId5"/>
-    <p:sldId id="337" r:id="rId6"/>
-    <p:sldId id="338" r:id="rId7"/>
-    <p:sldId id="339" r:id="rId8"/>
-    <p:sldId id="340" r:id="rId9"/>
-    <p:sldId id="341" r:id="rId10"/>
-    <p:sldId id="342" r:id="rId11"/>
-    <p:sldId id="343" r:id="rId12"/>
-    <p:sldId id="344" r:id="rId13"/>
-    <p:sldId id="345" r:id="rId14"/>
-    <p:sldId id="346" r:id="rId15"/>
-    <p:sldId id="347" r:id="rId16"/>
-    <p:sldId id="333" r:id="rId17"/>
+    <p:sldId id="349" r:id="rId5"/>
+    <p:sldId id="350" r:id="rId6"/>
+    <p:sldId id="351" r:id="rId7"/>
+    <p:sldId id="352" r:id="rId8"/>
+    <p:sldId id="353" r:id="rId9"/>
+    <p:sldId id="354" r:id="rId10"/>
+    <p:sldId id="355" r:id="rId11"/>
+    <p:sldId id="356" r:id="rId12"/>
+    <p:sldId id="357" r:id="rId13"/>
+    <p:sldId id="358" r:id="rId14"/>
+    <p:sldId id="359" r:id="rId15"/>
+    <p:sldId id="360" r:id="rId16"/>
+    <p:sldId id="361" r:id="rId17"/>
+    <p:sldId id="362" r:id="rId18"/>
   </p:sldIdLst>
   <p:sldSz cx="9144000" cy="6858000" type="screen4x3"/>
   <p:notesSz cx="7315200" cy="9601200"/>
   <p:custDataLst>
-    <p:tags r:id="rId19"/>
+    <p:tags r:id="rId20"/>
   </p:custDataLst>
   <p:defaultTextStyle>
     <a:defPPr>
@@ -283,7 +284,7 @@
               <a:pPr>
                 <a:defRPr/>
               </a:pPr>
-              <a:t>3/30/2018</a:t>
+              <a:t>4/24/18</a:t>
             </a:fld>
             <a:endParaRPr lang="en-US"/>
           </a:p>
@@ -476,6 +477,11 @@
         </p:txBody>
       </p:sp>
     </p:spTree>
+    <p:extLst>
+      <p:ext uri="{BB962C8B-B14F-4D97-AF65-F5344CB8AC3E}">
+        <p14:creationId xmlns:p14="http://schemas.microsoft.com/office/powerpoint/2010/main" val="3320219789"/>
+      </p:ext>
+    </p:extLst>
   </p:cSld>
   <p:clrMap bg1="lt1" tx1="dk1" bg2="lt2" tx2="dk2" accent1="accent1" accent2="accent2" accent3="accent3" accent4="accent4" accent5="accent5" accent6="accent6" hlink="hlink" folHlink="folHlink"/>
   <p:notesStyle>
@@ -740,6 +746,636 @@
 </p:notes>
 </file>
 
+<file path=ppt/notesSlides/notesSlide10.xml><?xml version="1.0" encoding="utf-8"?>
+<p:notes xmlns:a="http://schemas.openxmlformats.org/drawingml/2006/main" xmlns:r="http://schemas.openxmlformats.org/officeDocument/2006/relationships" xmlns:p="http://schemas.openxmlformats.org/presentationml/2006/main">
+  <p:cSld>
+    <p:spTree>
+      <p:nvGrpSpPr>
+        <p:cNvPr id="1" name=""/>
+        <p:cNvGrpSpPr/>
+        <p:nvPr/>
+      </p:nvGrpSpPr>
+      <p:grpSpPr>
+        <a:xfrm>
+          <a:off x="0" y="0"/>
+          <a:ext cx="0" cy="0"/>
+          <a:chOff x="0" y="0"/>
+          <a:chExt cx="0" cy="0"/>
+        </a:xfrm>
+      </p:grpSpPr>
+      <p:sp>
+        <p:nvSpPr>
+          <p:cNvPr id="2" name="Slide Image Placeholder 1"/>
+          <p:cNvSpPr>
+            <a:spLocks noGrp="1" noRot="1" noChangeAspect="1"/>
+          </p:cNvSpPr>
+          <p:nvPr>
+            <p:ph type="sldImg"/>
+          </p:nvPr>
+        </p:nvSpPr>
+        <p:spPr/>
+      </p:sp>
+      <p:sp>
+        <p:nvSpPr>
+          <p:cNvPr id="3" name="Notes Placeholder 2"/>
+          <p:cNvSpPr>
+            <a:spLocks noGrp="1"/>
+          </p:cNvSpPr>
+          <p:nvPr>
+            <p:ph type="body" idx="1"/>
+          </p:nvPr>
+        </p:nvSpPr>
+        <p:spPr/>
+        <p:txBody>
+          <a:bodyPr/>
+          <a:lstStyle/>
+          <a:p>
+            <a:endParaRPr lang="en-US"/>
+          </a:p>
+        </p:txBody>
+      </p:sp>
+      <p:sp>
+        <p:nvSpPr>
+          <p:cNvPr id="4" name="Slide Number Placeholder 3"/>
+          <p:cNvSpPr>
+            <a:spLocks noGrp="1"/>
+          </p:cNvSpPr>
+          <p:nvPr>
+            <p:ph type="sldNum" sz="quarter" idx="10"/>
+          </p:nvPr>
+        </p:nvSpPr>
+        <p:spPr/>
+        <p:txBody>
+          <a:bodyPr/>
+          <a:lstStyle/>
+          <a:p>
+            <a:pPr>
+              <a:defRPr/>
+            </a:pPr>
+            <a:fld id="{ABC2C3F8-920C-4239-9891-79F2271E8033}" type="slidenum">
+              <a:rPr lang="en-US" smtClean="0"/>
+              <a:pPr>
+                <a:defRPr/>
+              </a:pPr>
+              <a:t>11</a:t>
+            </a:fld>
+            <a:endParaRPr lang="en-US"/>
+          </a:p>
+        </p:txBody>
+      </p:sp>
+    </p:spTree>
+    <p:extLst>
+      <p:ext uri="{BB962C8B-B14F-4D97-AF65-F5344CB8AC3E}">
+        <p14:creationId xmlns:p14="http://schemas.microsoft.com/office/powerpoint/2010/main" val="1876822692"/>
+      </p:ext>
+    </p:extLst>
+  </p:cSld>
+  <p:clrMapOvr>
+    <a:masterClrMapping/>
+  </p:clrMapOvr>
+</p:notes>
+</file>
+
+<file path=ppt/notesSlides/notesSlide11.xml><?xml version="1.0" encoding="utf-8"?>
+<p:notes xmlns:a="http://schemas.openxmlformats.org/drawingml/2006/main" xmlns:r="http://schemas.openxmlformats.org/officeDocument/2006/relationships" xmlns:p="http://schemas.openxmlformats.org/presentationml/2006/main">
+  <p:cSld>
+    <p:spTree>
+      <p:nvGrpSpPr>
+        <p:cNvPr id="1" name=""/>
+        <p:cNvGrpSpPr/>
+        <p:nvPr/>
+      </p:nvGrpSpPr>
+      <p:grpSpPr>
+        <a:xfrm>
+          <a:off x="0" y="0"/>
+          <a:ext cx="0" cy="0"/>
+          <a:chOff x="0" y="0"/>
+          <a:chExt cx="0" cy="0"/>
+        </a:xfrm>
+      </p:grpSpPr>
+      <p:sp>
+        <p:nvSpPr>
+          <p:cNvPr id="2" name="Slide Image Placeholder 1"/>
+          <p:cNvSpPr>
+            <a:spLocks noGrp="1" noRot="1" noChangeAspect="1"/>
+          </p:cNvSpPr>
+          <p:nvPr>
+            <p:ph type="sldImg"/>
+          </p:nvPr>
+        </p:nvSpPr>
+        <p:spPr/>
+      </p:sp>
+      <p:sp>
+        <p:nvSpPr>
+          <p:cNvPr id="3" name="Notes Placeholder 2"/>
+          <p:cNvSpPr>
+            <a:spLocks noGrp="1"/>
+          </p:cNvSpPr>
+          <p:nvPr>
+            <p:ph type="body" idx="1"/>
+          </p:nvPr>
+        </p:nvSpPr>
+        <p:spPr/>
+        <p:txBody>
+          <a:bodyPr/>
+          <a:lstStyle/>
+          <a:p>
+            <a:endParaRPr lang="en-US"/>
+          </a:p>
+        </p:txBody>
+      </p:sp>
+      <p:sp>
+        <p:nvSpPr>
+          <p:cNvPr id="4" name="Slide Number Placeholder 3"/>
+          <p:cNvSpPr>
+            <a:spLocks noGrp="1"/>
+          </p:cNvSpPr>
+          <p:nvPr>
+            <p:ph type="sldNum" sz="quarter" idx="10"/>
+          </p:nvPr>
+        </p:nvSpPr>
+        <p:spPr/>
+        <p:txBody>
+          <a:bodyPr/>
+          <a:lstStyle/>
+          <a:p>
+            <a:pPr>
+              <a:defRPr/>
+            </a:pPr>
+            <a:fld id="{ABC2C3F8-920C-4239-9891-79F2271E8033}" type="slidenum">
+              <a:rPr lang="en-US" smtClean="0"/>
+              <a:pPr>
+                <a:defRPr/>
+              </a:pPr>
+              <a:t>12</a:t>
+            </a:fld>
+            <a:endParaRPr lang="en-US"/>
+          </a:p>
+        </p:txBody>
+      </p:sp>
+    </p:spTree>
+    <p:extLst>
+      <p:ext uri="{BB962C8B-B14F-4D97-AF65-F5344CB8AC3E}">
+        <p14:creationId xmlns:p14="http://schemas.microsoft.com/office/powerpoint/2010/main" val="716491415"/>
+      </p:ext>
+    </p:extLst>
+  </p:cSld>
+  <p:clrMapOvr>
+    <a:masterClrMapping/>
+  </p:clrMapOvr>
+</p:notes>
+</file>
+
+<file path=ppt/notesSlides/notesSlide12.xml><?xml version="1.0" encoding="utf-8"?>
+<p:notes xmlns:a="http://schemas.openxmlformats.org/drawingml/2006/main" xmlns:r="http://schemas.openxmlformats.org/officeDocument/2006/relationships" xmlns:p="http://schemas.openxmlformats.org/presentationml/2006/main">
+  <p:cSld>
+    <p:spTree>
+      <p:nvGrpSpPr>
+        <p:cNvPr id="1" name=""/>
+        <p:cNvGrpSpPr/>
+        <p:nvPr/>
+      </p:nvGrpSpPr>
+      <p:grpSpPr>
+        <a:xfrm>
+          <a:off x="0" y="0"/>
+          <a:ext cx="0" cy="0"/>
+          <a:chOff x="0" y="0"/>
+          <a:chExt cx="0" cy="0"/>
+        </a:xfrm>
+      </p:grpSpPr>
+      <p:sp>
+        <p:nvSpPr>
+          <p:cNvPr id="2" name="Slide Image Placeholder 1"/>
+          <p:cNvSpPr>
+            <a:spLocks noGrp="1" noRot="1" noChangeAspect="1"/>
+          </p:cNvSpPr>
+          <p:nvPr>
+            <p:ph type="sldImg"/>
+          </p:nvPr>
+        </p:nvSpPr>
+        <p:spPr/>
+      </p:sp>
+      <p:sp>
+        <p:nvSpPr>
+          <p:cNvPr id="3" name="Notes Placeholder 2"/>
+          <p:cNvSpPr>
+            <a:spLocks noGrp="1"/>
+          </p:cNvSpPr>
+          <p:nvPr>
+            <p:ph type="body" idx="1"/>
+          </p:nvPr>
+        </p:nvSpPr>
+        <p:spPr/>
+        <p:txBody>
+          <a:bodyPr/>
+          <a:lstStyle/>
+          <a:p>
+            <a:endParaRPr lang="en-US"/>
+          </a:p>
+        </p:txBody>
+      </p:sp>
+      <p:sp>
+        <p:nvSpPr>
+          <p:cNvPr id="4" name="Slide Number Placeholder 3"/>
+          <p:cNvSpPr>
+            <a:spLocks noGrp="1"/>
+          </p:cNvSpPr>
+          <p:nvPr>
+            <p:ph type="sldNum" sz="quarter" idx="10"/>
+          </p:nvPr>
+        </p:nvSpPr>
+        <p:spPr/>
+        <p:txBody>
+          <a:bodyPr/>
+          <a:lstStyle/>
+          <a:p>
+            <a:pPr>
+              <a:defRPr/>
+            </a:pPr>
+            <a:fld id="{ABC2C3F8-920C-4239-9891-79F2271E8033}" type="slidenum">
+              <a:rPr lang="en-US" smtClean="0"/>
+              <a:pPr>
+                <a:defRPr/>
+              </a:pPr>
+              <a:t>13</a:t>
+            </a:fld>
+            <a:endParaRPr lang="en-US"/>
+          </a:p>
+        </p:txBody>
+      </p:sp>
+    </p:spTree>
+    <p:extLst>
+      <p:ext uri="{BB962C8B-B14F-4D97-AF65-F5344CB8AC3E}">
+        <p14:creationId xmlns:p14="http://schemas.microsoft.com/office/powerpoint/2010/main" val="4071560305"/>
+      </p:ext>
+    </p:extLst>
+  </p:cSld>
+  <p:clrMapOvr>
+    <a:masterClrMapping/>
+  </p:clrMapOvr>
+</p:notes>
+</file>
+
+<file path=ppt/notesSlides/notesSlide13.xml><?xml version="1.0" encoding="utf-8"?>
+<p:notes xmlns:a="http://schemas.openxmlformats.org/drawingml/2006/main" xmlns:r="http://schemas.openxmlformats.org/officeDocument/2006/relationships" xmlns:p="http://schemas.openxmlformats.org/presentationml/2006/main">
+  <p:cSld>
+    <p:spTree>
+      <p:nvGrpSpPr>
+        <p:cNvPr id="1" name=""/>
+        <p:cNvGrpSpPr/>
+        <p:nvPr/>
+      </p:nvGrpSpPr>
+      <p:grpSpPr>
+        <a:xfrm>
+          <a:off x="0" y="0"/>
+          <a:ext cx="0" cy="0"/>
+          <a:chOff x="0" y="0"/>
+          <a:chExt cx="0" cy="0"/>
+        </a:xfrm>
+      </p:grpSpPr>
+      <p:sp>
+        <p:nvSpPr>
+          <p:cNvPr id="2" name="Slide Image Placeholder 1"/>
+          <p:cNvSpPr>
+            <a:spLocks noGrp="1" noRot="1" noChangeAspect="1"/>
+          </p:cNvSpPr>
+          <p:nvPr>
+            <p:ph type="sldImg"/>
+          </p:nvPr>
+        </p:nvSpPr>
+        <p:spPr/>
+      </p:sp>
+      <p:sp>
+        <p:nvSpPr>
+          <p:cNvPr id="3" name="Notes Placeholder 2"/>
+          <p:cNvSpPr>
+            <a:spLocks noGrp="1"/>
+          </p:cNvSpPr>
+          <p:nvPr>
+            <p:ph type="body" idx="1"/>
+          </p:nvPr>
+        </p:nvSpPr>
+        <p:spPr/>
+        <p:txBody>
+          <a:bodyPr/>
+          <a:lstStyle/>
+          <a:p>
+            <a:endParaRPr lang="en-US"/>
+          </a:p>
+        </p:txBody>
+      </p:sp>
+      <p:sp>
+        <p:nvSpPr>
+          <p:cNvPr id="4" name="Slide Number Placeholder 3"/>
+          <p:cNvSpPr>
+            <a:spLocks noGrp="1"/>
+          </p:cNvSpPr>
+          <p:nvPr>
+            <p:ph type="sldNum" sz="quarter" idx="10"/>
+          </p:nvPr>
+        </p:nvSpPr>
+        <p:spPr/>
+        <p:txBody>
+          <a:bodyPr/>
+          <a:lstStyle/>
+          <a:p>
+            <a:pPr>
+              <a:defRPr/>
+            </a:pPr>
+            <a:fld id="{ABC2C3F8-920C-4239-9891-79F2271E8033}" type="slidenum">
+              <a:rPr lang="en-US" smtClean="0"/>
+              <a:pPr>
+                <a:defRPr/>
+              </a:pPr>
+              <a:t>14</a:t>
+            </a:fld>
+            <a:endParaRPr lang="en-US"/>
+          </a:p>
+        </p:txBody>
+      </p:sp>
+    </p:spTree>
+    <p:extLst>
+      <p:ext uri="{BB962C8B-B14F-4D97-AF65-F5344CB8AC3E}">
+        <p14:creationId xmlns:p14="http://schemas.microsoft.com/office/powerpoint/2010/main" val="930499491"/>
+      </p:ext>
+    </p:extLst>
+  </p:cSld>
+  <p:clrMapOvr>
+    <a:masterClrMapping/>
+  </p:clrMapOvr>
+</p:notes>
+</file>
+
+<file path=ppt/notesSlides/notesSlide14.xml><?xml version="1.0" encoding="utf-8"?>
+<p:notes xmlns:a="http://schemas.openxmlformats.org/drawingml/2006/main" xmlns:r="http://schemas.openxmlformats.org/officeDocument/2006/relationships" xmlns:p="http://schemas.openxmlformats.org/presentationml/2006/main">
+  <p:cSld>
+    <p:spTree>
+      <p:nvGrpSpPr>
+        <p:cNvPr id="1" name=""/>
+        <p:cNvGrpSpPr/>
+        <p:nvPr/>
+      </p:nvGrpSpPr>
+      <p:grpSpPr>
+        <a:xfrm>
+          <a:off x="0" y="0"/>
+          <a:ext cx="0" cy="0"/>
+          <a:chOff x="0" y="0"/>
+          <a:chExt cx="0" cy="0"/>
+        </a:xfrm>
+      </p:grpSpPr>
+      <p:sp>
+        <p:nvSpPr>
+          <p:cNvPr id="2" name="Slide Image Placeholder 1"/>
+          <p:cNvSpPr>
+            <a:spLocks noGrp="1" noRot="1" noChangeAspect="1"/>
+          </p:cNvSpPr>
+          <p:nvPr>
+            <p:ph type="sldImg"/>
+          </p:nvPr>
+        </p:nvSpPr>
+        <p:spPr/>
+      </p:sp>
+      <p:sp>
+        <p:nvSpPr>
+          <p:cNvPr id="3" name="Notes Placeholder 2"/>
+          <p:cNvSpPr>
+            <a:spLocks noGrp="1"/>
+          </p:cNvSpPr>
+          <p:nvPr>
+            <p:ph type="body" idx="1"/>
+          </p:nvPr>
+        </p:nvSpPr>
+        <p:spPr/>
+        <p:txBody>
+          <a:bodyPr/>
+          <a:lstStyle/>
+          <a:p>
+            <a:endParaRPr lang="en-US"/>
+          </a:p>
+        </p:txBody>
+      </p:sp>
+      <p:sp>
+        <p:nvSpPr>
+          <p:cNvPr id="4" name="Slide Number Placeholder 3"/>
+          <p:cNvSpPr>
+            <a:spLocks noGrp="1"/>
+          </p:cNvSpPr>
+          <p:nvPr>
+            <p:ph type="sldNum" sz="quarter" idx="10"/>
+          </p:nvPr>
+        </p:nvSpPr>
+        <p:spPr/>
+        <p:txBody>
+          <a:bodyPr/>
+          <a:lstStyle/>
+          <a:p>
+            <a:pPr>
+              <a:defRPr/>
+            </a:pPr>
+            <a:fld id="{ABC2C3F8-920C-4239-9891-79F2271E8033}" type="slidenum">
+              <a:rPr lang="en-US" smtClean="0"/>
+              <a:pPr>
+                <a:defRPr/>
+              </a:pPr>
+              <a:t>15</a:t>
+            </a:fld>
+            <a:endParaRPr lang="en-US"/>
+          </a:p>
+        </p:txBody>
+      </p:sp>
+    </p:spTree>
+    <p:extLst>
+      <p:ext uri="{BB962C8B-B14F-4D97-AF65-F5344CB8AC3E}">
+        <p14:creationId xmlns:p14="http://schemas.microsoft.com/office/powerpoint/2010/main" val="1611822818"/>
+      </p:ext>
+    </p:extLst>
+  </p:cSld>
+  <p:clrMapOvr>
+    <a:masterClrMapping/>
+  </p:clrMapOvr>
+</p:notes>
+</file>
+
+<file path=ppt/notesSlides/notesSlide15.xml><?xml version="1.0" encoding="utf-8"?>
+<p:notes xmlns:a="http://schemas.openxmlformats.org/drawingml/2006/main" xmlns:r="http://schemas.openxmlformats.org/officeDocument/2006/relationships" xmlns:p="http://schemas.openxmlformats.org/presentationml/2006/main">
+  <p:cSld>
+    <p:spTree>
+      <p:nvGrpSpPr>
+        <p:cNvPr id="1" name=""/>
+        <p:cNvGrpSpPr/>
+        <p:nvPr/>
+      </p:nvGrpSpPr>
+      <p:grpSpPr>
+        <a:xfrm>
+          <a:off x="0" y="0"/>
+          <a:ext cx="0" cy="0"/>
+          <a:chOff x="0" y="0"/>
+          <a:chExt cx="0" cy="0"/>
+        </a:xfrm>
+      </p:grpSpPr>
+      <p:sp>
+        <p:nvSpPr>
+          <p:cNvPr id="2" name="Slide Image Placeholder 1"/>
+          <p:cNvSpPr>
+            <a:spLocks noGrp="1" noRot="1" noChangeAspect="1"/>
+          </p:cNvSpPr>
+          <p:nvPr>
+            <p:ph type="sldImg"/>
+          </p:nvPr>
+        </p:nvSpPr>
+        <p:spPr/>
+      </p:sp>
+      <p:sp>
+        <p:nvSpPr>
+          <p:cNvPr id="3" name="Notes Placeholder 2"/>
+          <p:cNvSpPr>
+            <a:spLocks noGrp="1"/>
+          </p:cNvSpPr>
+          <p:nvPr>
+            <p:ph type="body" idx="1"/>
+          </p:nvPr>
+        </p:nvSpPr>
+        <p:spPr/>
+        <p:txBody>
+          <a:bodyPr/>
+          <a:lstStyle/>
+          <a:p>
+            <a:endParaRPr lang="en-US" dirty="0"/>
+          </a:p>
+        </p:txBody>
+      </p:sp>
+      <p:sp>
+        <p:nvSpPr>
+          <p:cNvPr id="4" name="Slide Number Placeholder 3"/>
+          <p:cNvSpPr>
+            <a:spLocks noGrp="1"/>
+          </p:cNvSpPr>
+          <p:nvPr>
+            <p:ph type="sldNum" sz="quarter" idx="10"/>
+          </p:nvPr>
+        </p:nvSpPr>
+        <p:spPr/>
+        <p:txBody>
+          <a:bodyPr/>
+          <a:lstStyle/>
+          <a:p>
+            <a:pPr>
+              <a:defRPr/>
+            </a:pPr>
+            <a:fld id="{ABC2C3F8-920C-4239-9891-79F2271E8033}" type="slidenum">
+              <a:rPr lang="en-US" smtClean="0"/>
+              <a:pPr>
+                <a:defRPr/>
+              </a:pPr>
+              <a:t>16</a:t>
+            </a:fld>
+            <a:endParaRPr lang="en-US"/>
+          </a:p>
+        </p:txBody>
+      </p:sp>
+    </p:spTree>
+    <p:extLst>
+      <p:ext uri="{BB962C8B-B14F-4D97-AF65-F5344CB8AC3E}">
+        <p14:creationId xmlns:p14="http://schemas.microsoft.com/office/powerpoint/2010/main" val="3157011932"/>
+      </p:ext>
+    </p:extLst>
+  </p:cSld>
+  <p:clrMapOvr>
+    <a:masterClrMapping/>
+  </p:clrMapOvr>
+</p:notes>
+</file>
+
+<file path=ppt/notesSlides/notesSlide16.xml><?xml version="1.0" encoding="utf-8"?>
+<p:notes xmlns:a="http://schemas.openxmlformats.org/drawingml/2006/main" xmlns:r="http://schemas.openxmlformats.org/officeDocument/2006/relationships" xmlns:p="http://schemas.openxmlformats.org/presentationml/2006/main">
+  <p:cSld>
+    <p:spTree>
+      <p:nvGrpSpPr>
+        <p:cNvPr id="1" name=""/>
+        <p:cNvGrpSpPr/>
+        <p:nvPr/>
+      </p:nvGrpSpPr>
+      <p:grpSpPr>
+        <a:xfrm>
+          <a:off x="0" y="0"/>
+          <a:ext cx="0" cy="0"/>
+          <a:chOff x="0" y="0"/>
+          <a:chExt cx="0" cy="0"/>
+        </a:xfrm>
+      </p:grpSpPr>
+      <p:sp>
+        <p:nvSpPr>
+          <p:cNvPr id="2" name="Slide Image Placeholder 1"/>
+          <p:cNvSpPr>
+            <a:spLocks noGrp="1" noRot="1" noChangeAspect="1"/>
+          </p:cNvSpPr>
+          <p:nvPr>
+            <p:ph type="sldImg"/>
+          </p:nvPr>
+        </p:nvSpPr>
+        <p:spPr/>
+      </p:sp>
+      <p:sp>
+        <p:nvSpPr>
+          <p:cNvPr id="3" name="Notes Placeholder 2"/>
+          <p:cNvSpPr>
+            <a:spLocks noGrp="1"/>
+          </p:cNvSpPr>
+          <p:nvPr>
+            <p:ph type="body" idx="1"/>
+          </p:nvPr>
+        </p:nvSpPr>
+        <p:spPr/>
+        <p:txBody>
+          <a:bodyPr/>
+          <a:lstStyle/>
+          <a:p>
+            <a:endParaRPr lang="en-US" dirty="0"/>
+          </a:p>
+        </p:txBody>
+      </p:sp>
+      <p:sp>
+        <p:nvSpPr>
+          <p:cNvPr id="4" name="Slide Number Placeholder 3"/>
+          <p:cNvSpPr>
+            <a:spLocks noGrp="1"/>
+          </p:cNvSpPr>
+          <p:nvPr>
+            <p:ph type="sldNum" sz="quarter" idx="10"/>
+          </p:nvPr>
+        </p:nvSpPr>
+        <p:spPr/>
+        <p:txBody>
+          <a:bodyPr/>
+          <a:lstStyle/>
+          <a:p>
+            <a:pPr>
+              <a:defRPr/>
+            </a:pPr>
+            <a:fld id="{ABC2C3F8-920C-4239-9891-79F2271E8033}" type="slidenum">
+              <a:rPr lang="en-US" smtClean="0"/>
+              <a:pPr>
+                <a:defRPr/>
+              </a:pPr>
+              <a:t>17</a:t>
+            </a:fld>
+            <a:endParaRPr lang="en-US"/>
+          </a:p>
+        </p:txBody>
+      </p:sp>
+    </p:spTree>
+    <p:extLst>
+      <p:ext uri="{BB962C8B-B14F-4D97-AF65-F5344CB8AC3E}">
+        <p14:creationId xmlns:p14="http://schemas.microsoft.com/office/powerpoint/2010/main" val="376003449"/>
+      </p:ext>
+    </p:extLst>
+  </p:cSld>
+  <p:clrMapOvr>
+    <a:masterClrMapping/>
+  </p:clrMapOvr>
+</p:notes>
+</file>
+
 <file path=ppt/notesSlides/notesSlide2.xml><?xml version="1.0" encoding="utf-8"?>
 <p:notes xmlns:a="http://schemas.openxmlformats.org/drawingml/2006/main" xmlns:r="http://schemas.openxmlformats.org/officeDocument/2006/relationships" xmlns:p="http://schemas.openxmlformats.org/presentationml/2006/main">
   <p:cSld>
@@ -921,7 +1557,7 @@
           <a:bodyPr/>
           <a:lstStyle/>
           <a:p>
-            <a:endParaRPr lang="en-US" dirty="0"/>
+            <a:endParaRPr lang="en-US"/>
           </a:p>
         </p:txBody>
       </p:sp>
@@ -948,7 +1584,7 @@
               <a:pPr>
                 <a:defRPr/>
               </a:pPr>
-              <a:t>15</a:t>
+              <a:t>4</a:t>
             </a:fld>
             <a:endParaRPr lang="en-US"/>
           </a:p>
@@ -957,7 +1593,7 @@
     </p:spTree>
     <p:extLst>
       <p:ext uri="{BB962C8B-B14F-4D97-AF65-F5344CB8AC3E}">
-        <p14:creationId xmlns:p14="http://schemas.microsoft.com/office/powerpoint/2010/main" val="4107737587"/>
+        <p14:creationId xmlns:p14="http://schemas.microsoft.com/office/powerpoint/2010/main" val="3519148227"/>
       </p:ext>
     </p:extLst>
   </p:cSld>
@@ -1011,7 +1647,7 @@
           <a:bodyPr/>
           <a:lstStyle/>
           <a:p>
-            <a:endParaRPr lang="en-US" dirty="0"/>
+            <a:endParaRPr lang="en-US"/>
           </a:p>
         </p:txBody>
       </p:sp>
@@ -1038,7 +1674,7 @@
               <a:pPr>
                 <a:defRPr/>
               </a:pPr>
-              <a:t>16</a:t>
+              <a:t>5</a:t>
             </a:fld>
             <a:endParaRPr lang="en-US"/>
           </a:p>
@@ -1047,7 +1683,457 @@
     </p:spTree>
     <p:extLst>
       <p:ext uri="{BB962C8B-B14F-4D97-AF65-F5344CB8AC3E}">
-        <p14:creationId xmlns:p14="http://schemas.microsoft.com/office/powerpoint/2010/main" val="2433617412"/>
+        <p14:creationId xmlns:p14="http://schemas.microsoft.com/office/powerpoint/2010/main" val="98616027"/>
+      </p:ext>
+    </p:extLst>
+  </p:cSld>
+  <p:clrMapOvr>
+    <a:masterClrMapping/>
+  </p:clrMapOvr>
+</p:notes>
+</file>
+
+<file path=ppt/notesSlides/notesSlide5.xml><?xml version="1.0" encoding="utf-8"?>
+<p:notes xmlns:a="http://schemas.openxmlformats.org/drawingml/2006/main" xmlns:r="http://schemas.openxmlformats.org/officeDocument/2006/relationships" xmlns:p="http://schemas.openxmlformats.org/presentationml/2006/main">
+  <p:cSld>
+    <p:spTree>
+      <p:nvGrpSpPr>
+        <p:cNvPr id="1" name=""/>
+        <p:cNvGrpSpPr/>
+        <p:nvPr/>
+      </p:nvGrpSpPr>
+      <p:grpSpPr>
+        <a:xfrm>
+          <a:off x="0" y="0"/>
+          <a:ext cx="0" cy="0"/>
+          <a:chOff x="0" y="0"/>
+          <a:chExt cx="0" cy="0"/>
+        </a:xfrm>
+      </p:grpSpPr>
+      <p:sp>
+        <p:nvSpPr>
+          <p:cNvPr id="2" name="Slide Image Placeholder 1"/>
+          <p:cNvSpPr>
+            <a:spLocks noGrp="1" noRot="1" noChangeAspect="1"/>
+          </p:cNvSpPr>
+          <p:nvPr>
+            <p:ph type="sldImg"/>
+          </p:nvPr>
+        </p:nvSpPr>
+        <p:spPr/>
+      </p:sp>
+      <p:sp>
+        <p:nvSpPr>
+          <p:cNvPr id="3" name="Notes Placeholder 2"/>
+          <p:cNvSpPr>
+            <a:spLocks noGrp="1"/>
+          </p:cNvSpPr>
+          <p:nvPr>
+            <p:ph type="body" idx="1"/>
+          </p:nvPr>
+        </p:nvSpPr>
+        <p:spPr/>
+        <p:txBody>
+          <a:bodyPr/>
+          <a:lstStyle/>
+          <a:p>
+            <a:endParaRPr lang="en-US"/>
+          </a:p>
+        </p:txBody>
+      </p:sp>
+      <p:sp>
+        <p:nvSpPr>
+          <p:cNvPr id="4" name="Slide Number Placeholder 3"/>
+          <p:cNvSpPr>
+            <a:spLocks noGrp="1"/>
+          </p:cNvSpPr>
+          <p:nvPr>
+            <p:ph type="sldNum" sz="quarter" idx="10"/>
+          </p:nvPr>
+        </p:nvSpPr>
+        <p:spPr/>
+        <p:txBody>
+          <a:bodyPr/>
+          <a:lstStyle/>
+          <a:p>
+            <a:pPr>
+              <a:defRPr/>
+            </a:pPr>
+            <a:fld id="{ABC2C3F8-920C-4239-9891-79F2271E8033}" type="slidenum">
+              <a:rPr lang="en-US" smtClean="0"/>
+              <a:pPr>
+                <a:defRPr/>
+              </a:pPr>
+              <a:t>6</a:t>
+            </a:fld>
+            <a:endParaRPr lang="en-US"/>
+          </a:p>
+        </p:txBody>
+      </p:sp>
+    </p:spTree>
+    <p:extLst>
+      <p:ext uri="{BB962C8B-B14F-4D97-AF65-F5344CB8AC3E}">
+        <p14:creationId xmlns:p14="http://schemas.microsoft.com/office/powerpoint/2010/main" val="3782476184"/>
+      </p:ext>
+    </p:extLst>
+  </p:cSld>
+  <p:clrMapOvr>
+    <a:masterClrMapping/>
+  </p:clrMapOvr>
+</p:notes>
+</file>
+
+<file path=ppt/notesSlides/notesSlide6.xml><?xml version="1.0" encoding="utf-8"?>
+<p:notes xmlns:a="http://schemas.openxmlformats.org/drawingml/2006/main" xmlns:r="http://schemas.openxmlformats.org/officeDocument/2006/relationships" xmlns:p="http://schemas.openxmlformats.org/presentationml/2006/main">
+  <p:cSld>
+    <p:spTree>
+      <p:nvGrpSpPr>
+        <p:cNvPr id="1" name=""/>
+        <p:cNvGrpSpPr/>
+        <p:nvPr/>
+      </p:nvGrpSpPr>
+      <p:grpSpPr>
+        <a:xfrm>
+          <a:off x="0" y="0"/>
+          <a:ext cx="0" cy="0"/>
+          <a:chOff x="0" y="0"/>
+          <a:chExt cx="0" cy="0"/>
+        </a:xfrm>
+      </p:grpSpPr>
+      <p:sp>
+        <p:nvSpPr>
+          <p:cNvPr id="2" name="Slide Image Placeholder 1"/>
+          <p:cNvSpPr>
+            <a:spLocks noGrp="1" noRot="1" noChangeAspect="1"/>
+          </p:cNvSpPr>
+          <p:nvPr>
+            <p:ph type="sldImg"/>
+          </p:nvPr>
+        </p:nvSpPr>
+        <p:spPr/>
+      </p:sp>
+      <p:sp>
+        <p:nvSpPr>
+          <p:cNvPr id="3" name="Notes Placeholder 2"/>
+          <p:cNvSpPr>
+            <a:spLocks noGrp="1"/>
+          </p:cNvSpPr>
+          <p:nvPr>
+            <p:ph type="body" idx="1"/>
+          </p:nvPr>
+        </p:nvSpPr>
+        <p:spPr/>
+        <p:txBody>
+          <a:bodyPr/>
+          <a:lstStyle/>
+          <a:p>
+            <a:endParaRPr lang="en-US"/>
+          </a:p>
+        </p:txBody>
+      </p:sp>
+      <p:sp>
+        <p:nvSpPr>
+          <p:cNvPr id="4" name="Slide Number Placeholder 3"/>
+          <p:cNvSpPr>
+            <a:spLocks noGrp="1"/>
+          </p:cNvSpPr>
+          <p:nvPr>
+            <p:ph type="sldNum" sz="quarter" idx="10"/>
+          </p:nvPr>
+        </p:nvSpPr>
+        <p:spPr/>
+        <p:txBody>
+          <a:bodyPr/>
+          <a:lstStyle/>
+          <a:p>
+            <a:pPr>
+              <a:defRPr/>
+            </a:pPr>
+            <a:fld id="{ABC2C3F8-920C-4239-9891-79F2271E8033}" type="slidenum">
+              <a:rPr lang="en-US" smtClean="0"/>
+              <a:pPr>
+                <a:defRPr/>
+              </a:pPr>
+              <a:t>7</a:t>
+            </a:fld>
+            <a:endParaRPr lang="en-US"/>
+          </a:p>
+        </p:txBody>
+      </p:sp>
+    </p:spTree>
+    <p:extLst>
+      <p:ext uri="{BB962C8B-B14F-4D97-AF65-F5344CB8AC3E}">
+        <p14:creationId xmlns:p14="http://schemas.microsoft.com/office/powerpoint/2010/main" val="1594949641"/>
+      </p:ext>
+    </p:extLst>
+  </p:cSld>
+  <p:clrMapOvr>
+    <a:masterClrMapping/>
+  </p:clrMapOvr>
+</p:notes>
+</file>
+
+<file path=ppt/notesSlides/notesSlide7.xml><?xml version="1.0" encoding="utf-8"?>
+<p:notes xmlns:a="http://schemas.openxmlformats.org/drawingml/2006/main" xmlns:r="http://schemas.openxmlformats.org/officeDocument/2006/relationships" xmlns:p="http://schemas.openxmlformats.org/presentationml/2006/main">
+  <p:cSld>
+    <p:spTree>
+      <p:nvGrpSpPr>
+        <p:cNvPr id="1" name=""/>
+        <p:cNvGrpSpPr/>
+        <p:nvPr/>
+      </p:nvGrpSpPr>
+      <p:grpSpPr>
+        <a:xfrm>
+          <a:off x="0" y="0"/>
+          <a:ext cx="0" cy="0"/>
+          <a:chOff x="0" y="0"/>
+          <a:chExt cx="0" cy="0"/>
+        </a:xfrm>
+      </p:grpSpPr>
+      <p:sp>
+        <p:nvSpPr>
+          <p:cNvPr id="2" name="Slide Image Placeholder 1"/>
+          <p:cNvSpPr>
+            <a:spLocks noGrp="1" noRot="1" noChangeAspect="1"/>
+          </p:cNvSpPr>
+          <p:nvPr>
+            <p:ph type="sldImg"/>
+          </p:nvPr>
+        </p:nvSpPr>
+        <p:spPr/>
+      </p:sp>
+      <p:sp>
+        <p:nvSpPr>
+          <p:cNvPr id="3" name="Notes Placeholder 2"/>
+          <p:cNvSpPr>
+            <a:spLocks noGrp="1"/>
+          </p:cNvSpPr>
+          <p:nvPr>
+            <p:ph type="body" idx="1"/>
+          </p:nvPr>
+        </p:nvSpPr>
+        <p:spPr/>
+        <p:txBody>
+          <a:bodyPr/>
+          <a:lstStyle/>
+          <a:p>
+            <a:endParaRPr lang="en-US"/>
+          </a:p>
+        </p:txBody>
+      </p:sp>
+      <p:sp>
+        <p:nvSpPr>
+          <p:cNvPr id="4" name="Slide Number Placeholder 3"/>
+          <p:cNvSpPr>
+            <a:spLocks noGrp="1"/>
+          </p:cNvSpPr>
+          <p:nvPr>
+            <p:ph type="sldNum" sz="quarter" idx="10"/>
+          </p:nvPr>
+        </p:nvSpPr>
+        <p:spPr/>
+        <p:txBody>
+          <a:bodyPr/>
+          <a:lstStyle/>
+          <a:p>
+            <a:pPr>
+              <a:defRPr/>
+            </a:pPr>
+            <a:fld id="{ABC2C3F8-920C-4239-9891-79F2271E8033}" type="slidenum">
+              <a:rPr lang="en-US" smtClean="0"/>
+              <a:pPr>
+                <a:defRPr/>
+              </a:pPr>
+              <a:t>8</a:t>
+            </a:fld>
+            <a:endParaRPr lang="en-US"/>
+          </a:p>
+        </p:txBody>
+      </p:sp>
+    </p:spTree>
+    <p:extLst>
+      <p:ext uri="{BB962C8B-B14F-4D97-AF65-F5344CB8AC3E}">
+        <p14:creationId xmlns:p14="http://schemas.microsoft.com/office/powerpoint/2010/main" val="2323143041"/>
+      </p:ext>
+    </p:extLst>
+  </p:cSld>
+  <p:clrMapOvr>
+    <a:masterClrMapping/>
+  </p:clrMapOvr>
+</p:notes>
+</file>
+
+<file path=ppt/notesSlides/notesSlide8.xml><?xml version="1.0" encoding="utf-8"?>
+<p:notes xmlns:a="http://schemas.openxmlformats.org/drawingml/2006/main" xmlns:r="http://schemas.openxmlformats.org/officeDocument/2006/relationships" xmlns:p="http://schemas.openxmlformats.org/presentationml/2006/main">
+  <p:cSld>
+    <p:spTree>
+      <p:nvGrpSpPr>
+        <p:cNvPr id="1" name=""/>
+        <p:cNvGrpSpPr/>
+        <p:nvPr/>
+      </p:nvGrpSpPr>
+      <p:grpSpPr>
+        <a:xfrm>
+          <a:off x="0" y="0"/>
+          <a:ext cx="0" cy="0"/>
+          <a:chOff x="0" y="0"/>
+          <a:chExt cx="0" cy="0"/>
+        </a:xfrm>
+      </p:grpSpPr>
+      <p:sp>
+        <p:nvSpPr>
+          <p:cNvPr id="2" name="Slide Image Placeholder 1"/>
+          <p:cNvSpPr>
+            <a:spLocks noGrp="1" noRot="1" noChangeAspect="1"/>
+          </p:cNvSpPr>
+          <p:nvPr>
+            <p:ph type="sldImg"/>
+          </p:nvPr>
+        </p:nvSpPr>
+        <p:spPr/>
+      </p:sp>
+      <p:sp>
+        <p:nvSpPr>
+          <p:cNvPr id="3" name="Notes Placeholder 2"/>
+          <p:cNvSpPr>
+            <a:spLocks noGrp="1"/>
+          </p:cNvSpPr>
+          <p:nvPr>
+            <p:ph type="body" idx="1"/>
+          </p:nvPr>
+        </p:nvSpPr>
+        <p:spPr/>
+        <p:txBody>
+          <a:bodyPr/>
+          <a:lstStyle/>
+          <a:p>
+            <a:endParaRPr lang="en-US"/>
+          </a:p>
+        </p:txBody>
+      </p:sp>
+      <p:sp>
+        <p:nvSpPr>
+          <p:cNvPr id="4" name="Slide Number Placeholder 3"/>
+          <p:cNvSpPr>
+            <a:spLocks noGrp="1"/>
+          </p:cNvSpPr>
+          <p:nvPr>
+            <p:ph type="sldNum" sz="quarter" idx="10"/>
+          </p:nvPr>
+        </p:nvSpPr>
+        <p:spPr/>
+        <p:txBody>
+          <a:bodyPr/>
+          <a:lstStyle/>
+          <a:p>
+            <a:pPr>
+              <a:defRPr/>
+            </a:pPr>
+            <a:fld id="{ABC2C3F8-920C-4239-9891-79F2271E8033}" type="slidenum">
+              <a:rPr lang="en-US" smtClean="0"/>
+              <a:pPr>
+                <a:defRPr/>
+              </a:pPr>
+              <a:t>9</a:t>
+            </a:fld>
+            <a:endParaRPr lang="en-US"/>
+          </a:p>
+        </p:txBody>
+      </p:sp>
+    </p:spTree>
+    <p:extLst>
+      <p:ext uri="{BB962C8B-B14F-4D97-AF65-F5344CB8AC3E}">
+        <p14:creationId xmlns:p14="http://schemas.microsoft.com/office/powerpoint/2010/main" val="2433607978"/>
+      </p:ext>
+    </p:extLst>
+  </p:cSld>
+  <p:clrMapOvr>
+    <a:masterClrMapping/>
+  </p:clrMapOvr>
+</p:notes>
+</file>
+
+<file path=ppt/notesSlides/notesSlide9.xml><?xml version="1.0" encoding="utf-8"?>
+<p:notes xmlns:a="http://schemas.openxmlformats.org/drawingml/2006/main" xmlns:r="http://schemas.openxmlformats.org/officeDocument/2006/relationships" xmlns:p="http://schemas.openxmlformats.org/presentationml/2006/main">
+  <p:cSld>
+    <p:spTree>
+      <p:nvGrpSpPr>
+        <p:cNvPr id="1" name=""/>
+        <p:cNvGrpSpPr/>
+        <p:nvPr/>
+      </p:nvGrpSpPr>
+      <p:grpSpPr>
+        <a:xfrm>
+          <a:off x="0" y="0"/>
+          <a:ext cx="0" cy="0"/>
+          <a:chOff x="0" y="0"/>
+          <a:chExt cx="0" cy="0"/>
+        </a:xfrm>
+      </p:grpSpPr>
+      <p:sp>
+        <p:nvSpPr>
+          <p:cNvPr id="2" name="Slide Image Placeholder 1"/>
+          <p:cNvSpPr>
+            <a:spLocks noGrp="1" noRot="1" noChangeAspect="1"/>
+          </p:cNvSpPr>
+          <p:nvPr>
+            <p:ph type="sldImg"/>
+          </p:nvPr>
+        </p:nvSpPr>
+        <p:spPr/>
+      </p:sp>
+      <p:sp>
+        <p:nvSpPr>
+          <p:cNvPr id="3" name="Notes Placeholder 2"/>
+          <p:cNvSpPr>
+            <a:spLocks noGrp="1"/>
+          </p:cNvSpPr>
+          <p:nvPr>
+            <p:ph type="body" idx="1"/>
+          </p:nvPr>
+        </p:nvSpPr>
+        <p:spPr/>
+        <p:txBody>
+          <a:bodyPr/>
+          <a:lstStyle/>
+          <a:p>
+            <a:endParaRPr lang="en-US"/>
+          </a:p>
+        </p:txBody>
+      </p:sp>
+      <p:sp>
+        <p:nvSpPr>
+          <p:cNvPr id="4" name="Slide Number Placeholder 3"/>
+          <p:cNvSpPr>
+            <a:spLocks noGrp="1"/>
+          </p:cNvSpPr>
+          <p:nvPr>
+            <p:ph type="sldNum" sz="quarter" idx="10"/>
+          </p:nvPr>
+        </p:nvSpPr>
+        <p:spPr/>
+        <p:txBody>
+          <a:bodyPr/>
+          <a:lstStyle/>
+          <a:p>
+            <a:pPr>
+              <a:defRPr/>
+            </a:pPr>
+            <a:fld id="{ABC2C3F8-920C-4239-9891-79F2271E8033}" type="slidenum">
+              <a:rPr lang="en-US" smtClean="0"/>
+              <a:pPr>
+                <a:defRPr/>
+              </a:pPr>
+              <a:t>10</a:t>
+            </a:fld>
+            <a:endParaRPr lang="en-US"/>
+          </a:p>
+        </p:txBody>
+      </p:sp>
+    </p:spTree>
+    <p:extLst>
+      <p:ext uri="{BB962C8B-B14F-4D97-AF65-F5344CB8AC3E}">
+        <p14:creationId xmlns:p14="http://schemas.microsoft.com/office/powerpoint/2010/main" val="1724875141"/>
       </p:ext>
     </p:extLst>
   </p:cSld>
@@ -3011,7 +4097,7 @@
           <p:cNvPr id="2" name="Title 1">
             <a:extLst>
               <a:ext uri="{FF2B5EF4-FFF2-40B4-BE49-F238E27FC236}">
-                <a16:creationId xmlns:a16="http://schemas.microsoft.com/office/drawing/2014/main" id="{5C287DE2-E1A2-4F41-96FE-94AF4425CB03}"/>
+                <a16:creationId xmlns="" xmlns:a16="http://schemas.microsoft.com/office/drawing/2014/main" id="{5C287DE2-E1A2-4F41-96FE-94AF4425CB03}"/>
               </a:ext>
             </a:extLst>
           </p:cNvPr>
@@ -3036,6 +4122,10 @@
             </a:lvl1pPr>
           </a:lstStyle>
           <a:p>
+            <a:r>
+              <a:rPr lang="en-US" dirty="0"/>
+              <a:t/>
+            </a:r>
             <a:br>
               <a:rPr lang="en-US" dirty="0"/>
             </a:br>
@@ -3053,27 +4143,59 @@
             <a:br>
               <a:rPr lang="en-US" dirty="0"/>
             </a:br>
+            <a:r>
+              <a:rPr lang="en-US" dirty="0"/>
+              <a:t/>
+            </a:r>
             <a:br>
               <a:rPr lang="en-US" dirty="0"/>
             </a:br>
+            <a:r>
+              <a:rPr lang="en-US" dirty="0"/>
+              <a:t/>
+            </a:r>
             <a:br>
               <a:rPr lang="en-US" dirty="0"/>
             </a:br>
+            <a:r>
+              <a:rPr lang="en-US" dirty="0"/>
+              <a:t/>
+            </a:r>
             <a:br>
               <a:rPr lang="en-US" dirty="0"/>
             </a:br>
+            <a:r>
+              <a:rPr lang="en-US" dirty="0"/>
+              <a:t/>
+            </a:r>
             <a:br>
               <a:rPr lang="en-US" dirty="0"/>
             </a:br>
+            <a:r>
+              <a:rPr lang="en-US" dirty="0"/>
+              <a:t/>
+            </a:r>
             <a:br>
               <a:rPr lang="en-US" dirty="0"/>
             </a:br>
+            <a:r>
+              <a:rPr lang="en-US" dirty="0"/>
+              <a:t/>
+            </a:r>
             <a:br>
               <a:rPr lang="en-US" dirty="0"/>
             </a:br>
+            <a:r>
+              <a:rPr lang="en-US" dirty="0"/>
+              <a:t/>
+            </a:r>
             <a:br>
               <a:rPr lang="en-US" dirty="0"/>
             </a:br>
+            <a:r>
+              <a:rPr lang="en-US" dirty="0"/>
+              <a:t/>
+            </a:r>
             <a:br>
               <a:rPr lang="en-US" dirty="0"/>
             </a:br>
@@ -3084,6 +4206,10 @@
             <a:br>
               <a:rPr lang="en-US" dirty="0"/>
             </a:br>
+            <a:r>
+              <a:rPr lang="en-US" dirty="0"/>
+              <a:t/>
+            </a:r>
             <a:br>
               <a:rPr lang="en-US" dirty="0"/>
             </a:br>
@@ -3094,6 +4220,10 @@
             <a:br>
               <a:rPr lang="en-US" dirty="0"/>
             </a:br>
+            <a:r>
+              <a:rPr lang="en-US" dirty="0"/>
+              <a:t/>
+            </a:r>
             <a:br>
               <a:rPr lang="en-US" dirty="0"/>
             </a:br>
@@ -3113,7 +4243,7 @@
           <p:cNvPr id="3" name="Slide Number Placeholder 2">
             <a:extLst>
               <a:ext uri="{FF2B5EF4-FFF2-40B4-BE49-F238E27FC236}">
-                <a16:creationId xmlns:a16="http://schemas.microsoft.com/office/drawing/2014/main" id="{7D2FFADE-E1BC-48C1-83AA-6DDDD39A33C4}"/>
+                <a16:creationId xmlns="" xmlns:a16="http://schemas.microsoft.com/office/drawing/2014/main" id="{7D2FFADE-E1BC-48C1-83AA-6DDDD39A33C4}"/>
               </a:ext>
             </a:extLst>
           </p:cNvPr>
@@ -3148,7 +4278,7 @@
           <p:cNvPr id="9" name="Picture 8">
             <a:extLst>
               <a:ext uri="{FF2B5EF4-FFF2-40B4-BE49-F238E27FC236}">
-                <a16:creationId xmlns:a16="http://schemas.microsoft.com/office/drawing/2014/main" id="{9CBFC76A-A606-42CF-BCDF-C73975C150B9}"/>
+                <a16:creationId xmlns="" xmlns:a16="http://schemas.microsoft.com/office/drawing/2014/main" id="{9CBFC76A-A606-42CF-BCDF-C73975C150B9}"/>
               </a:ext>
             </a:extLst>
           </p:cNvPr>
@@ -4125,9 +5255,17 @@
           <a:bodyPr/>
           <a:lstStyle/>
           <a:p>
+            <a:r>
+              <a:rPr lang="en-US" dirty="0"/>
+              <a:t/>
+            </a:r>
             <a:br>
               <a:rPr lang="en-US" dirty="0"/>
             </a:br>
+            <a:r>
+              <a:rPr lang="en-US" dirty="0"/>
+              <a:t/>
+            </a:r>
             <a:br>
               <a:rPr lang="en-US" dirty="0"/>
             </a:br>
@@ -4209,10 +5347,9 @@
           <a:lstStyle/>
           <a:p>
             <a:r>
-              <a:rPr lang="en-US"/>
-              <a:t>Background</a:t>
-            </a:r>
-            <a:endParaRPr lang="en-US" dirty="0"/>
+              <a:rPr lang="en-US" dirty="0"/>
+              <a:t>ISO Model</a:t>
+            </a:r>
           </a:p>
         </p:txBody>
       </p:sp>
@@ -4232,73 +5369,72 @@
           <a:lstStyle/>
           <a:p>
             <a:r>
-              <a:rPr lang="en-US"/>
+              <a:rPr lang="en-US" dirty="0"/>
               <a:t>ISO/OSI Reference Model</a:t>
             </a:r>
           </a:p>
           <a:p>
             <a:pPr lvl="1"/>
             <a:r>
-              <a:rPr lang="en-US"/>
+              <a:rPr lang="en-US" dirty="0"/>
               <a:t>Provides a common basis for coordination of standards. </a:t>
             </a:r>
           </a:p>
           <a:p>
             <a:pPr lvl="1"/>
             <a:r>
-              <a:rPr lang="en-US"/>
+              <a:rPr lang="en-US" dirty="0"/>
               <a:t>Based on a hierarchical model</a:t>
             </a:r>
           </a:p>
           <a:p>
             <a:pPr lvl="2"/>
             <a:r>
-              <a:rPr lang="en-US"/>
+              <a:rPr lang="en-US" dirty="0"/>
               <a:t>Application Layer</a:t>
             </a:r>
           </a:p>
           <a:p>
             <a:pPr lvl="2"/>
             <a:r>
-              <a:rPr lang="en-US"/>
+              <a:rPr lang="en-US" dirty="0"/>
               <a:t>Presentation Layer</a:t>
             </a:r>
           </a:p>
           <a:p>
             <a:pPr lvl="2"/>
             <a:r>
-              <a:rPr lang="en-US"/>
+              <a:rPr lang="en-US" dirty="0"/>
               <a:t>Session Layer</a:t>
             </a:r>
           </a:p>
           <a:p>
             <a:pPr lvl="2"/>
             <a:r>
-              <a:rPr lang="en-US"/>
+              <a:rPr lang="en-US" dirty="0"/>
               <a:t>Transport Layer</a:t>
             </a:r>
           </a:p>
           <a:p>
             <a:pPr lvl="2"/>
             <a:r>
-              <a:rPr lang="en-US"/>
+              <a:rPr lang="en-US" dirty="0"/>
               <a:t>Network Layer</a:t>
             </a:r>
           </a:p>
           <a:p>
             <a:pPr lvl="2"/>
             <a:r>
-              <a:rPr lang="en-US"/>
+              <a:rPr lang="en-US" dirty="0"/>
               <a:t>Data Link Layer</a:t>
             </a:r>
           </a:p>
           <a:p>
             <a:pPr lvl="2"/>
             <a:r>
-              <a:rPr lang="en-US"/>
+              <a:rPr lang="en-US" dirty="0"/>
               <a:t>Physical Layer</a:t>
             </a:r>
-            <a:endParaRPr lang="en-US" dirty="0"/>
           </a:p>
         </p:txBody>
       </p:sp>
@@ -4332,7 +5468,7 @@
     </p:custDataLst>
     <p:extLst>
       <p:ext uri="{BB962C8B-B14F-4D97-AF65-F5344CB8AC3E}">
-        <p14:creationId xmlns:p14="http://schemas.microsoft.com/office/powerpoint/2010/main" val="3745513274"/>
+        <p14:creationId xmlns:p14="http://schemas.microsoft.com/office/powerpoint/2010/main" val="2955414621"/>
       </p:ext>
     </p:extLst>
   </p:cSld>
@@ -4376,35 +5512,9 @@
           <a:lstStyle/>
           <a:p>
             <a:r>
-              <a:rPr lang="en-US"/>
-              <a:t>Background</a:t>
-            </a:r>
-            <a:endParaRPr lang="en-US" dirty="0"/>
-          </a:p>
-        </p:txBody>
-      </p:sp>
-      <p:sp>
-        <p:nvSpPr>
-          <p:cNvPr id="4" name="Content Placeholder 3">
-            <a:extLst>
-              <a:ext uri="{FF2B5EF4-FFF2-40B4-BE49-F238E27FC236}">
-                <a16:creationId xmlns:a16="http://schemas.microsoft.com/office/drawing/2014/main" id="{87493652-CE57-4728-90C7-04AF6A8CC433}"/>
-              </a:ext>
-            </a:extLst>
-          </p:cNvPr>
-          <p:cNvSpPr>
-            <a:spLocks noGrp="1"/>
-          </p:cNvSpPr>
-          <p:nvPr>
-            <p:ph idx="1"/>
-          </p:nvPr>
-        </p:nvSpPr>
-        <p:spPr/>
-        <p:txBody>
-          <a:bodyPr/>
-          <a:lstStyle/>
-          <a:p>
-            <a:endParaRPr lang="en-US"/>
+              <a:rPr lang="en-US" dirty="0"/>
+              <a:t>ISO Model (part 1)</a:t>
+            </a:r>
           </a:p>
         </p:txBody>
       </p:sp>
@@ -4432,427 +5542,29 @@
           </a:p>
         </p:txBody>
       </p:sp>
-      <p:sp>
-        <p:nvSpPr>
-          <p:cNvPr id="28675" name="Rectangle 3"/>
-          <p:cNvSpPr>
-            <a:spLocks noChangeArrowheads="1"/>
-          </p:cNvSpPr>
-          <p:nvPr/>
-        </p:nvSpPr>
-        <p:spPr bwMode="auto">
-          <a:xfrm>
-            <a:off x="692150" y="1377950"/>
-            <a:ext cx="1739900" cy="444500"/>
-          </a:xfrm>
-          <a:prstGeom prst="rect">
-            <a:avLst/>
-          </a:prstGeom>
-          <a:solidFill>
-            <a:schemeClr val="bg1"/>
-          </a:solidFill>
-          <a:ln w="12700">
-            <a:solidFill>
-              <a:schemeClr val="tx1"/>
-            </a:solidFill>
-            <a:miter lim="800000"/>
-            <a:headEnd/>
-            <a:tailEnd/>
-          </a:ln>
-        </p:spPr>
-        <p:txBody>
-          <a:bodyPr wrap="none" anchor="ctr"/>
-          <a:lstStyle/>
-          <a:p>
-            <a:endParaRPr lang="en-US"/>
-          </a:p>
-        </p:txBody>
-      </p:sp>
-      <p:sp>
-        <p:nvSpPr>
-          <p:cNvPr id="28676" name="Rectangle 4"/>
-          <p:cNvSpPr>
-            <a:spLocks noChangeArrowheads="1"/>
-          </p:cNvSpPr>
-          <p:nvPr/>
-        </p:nvSpPr>
-        <p:spPr bwMode="auto">
-          <a:xfrm>
-            <a:off x="692150" y="1987550"/>
-            <a:ext cx="1739900" cy="444500"/>
-          </a:xfrm>
-          <a:prstGeom prst="rect">
-            <a:avLst/>
-          </a:prstGeom>
-          <a:solidFill>
-            <a:schemeClr val="bg1"/>
-          </a:solidFill>
-          <a:ln w="12700">
-            <a:solidFill>
-              <a:schemeClr val="tx1"/>
-            </a:solidFill>
-            <a:miter lim="800000"/>
-            <a:headEnd/>
-            <a:tailEnd/>
-          </a:ln>
-        </p:spPr>
-        <p:txBody>
-          <a:bodyPr wrap="none" anchor="ctr"/>
-          <a:lstStyle/>
-          <a:p>
-            <a:endParaRPr lang="en-US"/>
-          </a:p>
-        </p:txBody>
-      </p:sp>
-      <p:sp>
-        <p:nvSpPr>
-          <p:cNvPr id="28677" name="Rectangle 5"/>
-          <p:cNvSpPr>
-            <a:spLocks noChangeArrowheads="1"/>
-          </p:cNvSpPr>
-          <p:nvPr/>
-        </p:nvSpPr>
-        <p:spPr bwMode="auto">
-          <a:xfrm>
-            <a:off x="692150" y="2597150"/>
-            <a:ext cx="1739900" cy="444500"/>
-          </a:xfrm>
-          <a:prstGeom prst="rect">
-            <a:avLst/>
-          </a:prstGeom>
-          <a:solidFill>
-            <a:schemeClr val="bg1"/>
-          </a:solidFill>
-          <a:ln w="12700">
-            <a:solidFill>
-              <a:schemeClr val="tx1"/>
-            </a:solidFill>
-            <a:miter lim="800000"/>
-            <a:headEnd/>
-            <a:tailEnd/>
-          </a:ln>
-        </p:spPr>
-        <p:txBody>
-          <a:bodyPr wrap="none" anchor="ctr"/>
-          <a:lstStyle/>
-          <a:p>
-            <a:endParaRPr lang="en-US"/>
-          </a:p>
-        </p:txBody>
-      </p:sp>
-      <p:sp>
-        <p:nvSpPr>
-          <p:cNvPr id="28678" name="Rectangle 6"/>
-          <p:cNvSpPr>
-            <a:spLocks noChangeArrowheads="1"/>
-          </p:cNvSpPr>
-          <p:nvPr/>
-        </p:nvSpPr>
-        <p:spPr bwMode="auto">
-          <a:xfrm>
-            <a:off x="692150" y="3206750"/>
-            <a:ext cx="1739900" cy="444500"/>
-          </a:xfrm>
-          <a:prstGeom prst="rect">
-            <a:avLst/>
-          </a:prstGeom>
-          <a:solidFill>
-            <a:schemeClr val="bg1"/>
-          </a:solidFill>
-          <a:ln w="12700">
-            <a:solidFill>
-              <a:schemeClr val="tx1"/>
-            </a:solidFill>
-            <a:miter lim="800000"/>
-            <a:headEnd/>
-            <a:tailEnd/>
-          </a:ln>
-        </p:spPr>
-        <p:txBody>
-          <a:bodyPr wrap="none" anchor="ctr"/>
-          <a:lstStyle/>
-          <a:p>
-            <a:endParaRPr lang="en-US"/>
-          </a:p>
-        </p:txBody>
-      </p:sp>
-      <p:sp>
-        <p:nvSpPr>
-          <p:cNvPr id="28679" name="Line 7"/>
-          <p:cNvSpPr>
-            <a:spLocks noChangeShapeType="1"/>
-          </p:cNvSpPr>
-          <p:nvPr/>
-        </p:nvSpPr>
-        <p:spPr bwMode="auto">
-          <a:xfrm>
-            <a:off x="1562100" y="1828800"/>
-            <a:ext cx="0" cy="152400"/>
-          </a:xfrm>
-          <a:prstGeom prst="line">
-            <a:avLst/>
-          </a:prstGeom>
-          <a:noFill/>
-          <a:ln w="12700">
-            <a:solidFill>
-              <a:schemeClr val="tx1"/>
-            </a:solidFill>
-            <a:round/>
-            <a:headEnd/>
-            <a:tailEnd/>
-          </a:ln>
-        </p:spPr>
-        <p:txBody>
-          <a:bodyPr/>
-          <a:lstStyle/>
-          <a:p>
-            <a:endParaRPr lang="en-US"/>
-          </a:p>
-        </p:txBody>
-      </p:sp>
-      <p:sp>
-        <p:nvSpPr>
-          <p:cNvPr id="28680" name="Line 8"/>
-          <p:cNvSpPr>
-            <a:spLocks noChangeShapeType="1"/>
-          </p:cNvSpPr>
-          <p:nvPr/>
-        </p:nvSpPr>
-        <p:spPr bwMode="auto">
-          <a:xfrm>
-            <a:off x="1562100" y="2438400"/>
-            <a:ext cx="0" cy="152400"/>
-          </a:xfrm>
-          <a:prstGeom prst="line">
-            <a:avLst/>
-          </a:prstGeom>
-          <a:noFill/>
-          <a:ln w="12700">
-            <a:solidFill>
-              <a:schemeClr val="tx1"/>
-            </a:solidFill>
-            <a:round/>
-            <a:headEnd/>
-            <a:tailEnd/>
-          </a:ln>
-        </p:spPr>
-        <p:txBody>
-          <a:bodyPr/>
-          <a:lstStyle/>
-          <a:p>
-            <a:endParaRPr lang="en-US"/>
-          </a:p>
-        </p:txBody>
-      </p:sp>
-      <p:sp>
-        <p:nvSpPr>
-          <p:cNvPr id="28681" name="Line 9"/>
-          <p:cNvSpPr>
-            <a:spLocks noChangeShapeType="1"/>
-          </p:cNvSpPr>
-          <p:nvPr/>
-        </p:nvSpPr>
-        <p:spPr bwMode="auto">
-          <a:xfrm>
-            <a:off x="1562100" y="3048000"/>
-            <a:ext cx="0" cy="152400"/>
-          </a:xfrm>
-          <a:prstGeom prst="line">
-            <a:avLst/>
-          </a:prstGeom>
-          <a:noFill/>
-          <a:ln w="12700">
-            <a:solidFill>
-              <a:schemeClr val="tx1"/>
-            </a:solidFill>
-            <a:round/>
-            <a:headEnd/>
-            <a:tailEnd/>
-          </a:ln>
-        </p:spPr>
-        <p:txBody>
-          <a:bodyPr/>
-          <a:lstStyle/>
-          <a:p>
-            <a:endParaRPr lang="en-US"/>
-          </a:p>
-        </p:txBody>
-      </p:sp>
-      <p:sp>
-        <p:nvSpPr>
-          <p:cNvPr id="28682" name="Rectangle 10"/>
-          <p:cNvSpPr>
-            <a:spLocks noChangeArrowheads="1"/>
-          </p:cNvSpPr>
-          <p:nvPr/>
-        </p:nvSpPr>
-        <p:spPr bwMode="auto">
-          <a:xfrm>
-            <a:off x="985838" y="1470025"/>
-            <a:ext cx="1152525" cy="304800"/>
-          </a:xfrm>
-          <a:prstGeom prst="rect">
-            <a:avLst/>
-          </a:prstGeom>
-          <a:noFill/>
-          <a:ln w="12700">
-            <a:noFill/>
-            <a:miter lim="800000"/>
-            <a:headEnd/>
-            <a:tailEnd/>
-          </a:ln>
-        </p:spPr>
-        <p:txBody>
-          <a:bodyPr wrap="none" lIns="90488" tIns="44450" rIns="90488" bIns="44450">
-            <a:spAutoFit/>
-          </a:bodyPr>
-          <a:lstStyle/>
-          <a:p>
-            <a:r>
-              <a:rPr lang="en-US" sz="1400" b="1">
-                <a:latin typeface="Book Antiqua" pitchFamily="18" charset="0"/>
-              </a:rPr>
-              <a:t>Application</a:t>
-            </a:r>
-          </a:p>
-        </p:txBody>
-      </p:sp>
-      <p:sp>
-        <p:nvSpPr>
-          <p:cNvPr id="28683" name="Rectangle 11"/>
-          <p:cNvSpPr>
-            <a:spLocks noChangeArrowheads="1"/>
-          </p:cNvSpPr>
-          <p:nvPr/>
-        </p:nvSpPr>
-        <p:spPr bwMode="auto">
-          <a:xfrm>
-            <a:off x="962025" y="2079625"/>
-            <a:ext cx="1201738" cy="304800"/>
-          </a:xfrm>
-          <a:prstGeom prst="rect">
-            <a:avLst/>
-          </a:prstGeom>
-          <a:noFill/>
-          <a:ln w="12700">
-            <a:noFill/>
-            <a:miter lim="800000"/>
-            <a:headEnd/>
-            <a:tailEnd/>
-          </a:ln>
-        </p:spPr>
-        <p:txBody>
-          <a:bodyPr wrap="none" lIns="90488" tIns="44450" rIns="90488" bIns="44450">
-            <a:spAutoFit/>
-          </a:bodyPr>
-          <a:lstStyle/>
-          <a:p>
-            <a:r>
-              <a:rPr lang="en-US" sz="1400" b="1">
-                <a:latin typeface="Book Antiqua" pitchFamily="18" charset="0"/>
-              </a:rPr>
-              <a:t>Presentation</a:t>
-            </a:r>
-          </a:p>
-        </p:txBody>
-      </p:sp>
-      <p:sp>
-        <p:nvSpPr>
-          <p:cNvPr id="28684" name="Rectangle 12"/>
-          <p:cNvSpPr>
-            <a:spLocks noChangeArrowheads="1"/>
-          </p:cNvSpPr>
-          <p:nvPr/>
-        </p:nvSpPr>
-        <p:spPr bwMode="auto">
-          <a:xfrm>
-            <a:off x="1158875" y="2689225"/>
-            <a:ext cx="806450" cy="304800"/>
-          </a:xfrm>
-          <a:prstGeom prst="rect">
-            <a:avLst/>
-          </a:prstGeom>
-          <a:noFill/>
-          <a:ln w="12700">
-            <a:noFill/>
-            <a:miter lim="800000"/>
-            <a:headEnd/>
-            <a:tailEnd/>
-          </a:ln>
-        </p:spPr>
-        <p:txBody>
-          <a:bodyPr wrap="none" lIns="90488" tIns="44450" rIns="90488" bIns="44450">
-            <a:spAutoFit/>
-          </a:bodyPr>
-          <a:lstStyle/>
-          <a:p>
-            <a:r>
-              <a:rPr lang="en-US" sz="1400" b="1">
-                <a:latin typeface="Book Antiqua" pitchFamily="18" charset="0"/>
-              </a:rPr>
-              <a:t>Session</a:t>
-            </a:r>
-          </a:p>
-        </p:txBody>
-      </p:sp>
-      <p:sp>
-        <p:nvSpPr>
-          <p:cNvPr id="28685" name="Rectangle 13"/>
-          <p:cNvSpPr>
-            <a:spLocks noChangeArrowheads="1"/>
-          </p:cNvSpPr>
-          <p:nvPr/>
-        </p:nvSpPr>
-        <p:spPr bwMode="auto">
-          <a:xfrm>
-            <a:off x="1069975" y="3298825"/>
-            <a:ext cx="984250" cy="304800"/>
-          </a:xfrm>
-          <a:prstGeom prst="rect">
-            <a:avLst/>
-          </a:prstGeom>
-          <a:noFill/>
-          <a:ln w="12700">
-            <a:noFill/>
-            <a:miter lim="800000"/>
-            <a:headEnd/>
-            <a:tailEnd/>
-          </a:ln>
-        </p:spPr>
-        <p:txBody>
-          <a:bodyPr wrap="none" lIns="90488" tIns="44450" rIns="90488" bIns="44450">
-            <a:spAutoFit/>
-          </a:bodyPr>
-          <a:lstStyle/>
-          <a:p>
-            <a:r>
-              <a:rPr lang="en-US" sz="1400" b="1">
-                <a:latin typeface="Book Antiqua" pitchFamily="18" charset="0"/>
-              </a:rPr>
-              <a:t>Transport</a:t>
-            </a:r>
-          </a:p>
-        </p:txBody>
-      </p:sp>
       <p:grpSp>
         <p:nvGrpSpPr>
-          <p:cNvPr id="28686" name="Group 35"/>
-          <p:cNvGrpSpPr>
-            <a:grpSpLocks/>
-          </p:cNvGrpSpPr>
+          <p:cNvPr id="2" name="Group 1" descr="This diagram pictures the seven layers of the network stack. From top to bottom: Application, Presentation, Session, Transport, Network, Data Link, Physical. One stack of all seven layers on each side, representing two end points on the network. We can see communication directly between peer layers on the two hosts. However, thus communication is only logical., In reality communication goes from higher layers down to lower, until it reaches the physical layer. There it is transmitted to a neighboring (usually intermediate) node. That machine, inthis diagram implements the bottom three layers of the network stack. The data communication travels up from phyiscal through data link to the network layer, where routing decisions are made, and then back down to be sent along to similar intermediate nodes until eventually tothe end host where the communication proceeds up the stack the to appropriate peer layer." title="End to end Network Diagram">
+            <a:extLst>
+              <a:ext uri="{FF2B5EF4-FFF2-40B4-BE49-F238E27FC236}">
+                <a16:creationId xmlns="" xmlns:a16="http://schemas.microsoft.com/office/drawing/2014/main" id="{DBC27A6A-16AA-49B8-A8C5-D96C2816191F}"/>
+              </a:ext>
+            </a:extLst>
+          </p:cNvPr>
+          <p:cNvGrpSpPr/>
           <p:nvPr/>
         </p:nvGrpSpPr>
-        <p:grpSpPr bwMode="auto">
+        <p:grpSpPr>
           <a:xfrm>
-            <a:off x="7092950" y="1377950"/>
-            <a:ext cx="1739900" cy="4260850"/>
-            <a:chOff x="4468" y="868"/>
-            <a:chExt cx="1096" cy="2684"/>
+            <a:off x="533400" y="1377950"/>
+            <a:ext cx="8534400" cy="4260850"/>
+            <a:chOff x="533400" y="1377950"/>
+            <a:chExt cx="8534400" cy="4260850"/>
           </a:xfrm>
         </p:grpSpPr>
         <p:sp>
           <p:nvSpPr>
-            <p:cNvPr id="28757" name="Rectangle 14"/>
+            <p:cNvPr id="28675" name="Rectangle 3"/>
             <p:cNvSpPr>
               <a:spLocks noChangeArrowheads="1"/>
             </p:cNvSpPr>
@@ -4860,8 +5572,8 @@
           </p:nvSpPr>
           <p:spPr bwMode="auto">
             <a:xfrm>
-              <a:off x="4468" y="868"/>
-              <a:ext cx="1096" cy="280"/>
+              <a:off x="692150" y="1377950"/>
+              <a:ext cx="1739900" cy="444500"/>
             </a:xfrm>
             <a:prstGeom prst="rect">
               <a:avLst/>
@@ -4888,7 +5600,7 @@
         </p:sp>
         <p:sp>
           <p:nvSpPr>
-            <p:cNvPr id="28758" name="Rectangle 15"/>
+            <p:cNvPr id="28676" name="Rectangle 4"/>
             <p:cNvSpPr>
               <a:spLocks noChangeArrowheads="1"/>
             </p:cNvSpPr>
@@ -4896,8 +5608,8 @@
           </p:nvSpPr>
           <p:spPr bwMode="auto">
             <a:xfrm>
-              <a:off x="4468" y="1252"/>
-              <a:ext cx="1096" cy="280"/>
+              <a:off x="692150" y="1987550"/>
+              <a:ext cx="1739900" cy="444500"/>
             </a:xfrm>
             <a:prstGeom prst="rect">
               <a:avLst/>
@@ -4924,7 +5636,7 @@
         </p:sp>
         <p:sp>
           <p:nvSpPr>
-            <p:cNvPr id="28759" name="Rectangle 16"/>
+            <p:cNvPr id="28677" name="Rectangle 5"/>
             <p:cNvSpPr>
               <a:spLocks noChangeArrowheads="1"/>
             </p:cNvSpPr>
@@ -4932,8 +5644,8 @@
           </p:nvSpPr>
           <p:spPr bwMode="auto">
             <a:xfrm>
-              <a:off x="4468" y="1636"/>
-              <a:ext cx="1096" cy="280"/>
+              <a:off x="692150" y="2597150"/>
+              <a:ext cx="1739900" cy="444500"/>
             </a:xfrm>
             <a:prstGeom prst="rect">
               <a:avLst/>
@@ -4960,7 +5672,7 @@
         </p:sp>
         <p:sp>
           <p:nvSpPr>
-            <p:cNvPr id="28760" name="Rectangle 17"/>
+            <p:cNvPr id="28678" name="Rectangle 6"/>
             <p:cNvSpPr>
               <a:spLocks noChangeArrowheads="1"/>
             </p:cNvSpPr>
@@ -4968,8 +5680,8 @@
           </p:nvSpPr>
           <p:spPr bwMode="auto">
             <a:xfrm>
-              <a:off x="4468" y="2020"/>
-              <a:ext cx="1096" cy="280"/>
+              <a:off x="692150" y="3206750"/>
+              <a:ext cx="1739900" cy="444500"/>
             </a:xfrm>
             <a:prstGeom prst="rect">
               <a:avLst/>
@@ -4996,115 +5708,7 @@
         </p:sp>
         <p:sp>
           <p:nvSpPr>
-            <p:cNvPr id="28761" name="Rectangle 18"/>
-            <p:cNvSpPr>
-              <a:spLocks noChangeArrowheads="1"/>
-            </p:cNvSpPr>
-            <p:nvPr/>
-          </p:nvSpPr>
-          <p:spPr bwMode="auto">
-            <a:xfrm>
-              <a:off x="4468" y="2404"/>
-              <a:ext cx="1096" cy="280"/>
-            </a:xfrm>
-            <a:prstGeom prst="rect">
-              <a:avLst/>
-            </a:prstGeom>
-            <a:solidFill>
-              <a:schemeClr val="bg1"/>
-            </a:solidFill>
-            <a:ln w="12700">
-              <a:solidFill>
-                <a:schemeClr val="tx1"/>
-              </a:solidFill>
-              <a:miter lim="800000"/>
-              <a:headEnd/>
-              <a:tailEnd/>
-            </a:ln>
-          </p:spPr>
-          <p:txBody>
-            <a:bodyPr wrap="none" anchor="ctr"/>
-            <a:lstStyle/>
-            <a:p>
-              <a:endParaRPr lang="en-US"/>
-            </a:p>
-          </p:txBody>
-        </p:sp>
-        <p:sp>
-          <p:nvSpPr>
-            <p:cNvPr id="28762" name="Rectangle 19"/>
-            <p:cNvSpPr>
-              <a:spLocks noChangeArrowheads="1"/>
-            </p:cNvSpPr>
-            <p:nvPr/>
-          </p:nvSpPr>
-          <p:spPr bwMode="auto">
-            <a:xfrm>
-              <a:off x="4468" y="2788"/>
-              <a:ext cx="1096" cy="280"/>
-            </a:xfrm>
-            <a:prstGeom prst="rect">
-              <a:avLst/>
-            </a:prstGeom>
-            <a:solidFill>
-              <a:schemeClr val="bg1"/>
-            </a:solidFill>
-            <a:ln w="12700">
-              <a:solidFill>
-                <a:schemeClr val="tx1"/>
-              </a:solidFill>
-              <a:miter lim="800000"/>
-              <a:headEnd/>
-              <a:tailEnd/>
-            </a:ln>
-          </p:spPr>
-          <p:txBody>
-            <a:bodyPr wrap="none" anchor="ctr"/>
-            <a:lstStyle/>
-            <a:p>
-              <a:endParaRPr lang="en-US"/>
-            </a:p>
-          </p:txBody>
-        </p:sp>
-        <p:sp>
-          <p:nvSpPr>
-            <p:cNvPr id="28763" name="Rectangle 20"/>
-            <p:cNvSpPr>
-              <a:spLocks noChangeArrowheads="1"/>
-            </p:cNvSpPr>
-            <p:nvPr/>
-          </p:nvSpPr>
-          <p:spPr bwMode="auto">
-            <a:xfrm>
-              <a:off x="4468" y="3172"/>
-              <a:ext cx="1096" cy="280"/>
-            </a:xfrm>
-            <a:prstGeom prst="rect">
-              <a:avLst/>
-            </a:prstGeom>
-            <a:solidFill>
-              <a:schemeClr val="bg1"/>
-            </a:solidFill>
-            <a:ln w="12700">
-              <a:solidFill>
-                <a:schemeClr val="tx1"/>
-              </a:solidFill>
-              <a:miter lim="800000"/>
-              <a:headEnd/>
-              <a:tailEnd/>
-            </a:ln>
-          </p:spPr>
-          <p:txBody>
-            <a:bodyPr wrap="none" anchor="ctr"/>
-            <a:lstStyle/>
-            <a:p>
-              <a:endParaRPr lang="en-US"/>
-            </a:p>
-          </p:txBody>
-        </p:sp>
-        <p:sp>
-          <p:nvSpPr>
-            <p:cNvPr id="28764" name="Line 21"/>
+            <p:cNvPr id="28679" name="Line 7"/>
             <p:cNvSpPr>
               <a:spLocks noChangeShapeType="1"/>
             </p:cNvSpPr>
@@ -5112,8 +5716,8 @@
           </p:nvSpPr>
           <p:spPr bwMode="auto">
             <a:xfrm>
-              <a:off x="5016" y="1152"/>
-              <a:ext cx="0" cy="96"/>
+              <a:off x="1562100" y="1828800"/>
+              <a:ext cx="0" cy="152400"/>
             </a:xfrm>
             <a:prstGeom prst="line">
               <a:avLst/>
@@ -5138,7 +5742,7 @@
         </p:sp>
         <p:sp>
           <p:nvSpPr>
-            <p:cNvPr id="28765" name="Line 22"/>
+            <p:cNvPr id="28680" name="Line 8"/>
             <p:cNvSpPr>
               <a:spLocks noChangeShapeType="1"/>
             </p:cNvSpPr>
@@ -5146,8 +5750,8 @@
           </p:nvSpPr>
           <p:spPr bwMode="auto">
             <a:xfrm>
-              <a:off x="5016" y="1536"/>
-              <a:ext cx="0" cy="96"/>
+              <a:off x="1562100" y="2438400"/>
+              <a:ext cx="0" cy="152400"/>
             </a:xfrm>
             <a:prstGeom prst="line">
               <a:avLst/>
@@ -5172,7 +5776,7 @@
         </p:sp>
         <p:sp>
           <p:nvSpPr>
-            <p:cNvPr id="28766" name="Line 23"/>
+            <p:cNvPr id="28681" name="Line 9"/>
             <p:cNvSpPr>
               <a:spLocks noChangeShapeType="1"/>
             </p:cNvSpPr>
@@ -5180,8 +5784,8 @@
           </p:nvSpPr>
           <p:spPr bwMode="auto">
             <a:xfrm>
-              <a:off x="5016" y="1920"/>
-              <a:ext cx="0" cy="96"/>
+              <a:off x="1562100" y="3048000"/>
+              <a:ext cx="0" cy="152400"/>
             </a:xfrm>
             <a:prstGeom prst="line">
               <a:avLst/>
@@ -5206,143 +5810,7 @@
         </p:sp>
         <p:sp>
           <p:nvSpPr>
-            <p:cNvPr id="28767" name="Line 24"/>
-            <p:cNvSpPr>
-              <a:spLocks noChangeShapeType="1"/>
-            </p:cNvSpPr>
-            <p:nvPr/>
-          </p:nvSpPr>
-          <p:spPr bwMode="auto">
-            <a:xfrm>
-              <a:off x="5016" y="2304"/>
-              <a:ext cx="0" cy="96"/>
-            </a:xfrm>
-            <a:prstGeom prst="line">
-              <a:avLst/>
-            </a:prstGeom>
-            <a:noFill/>
-            <a:ln w="12700">
-              <a:solidFill>
-                <a:schemeClr val="tx1"/>
-              </a:solidFill>
-              <a:round/>
-              <a:headEnd/>
-              <a:tailEnd/>
-            </a:ln>
-          </p:spPr>
-          <p:txBody>
-            <a:bodyPr/>
-            <a:lstStyle/>
-            <a:p>
-              <a:endParaRPr lang="en-US"/>
-            </a:p>
-          </p:txBody>
-        </p:sp>
-        <p:sp>
-          <p:nvSpPr>
-            <p:cNvPr id="28768" name="Line 25"/>
-            <p:cNvSpPr>
-              <a:spLocks noChangeShapeType="1"/>
-            </p:cNvSpPr>
-            <p:nvPr/>
-          </p:nvSpPr>
-          <p:spPr bwMode="auto">
-            <a:xfrm>
-              <a:off x="5016" y="2688"/>
-              <a:ext cx="0" cy="96"/>
-            </a:xfrm>
-            <a:prstGeom prst="line">
-              <a:avLst/>
-            </a:prstGeom>
-            <a:noFill/>
-            <a:ln w="12700">
-              <a:solidFill>
-                <a:schemeClr val="tx1"/>
-              </a:solidFill>
-              <a:round/>
-              <a:headEnd/>
-              <a:tailEnd/>
-            </a:ln>
-          </p:spPr>
-          <p:txBody>
-            <a:bodyPr/>
-            <a:lstStyle/>
-            <a:p>
-              <a:endParaRPr lang="en-US"/>
-            </a:p>
-          </p:txBody>
-        </p:sp>
-        <p:sp>
-          <p:nvSpPr>
-            <p:cNvPr id="28769" name="Line 26"/>
-            <p:cNvSpPr>
-              <a:spLocks noChangeShapeType="1"/>
-            </p:cNvSpPr>
-            <p:nvPr/>
-          </p:nvSpPr>
-          <p:spPr bwMode="auto">
-            <a:xfrm>
-              <a:off x="5016" y="3072"/>
-              <a:ext cx="0" cy="96"/>
-            </a:xfrm>
-            <a:prstGeom prst="line">
-              <a:avLst/>
-            </a:prstGeom>
-            <a:noFill/>
-            <a:ln w="12700">
-              <a:solidFill>
-                <a:schemeClr val="tx1"/>
-              </a:solidFill>
-              <a:round/>
-              <a:headEnd/>
-              <a:tailEnd/>
-            </a:ln>
-          </p:spPr>
-          <p:txBody>
-            <a:bodyPr/>
-            <a:lstStyle/>
-            <a:p>
-              <a:endParaRPr lang="en-US"/>
-            </a:p>
-          </p:txBody>
-        </p:sp>
-        <p:sp>
-          <p:nvSpPr>
-            <p:cNvPr id="28770" name="Line 27"/>
-            <p:cNvSpPr>
-              <a:spLocks noChangeShapeType="1"/>
-            </p:cNvSpPr>
-            <p:nvPr/>
-          </p:nvSpPr>
-          <p:spPr bwMode="auto">
-            <a:xfrm>
-              <a:off x="5016" y="3456"/>
-              <a:ext cx="0" cy="96"/>
-            </a:xfrm>
-            <a:prstGeom prst="line">
-              <a:avLst/>
-            </a:prstGeom>
-            <a:noFill/>
-            <a:ln w="12700">
-              <a:solidFill>
-                <a:schemeClr val="tx1"/>
-              </a:solidFill>
-              <a:round/>
-              <a:headEnd/>
-              <a:tailEnd/>
-            </a:ln>
-          </p:spPr>
-          <p:txBody>
-            <a:bodyPr/>
-            <a:lstStyle/>
-            <a:p>
-              <a:endParaRPr lang="en-US"/>
-            </a:p>
-          </p:txBody>
-        </p:sp>
-        <p:sp>
-          <p:nvSpPr>
-            <p:cNvPr id="28771" name="Rectangle 28"/>
+            <p:cNvPr id="28682" name="Rectangle 10"/>
             <p:cNvSpPr>
               <a:spLocks noChangeArrowheads="1"/>
             </p:cNvSpPr>
@@ -5350,8 +5818,8 @@
           </p:nvSpPr>
           <p:spPr bwMode="auto">
             <a:xfrm>
-              <a:off x="4653" y="926"/>
-              <a:ext cx="726" cy="192"/>
+              <a:off x="985838" y="1470025"/>
+              <a:ext cx="1152525" cy="304800"/>
             </a:xfrm>
             <a:prstGeom prst="rect">
               <a:avLst/>
@@ -5381,7 +5849,7 @@
         </p:sp>
         <p:sp>
           <p:nvSpPr>
-            <p:cNvPr id="28772" name="Rectangle 29"/>
+            <p:cNvPr id="28683" name="Rectangle 11"/>
             <p:cNvSpPr>
               <a:spLocks noChangeArrowheads="1"/>
             </p:cNvSpPr>
@@ -5389,8 +5857,8 @@
           </p:nvSpPr>
           <p:spPr bwMode="auto">
             <a:xfrm>
-              <a:off x="4638" y="1310"/>
-              <a:ext cx="757" cy="192"/>
+              <a:off x="962025" y="2079625"/>
+              <a:ext cx="1201738" cy="304800"/>
             </a:xfrm>
             <a:prstGeom prst="rect">
               <a:avLst/>
@@ -5420,7 +5888,7 @@
         </p:sp>
         <p:sp>
           <p:nvSpPr>
-            <p:cNvPr id="28773" name="Rectangle 30"/>
+            <p:cNvPr id="28684" name="Rectangle 12"/>
             <p:cNvSpPr>
               <a:spLocks noChangeArrowheads="1"/>
             </p:cNvSpPr>
@@ -5428,8 +5896,8 @@
           </p:nvSpPr>
           <p:spPr bwMode="auto">
             <a:xfrm>
-              <a:off x="4762" y="1694"/>
-              <a:ext cx="508" cy="192"/>
+              <a:off x="1158875" y="2689225"/>
+              <a:ext cx="806450" cy="304800"/>
             </a:xfrm>
             <a:prstGeom prst="rect">
               <a:avLst/>
@@ -5459,7 +5927,7 @@
         </p:sp>
         <p:sp>
           <p:nvSpPr>
-            <p:cNvPr id="28774" name="Rectangle 31"/>
+            <p:cNvPr id="28685" name="Rectangle 13"/>
             <p:cNvSpPr>
               <a:spLocks noChangeArrowheads="1"/>
             </p:cNvSpPr>
@@ -5467,8 +5935,8 @@
           </p:nvSpPr>
           <p:spPr bwMode="auto">
             <a:xfrm>
-              <a:off x="4706" y="2078"/>
-              <a:ext cx="620" cy="192"/>
+              <a:off x="1069975" y="3298825"/>
+              <a:ext cx="984250" cy="304800"/>
             </a:xfrm>
             <a:prstGeom prst="rect">
               <a:avLst/>
@@ -5496,533 +5964,9 @@
             </a:p>
           </p:txBody>
         </p:sp>
-        <p:sp>
-          <p:nvSpPr>
-            <p:cNvPr id="28775" name="Rectangle 32"/>
-            <p:cNvSpPr>
-              <a:spLocks noChangeArrowheads="1"/>
-            </p:cNvSpPr>
-            <p:nvPr/>
-          </p:nvSpPr>
-          <p:spPr bwMode="auto">
-            <a:xfrm>
-              <a:off x="4731" y="2462"/>
-              <a:ext cx="570" cy="192"/>
-            </a:xfrm>
-            <a:prstGeom prst="rect">
-              <a:avLst/>
-            </a:prstGeom>
-            <a:noFill/>
-            <a:ln w="12700">
-              <a:noFill/>
-              <a:miter lim="800000"/>
-              <a:headEnd/>
-              <a:tailEnd/>
-            </a:ln>
-          </p:spPr>
-          <p:txBody>
-            <a:bodyPr wrap="none" lIns="90488" tIns="44450" rIns="90488" bIns="44450">
-              <a:spAutoFit/>
-            </a:bodyPr>
-            <a:lstStyle/>
-            <a:p>
-              <a:r>
-                <a:rPr lang="en-US" sz="1400" b="1">
-                  <a:latin typeface="Book Antiqua" pitchFamily="18" charset="0"/>
-                </a:rPr>
-                <a:t>Network</a:t>
-              </a:r>
-            </a:p>
-          </p:txBody>
-        </p:sp>
-        <p:sp>
-          <p:nvSpPr>
-            <p:cNvPr id="28776" name="Rectangle 33"/>
-            <p:cNvSpPr>
-              <a:spLocks noChangeArrowheads="1"/>
-            </p:cNvSpPr>
-            <p:nvPr/>
-          </p:nvSpPr>
-          <p:spPr bwMode="auto">
-            <a:xfrm>
-              <a:off x="4688" y="2846"/>
-              <a:ext cx="657" cy="192"/>
-            </a:xfrm>
-            <a:prstGeom prst="rect">
-              <a:avLst/>
-            </a:prstGeom>
-            <a:noFill/>
-            <a:ln w="12700">
-              <a:noFill/>
-              <a:miter lim="800000"/>
-              <a:headEnd/>
-              <a:tailEnd/>
-            </a:ln>
-          </p:spPr>
-          <p:txBody>
-            <a:bodyPr wrap="none" lIns="90488" tIns="44450" rIns="90488" bIns="44450">
-              <a:spAutoFit/>
-            </a:bodyPr>
-            <a:lstStyle/>
-            <a:p>
-              <a:r>
-                <a:rPr lang="en-US" sz="1400" b="1">
-                  <a:latin typeface="Book Antiqua" pitchFamily="18" charset="0"/>
-                </a:rPr>
-                <a:t>Data  Link</a:t>
-              </a:r>
-            </a:p>
-          </p:txBody>
-        </p:sp>
-        <p:sp>
-          <p:nvSpPr>
-            <p:cNvPr id="28777" name="Rectangle 34"/>
-            <p:cNvSpPr>
-              <a:spLocks noChangeArrowheads="1"/>
-            </p:cNvSpPr>
-            <p:nvPr/>
-          </p:nvSpPr>
-          <p:spPr bwMode="auto">
-            <a:xfrm>
-              <a:off x="4778" y="3230"/>
-              <a:ext cx="545" cy="192"/>
-            </a:xfrm>
-            <a:prstGeom prst="rect">
-              <a:avLst/>
-            </a:prstGeom>
-            <a:noFill/>
-            <a:ln w="12700">
-              <a:noFill/>
-              <a:miter lim="800000"/>
-              <a:headEnd/>
-              <a:tailEnd/>
-            </a:ln>
-          </p:spPr>
-          <p:txBody>
-            <a:bodyPr wrap="none" lIns="90488" tIns="44450" rIns="90488" bIns="44450">
-              <a:spAutoFit/>
-            </a:bodyPr>
-            <a:lstStyle/>
-            <a:p>
-              <a:r>
-                <a:rPr lang="en-US" sz="1400" b="1">
-                  <a:latin typeface="Book Antiqua" pitchFamily="18" charset="0"/>
-                </a:rPr>
-                <a:t>Physical</a:t>
-              </a:r>
-            </a:p>
-          </p:txBody>
-        </p:sp>
-      </p:grpSp>
-      <p:sp>
-        <p:nvSpPr>
-          <p:cNvPr id="28687" name="Line 36"/>
-          <p:cNvSpPr>
-            <a:spLocks noChangeShapeType="1"/>
-          </p:cNvSpPr>
-          <p:nvPr/>
-        </p:nvSpPr>
-        <p:spPr bwMode="auto">
-          <a:xfrm>
-            <a:off x="533400" y="5638800"/>
-            <a:ext cx="8534400" cy="0"/>
-          </a:xfrm>
-          <a:prstGeom prst="line">
-            <a:avLst/>
-          </a:prstGeom>
-          <a:noFill/>
-          <a:ln w="50800">
-            <a:solidFill>
-              <a:schemeClr val="tx1"/>
-            </a:solidFill>
-            <a:round/>
-            <a:headEnd/>
-            <a:tailEnd/>
-          </a:ln>
-        </p:spPr>
-        <p:txBody>
-          <a:bodyPr/>
-          <a:lstStyle/>
-          <a:p>
-            <a:endParaRPr lang="en-US"/>
-          </a:p>
-        </p:txBody>
-      </p:sp>
-      <p:sp>
-        <p:nvSpPr>
-          <p:cNvPr id="28688" name="Rectangle 37"/>
-          <p:cNvSpPr>
-            <a:spLocks noChangeArrowheads="1"/>
-          </p:cNvSpPr>
-          <p:nvPr/>
-        </p:nvSpPr>
-        <p:spPr bwMode="auto">
-          <a:xfrm>
-            <a:off x="692150" y="3816350"/>
-            <a:ext cx="1739900" cy="444500"/>
-          </a:xfrm>
-          <a:prstGeom prst="rect">
-            <a:avLst/>
-          </a:prstGeom>
-          <a:solidFill>
-            <a:schemeClr val="bg1"/>
-          </a:solidFill>
-          <a:ln w="12700">
-            <a:solidFill>
-              <a:schemeClr val="tx1"/>
-            </a:solidFill>
-            <a:miter lim="800000"/>
-            <a:headEnd/>
-            <a:tailEnd/>
-          </a:ln>
-        </p:spPr>
-        <p:txBody>
-          <a:bodyPr wrap="none" anchor="ctr"/>
-          <a:lstStyle/>
-          <a:p>
-            <a:endParaRPr lang="en-US"/>
-          </a:p>
-        </p:txBody>
-      </p:sp>
-      <p:sp>
-        <p:nvSpPr>
-          <p:cNvPr id="28689" name="Rectangle 38"/>
-          <p:cNvSpPr>
-            <a:spLocks noChangeArrowheads="1"/>
-          </p:cNvSpPr>
-          <p:nvPr/>
-        </p:nvSpPr>
-        <p:spPr bwMode="auto">
-          <a:xfrm>
-            <a:off x="692150" y="4425950"/>
-            <a:ext cx="1739900" cy="444500"/>
-          </a:xfrm>
-          <a:prstGeom prst="rect">
-            <a:avLst/>
-          </a:prstGeom>
-          <a:solidFill>
-            <a:schemeClr val="bg1"/>
-          </a:solidFill>
-          <a:ln w="12700">
-            <a:solidFill>
-              <a:schemeClr val="tx1"/>
-            </a:solidFill>
-            <a:miter lim="800000"/>
-            <a:headEnd/>
-            <a:tailEnd/>
-          </a:ln>
-        </p:spPr>
-        <p:txBody>
-          <a:bodyPr wrap="none" anchor="ctr"/>
-          <a:lstStyle/>
-          <a:p>
-            <a:endParaRPr lang="en-US"/>
-          </a:p>
-        </p:txBody>
-      </p:sp>
-      <p:sp>
-        <p:nvSpPr>
-          <p:cNvPr id="28690" name="Rectangle 39"/>
-          <p:cNvSpPr>
-            <a:spLocks noChangeArrowheads="1"/>
-          </p:cNvSpPr>
-          <p:nvPr/>
-        </p:nvSpPr>
-        <p:spPr bwMode="auto">
-          <a:xfrm>
-            <a:off x="692150" y="5035550"/>
-            <a:ext cx="1739900" cy="444500"/>
-          </a:xfrm>
-          <a:prstGeom prst="rect">
-            <a:avLst/>
-          </a:prstGeom>
-          <a:solidFill>
-            <a:schemeClr val="bg1"/>
-          </a:solidFill>
-          <a:ln w="12700">
-            <a:solidFill>
-              <a:schemeClr val="tx1"/>
-            </a:solidFill>
-            <a:miter lim="800000"/>
-            <a:headEnd/>
-            <a:tailEnd/>
-          </a:ln>
-        </p:spPr>
-        <p:txBody>
-          <a:bodyPr wrap="none" anchor="ctr"/>
-          <a:lstStyle/>
-          <a:p>
-            <a:endParaRPr lang="en-US"/>
-          </a:p>
-        </p:txBody>
-      </p:sp>
-      <p:sp>
-        <p:nvSpPr>
-          <p:cNvPr id="28691" name="Line 40"/>
-          <p:cNvSpPr>
-            <a:spLocks noChangeShapeType="1"/>
-          </p:cNvSpPr>
-          <p:nvPr/>
-        </p:nvSpPr>
-        <p:spPr bwMode="auto">
-          <a:xfrm>
-            <a:off x="1562100" y="1828800"/>
-            <a:ext cx="0" cy="152400"/>
-          </a:xfrm>
-          <a:prstGeom prst="line">
-            <a:avLst/>
-          </a:prstGeom>
-          <a:noFill/>
-          <a:ln w="12700">
-            <a:solidFill>
-              <a:schemeClr val="tx1"/>
-            </a:solidFill>
-            <a:round/>
-            <a:headEnd/>
-            <a:tailEnd/>
-          </a:ln>
-        </p:spPr>
-        <p:txBody>
-          <a:bodyPr/>
-          <a:lstStyle/>
-          <a:p>
-            <a:endParaRPr lang="en-US"/>
-          </a:p>
-        </p:txBody>
-      </p:sp>
-      <p:sp>
-        <p:nvSpPr>
-          <p:cNvPr id="28692" name="Line 41"/>
-          <p:cNvSpPr>
-            <a:spLocks noChangeShapeType="1"/>
-          </p:cNvSpPr>
-          <p:nvPr/>
-        </p:nvSpPr>
-        <p:spPr bwMode="auto">
-          <a:xfrm>
-            <a:off x="1562100" y="2438400"/>
-            <a:ext cx="0" cy="152400"/>
-          </a:xfrm>
-          <a:prstGeom prst="line">
-            <a:avLst/>
-          </a:prstGeom>
-          <a:noFill/>
-          <a:ln w="12700">
-            <a:solidFill>
-              <a:schemeClr val="tx1"/>
-            </a:solidFill>
-            <a:round/>
-            <a:headEnd/>
-            <a:tailEnd/>
-          </a:ln>
-        </p:spPr>
-        <p:txBody>
-          <a:bodyPr/>
-          <a:lstStyle/>
-          <a:p>
-            <a:endParaRPr lang="en-US"/>
-          </a:p>
-        </p:txBody>
-      </p:sp>
-      <p:sp>
-        <p:nvSpPr>
-          <p:cNvPr id="28693" name="Line 42"/>
-          <p:cNvSpPr>
-            <a:spLocks noChangeShapeType="1"/>
-          </p:cNvSpPr>
-          <p:nvPr/>
-        </p:nvSpPr>
-        <p:spPr bwMode="auto">
-          <a:xfrm>
-            <a:off x="1562100" y="3048000"/>
-            <a:ext cx="0" cy="152400"/>
-          </a:xfrm>
-          <a:prstGeom prst="line">
-            <a:avLst/>
-          </a:prstGeom>
-          <a:noFill/>
-          <a:ln w="12700">
-            <a:solidFill>
-              <a:schemeClr val="tx1"/>
-            </a:solidFill>
-            <a:round/>
-            <a:headEnd/>
-            <a:tailEnd/>
-          </a:ln>
-        </p:spPr>
-        <p:txBody>
-          <a:bodyPr/>
-          <a:lstStyle/>
-          <a:p>
-            <a:endParaRPr lang="en-US"/>
-          </a:p>
-        </p:txBody>
-      </p:sp>
-      <p:sp>
-        <p:nvSpPr>
-          <p:cNvPr id="28694" name="Rectangle 43"/>
-          <p:cNvSpPr>
-            <a:spLocks noChangeArrowheads="1"/>
-          </p:cNvSpPr>
-          <p:nvPr/>
-        </p:nvSpPr>
-        <p:spPr bwMode="auto">
-          <a:xfrm>
-            <a:off x="985838" y="1470025"/>
-            <a:ext cx="1152525" cy="304800"/>
-          </a:xfrm>
-          <a:prstGeom prst="rect">
-            <a:avLst/>
-          </a:prstGeom>
-          <a:noFill/>
-          <a:ln w="12700">
-            <a:noFill/>
-            <a:miter lim="800000"/>
-            <a:headEnd/>
-            <a:tailEnd/>
-          </a:ln>
-        </p:spPr>
-        <p:txBody>
-          <a:bodyPr wrap="none" lIns="90488" tIns="44450" rIns="90488" bIns="44450">
-            <a:spAutoFit/>
-          </a:bodyPr>
-          <a:lstStyle/>
-          <a:p>
-            <a:r>
-              <a:rPr lang="en-US" sz="1400" b="1">
-                <a:latin typeface="Book Antiqua" pitchFamily="18" charset="0"/>
-              </a:rPr>
-              <a:t>Application</a:t>
-            </a:r>
-          </a:p>
-        </p:txBody>
-      </p:sp>
-      <p:sp>
-        <p:nvSpPr>
-          <p:cNvPr id="28695" name="Rectangle 44"/>
-          <p:cNvSpPr>
-            <a:spLocks noChangeArrowheads="1"/>
-          </p:cNvSpPr>
-          <p:nvPr/>
-        </p:nvSpPr>
-        <p:spPr bwMode="auto">
-          <a:xfrm>
-            <a:off x="962025" y="2079625"/>
-            <a:ext cx="1201738" cy="304800"/>
-          </a:xfrm>
-          <a:prstGeom prst="rect">
-            <a:avLst/>
-          </a:prstGeom>
-          <a:noFill/>
-          <a:ln w="12700">
-            <a:noFill/>
-            <a:miter lim="800000"/>
-            <a:headEnd/>
-            <a:tailEnd/>
-          </a:ln>
-        </p:spPr>
-        <p:txBody>
-          <a:bodyPr wrap="none" lIns="90488" tIns="44450" rIns="90488" bIns="44450">
-            <a:spAutoFit/>
-          </a:bodyPr>
-          <a:lstStyle/>
-          <a:p>
-            <a:r>
-              <a:rPr lang="en-US" sz="1400" b="1">
-                <a:latin typeface="Book Antiqua" pitchFamily="18" charset="0"/>
-              </a:rPr>
-              <a:t>Presentation</a:t>
-            </a:r>
-          </a:p>
-        </p:txBody>
-      </p:sp>
-      <p:grpSp>
-        <p:nvGrpSpPr>
-          <p:cNvPr id="28696" name="Group 63"/>
-          <p:cNvGrpSpPr>
-            <a:grpSpLocks/>
-          </p:cNvGrpSpPr>
-          <p:nvPr/>
-        </p:nvGrpSpPr>
-        <p:grpSpPr bwMode="auto">
-          <a:xfrm>
-            <a:off x="692150" y="3657600"/>
-            <a:ext cx="1739900" cy="1981200"/>
-            <a:chOff x="436" y="2304"/>
-            <a:chExt cx="1096" cy="1248"/>
-          </a:xfrm>
-        </p:grpSpPr>
-        <p:sp>
-          <p:nvSpPr>
-            <p:cNvPr id="28739" name="Line 45"/>
-            <p:cNvSpPr>
-              <a:spLocks noChangeShapeType="1"/>
-            </p:cNvSpPr>
-            <p:nvPr/>
-          </p:nvSpPr>
-          <p:spPr bwMode="auto">
-            <a:xfrm>
-              <a:off x="984" y="2304"/>
-              <a:ext cx="0" cy="96"/>
-            </a:xfrm>
-            <a:prstGeom prst="line">
-              <a:avLst/>
-            </a:prstGeom>
-            <a:noFill/>
-            <a:ln w="12700">
-              <a:solidFill>
-                <a:schemeClr val="tx1"/>
-              </a:solidFill>
-              <a:round/>
-              <a:headEnd/>
-              <a:tailEnd/>
-            </a:ln>
-          </p:spPr>
-          <p:txBody>
-            <a:bodyPr/>
-            <a:lstStyle/>
-            <a:p>
-              <a:endParaRPr lang="en-US"/>
-            </a:p>
-          </p:txBody>
-        </p:sp>
-        <p:sp>
-          <p:nvSpPr>
-            <p:cNvPr id="28740" name="Line 46"/>
-            <p:cNvSpPr>
-              <a:spLocks noChangeShapeType="1"/>
-            </p:cNvSpPr>
-            <p:nvPr/>
-          </p:nvSpPr>
-          <p:spPr bwMode="auto">
-            <a:xfrm>
-              <a:off x="984" y="3456"/>
-              <a:ext cx="0" cy="96"/>
-            </a:xfrm>
-            <a:prstGeom prst="line">
-              <a:avLst/>
-            </a:prstGeom>
-            <a:noFill/>
-            <a:ln w="12700">
-              <a:solidFill>
-                <a:schemeClr val="tx1"/>
-              </a:solidFill>
-              <a:round/>
-              <a:headEnd/>
-              <a:tailEnd/>
-            </a:ln>
-          </p:spPr>
-          <p:txBody>
-            <a:bodyPr/>
-            <a:lstStyle/>
-            <a:p>
-              <a:endParaRPr lang="en-US"/>
-            </a:p>
-          </p:txBody>
-        </p:sp>
         <p:grpSp>
           <p:nvGrpSpPr>
-            <p:cNvPr id="28741" name="Group 55"/>
+            <p:cNvPr id="28686" name="Group 35"/>
             <p:cNvGrpSpPr>
               <a:grpSpLocks/>
             </p:cNvGrpSpPr>
@@ -6030,15 +5974,15 @@
           </p:nvGrpSpPr>
           <p:grpSpPr bwMode="auto">
             <a:xfrm>
-              <a:off x="436" y="2404"/>
-              <a:ext cx="1096" cy="1048"/>
-              <a:chOff x="436" y="2404"/>
-              <a:chExt cx="1096" cy="1048"/>
+              <a:off x="7092950" y="1377950"/>
+              <a:ext cx="1739900" cy="4260850"/>
+              <a:chOff x="4468" y="868"/>
+              <a:chExt cx="1096" cy="2684"/>
             </a:xfrm>
           </p:grpSpPr>
           <p:sp>
             <p:nvSpPr>
-              <p:cNvPr id="28749" name="Rectangle 47"/>
+              <p:cNvPr id="28757" name="Rectangle 14"/>
               <p:cNvSpPr>
                 <a:spLocks noChangeArrowheads="1"/>
               </p:cNvSpPr>
@@ -6046,7 +5990,7 @@
             </p:nvSpPr>
             <p:spPr bwMode="auto">
               <a:xfrm>
-                <a:off x="436" y="2404"/>
+                <a:off x="4468" y="868"/>
                 <a:ext cx="1096" cy="280"/>
               </a:xfrm>
               <a:prstGeom prst="rect">
@@ -6074,7 +6018,7 @@
           </p:sp>
           <p:sp>
             <p:nvSpPr>
-              <p:cNvPr id="28750" name="Rectangle 48"/>
+              <p:cNvPr id="28758" name="Rectangle 15"/>
               <p:cNvSpPr>
                 <a:spLocks noChangeArrowheads="1"/>
               </p:cNvSpPr>
@@ -6082,7 +6026,7 @@
             </p:nvSpPr>
             <p:spPr bwMode="auto">
               <a:xfrm>
-                <a:off x="436" y="2788"/>
+                <a:off x="4468" y="1252"/>
                 <a:ext cx="1096" cy="280"/>
               </a:xfrm>
               <a:prstGeom prst="rect">
@@ -6110,7 +6054,7 @@
           </p:sp>
           <p:sp>
             <p:nvSpPr>
-              <p:cNvPr id="28751" name="Rectangle 49"/>
+              <p:cNvPr id="28759" name="Rectangle 16"/>
               <p:cNvSpPr>
                 <a:spLocks noChangeArrowheads="1"/>
               </p:cNvSpPr>
@@ -6118,7 +6062,7 @@
             </p:nvSpPr>
             <p:spPr bwMode="auto">
               <a:xfrm>
-                <a:off x="436" y="3172"/>
+                <a:off x="4468" y="1636"/>
                 <a:ext cx="1096" cy="280"/>
               </a:xfrm>
               <a:prstGeom prst="rect">
@@ -6146,7 +6090,1413 @@
           </p:sp>
           <p:sp>
             <p:nvSpPr>
-              <p:cNvPr id="28752" name="Line 50"/>
+              <p:cNvPr id="28760" name="Rectangle 17"/>
+              <p:cNvSpPr>
+                <a:spLocks noChangeArrowheads="1"/>
+              </p:cNvSpPr>
+              <p:nvPr/>
+            </p:nvSpPr>
+            <p:spPr bwMode="auto">
+              <a:xfrm>
+                <a:off x="4468" y="2020"/>
+                <a:ext cx="1096" cy="280"/>
+              </a:xfrm>
+              <a:prstGeom prst="rect">
+                <a:avLst/>
+              </a:prstGeom>
+              <a:solidFill>
+                <a:schemeClr val="bg1"/>
+              </a:solidFill>
+              <a:ln w="12700">
+                <a:solidFill>
+                  <a:schemeClr val="tx1"/>
+                </a:solidFill>
+                <a:miter lim="800000"/>
+                <a:headEnd/>
+                <a:tailEnd/>
+              </a:ln>
+            </p:spPr>
+            <p:txBody>
+              <a:bodyPr wrap="none" anchor="ctr"/>
+              <a:lstStyle/>
+              <a:p>
+                <a:endParaRPr lang="en-US"/>
+              </a:p>
+            </p:txBody>
+          </p:sp>
+          <p:sp>
+            <p:nvSpPr>
+              <p:cNvPr id="28761" name="Rectangle 18"/>
+              <p:cNvSpPr>
+                <a:spLocks noChangeArrowheads="1"/>
+              </p:cNvSpPr>
+              <p:nvPr/>
+            </p:nvSpPr>
+            <p:spPr bwMode="auto">
+              <a:xfrm>
+                <a:off x="4468" y="2404"/>
+                <a:ext cx="1096" cy="280"/>
+              </a:xfrm>
+              <a:prstGeom prst="rect">
+                <a:avLst/>
+              </a:prstGeom>
+              <a:solidFill>
+                <a:schemeClr val="bg1"/>
+              </a:solidFill>
+              <a:ln w="12700">
+                <a:solidFill>
+                  <a:schemeClr val="tx1"/>
+                </a:solidFill>
+                <a:miter lim="800000"/>
+                <a:headEnd/>
+                <a:tailEnd/>
+              </a:ln>
+            </p:spPr>
+            <p:txBody>
+              <a:bodyPr wrap="none" anchor="ctr"/>
+              <a:lstStyle/>
+              <a:p>
+                <a:endParaRPr lang="en-US"/>
+              </a:p>
+            </p:txBody>
+          </p:sp>
+          <p:sp>
+            <p:nvSpPr>
+              <p:cNvPr id="28762" name="Rectangle 19"/>
+              <p:cNvSpPr>
+                <a:spLocks noChangeArrowheads="1"/>
+              </p:cNvSpPr>
+              <p:nvPr/>
+            </p:nvSpPr>
+            <p:spPr bwMode="auto">
+              <a:xfrm>
+                <a:off x="4468" y="2788"/>
+                <a:ext cx="1096" cy="280"/>
+              </a:xfrm>
+              <a:prstGeom prst="rect">
+                <a:avLst/>
+              </a:prstGeom>
+              <a:solidFill>
+                <a:schemeClr val="bg1"/>
+              </a:solidFill>
+              <a:ln w="12700">
+                <a:solidFill>
+                  <a:schemeClr val="tx1"/>
+                </a:solidFill>
+                <a:miter lim="800000"/>
+                <a:headEnd/>
+                <a:tailEnd/>
+              </a:ln>
+            </p:spPr>
+            <p:txBody>
+              <a:bodyPr wrap="none" anchor="ctr"/>
+              <a:lstStyle/>
+              <a:p>
+                <a:endParaRPr lang="en-US"/>
+              </a:p>
+            </p:txBody>
+          </p:sp>
+          <p:sp>
+            <p:nvSpPr>
+              <p:cNvPr id="28763" name="Rectangle 20"/>
+              <p:cNvSpPr>
+                <a:spLocks noChangeArrowheads="1"/>
+              </p:cNvSpPr>
+              <p:nvPr/>
+            </p:nvSpPr>
+            <p:spPr bwMode="auto">
+              <a:xfrm>
+                <a:off x="4468" y="3172"/>
+                <a:ext cx="1096" cy="280"/>
+              </a:xfrm>
+              <a:prstGeom prst="rect">
+                <a:avLst/>
+              </a:prstGeom>
+              <a:solidFill>
+                <a:schemeClr val="bg1"/>
+              </a:solidFill>
+              <a:ln w="12700">
+                <a:solidFill>
+                  <a:schemeClr val="tx1"/>
+                </a:solidFill>
+                <a:miter lim="800000"/>
+                <a:headEnd/>
+                <a:tailEnd/>
+              </a:ln>
+            </p:spPr>
+            <p:txBody>
+              <a:bodyPr wrap="none" anchor="ctr"/>
+              <a:lstStyle/>
+              <a:p>
+                <a:endParaRPr lang="en-US"/>
+              </a:p>
+            </p:txBody>
+          </p:sp>
+          <p:sp>
+            <p:nvSpPr>
+              <p:cNvPr id="28764" name="Line 21"/>
+              <p:cNvSpPr>
+                <a:spLocks noChangeShapeType="1"/>
+              </p:cNvSpPr>
+              <p:nvPr/>
+            </p:nvSpPr>
+            <p:spPr bwMode="auto">
+              <a:xfrm>
+                <a:off x="5016" y="1152"/>
+                <a:ext cx="0" cy="96"/>
+              </a:xfrm>
+              <a:prstGeom prst="line">
+                <a:avLst/>
+              </a:prstGeom>
+              <a:noFill/>
+              <a:ln w="12700">
+                <a:solidFill>
+                  <a:schemeClr val="tx1"/>
+                </a:solidFill>
+                <a:round/>
+                <a:headEnd/>
+                <a:tailEnd/>
+              </a:ln>
+            </p:spPr>
+            <p:txBody>
+              <a:bodyPr/>
+              <a:lstStyle/>
+              <a:p>
+                <a:endParaRPr lang="en-US"/>
+              </a:p>
+            </p:txBody>
+          </p:sp>
+          <p:sp>
+            <p:nvSpPr>
+              <p:cNvPr id="28765" name="Line 22"/>
+              <p:cNvSpPr>
+                <a:spLocks noChangeShapeType="1"/>
+              </p:cNvSpPr>
+              <p:nvPr/>
+            </p:nvSpPr>
+            <p:spPr bwMode="auto">
+              <a:xfrm>
+                <a:off x="5016" y="1536"/>
+                <a:ext cx="0" cy="96"/>
+              </a:xfrm>
+              <a:prstGeom prst="line">
+                <a:avLst/>
+              </a:prstGeom>
+              <a:noFill/>
+              <a:ln w="12700">
+                <a:solidFill>
+                  <a:schemeClr val="tx1"/>
+                </a:solidFill>
+                <a:round/>
+                <a:headEnd/>
+                <a:tailEnd/>
+              </a:ln>
+            </p:spPr>
+            <p:txBody>
+              <a:bodyPr/>
+              <a:lstStyle/>
+              <a:p>
+                <a:endParaRPr lang="en-US"/>
+              </a:p>
+            </p:txBody>
+          </p:sp>
+          <p:sp>
+            <p:nvSpPr>
+              <p:cNvPr id="28766" name="Line 23"/>
+              <p:cNvSpPr>
+                <a:spLocks noChangeShapeType="1"/>
+              </p:cNvSpPr>
+              <p:nvPr/>
+            </p:nvSpPr>
+            <p:spPr bwMode="auto">
+              <a:xfrm>
+                <a:off x="5016" y="1920"/>
+                <a:ext cx="0" cy="96"/>
+              </a:xfrm>
+              <a:prstGeom prst="line">
+                <a:avLst/>
+              </a:prstGeom>
+              <a:noFill/>
+              <a:ln w="12700">
+                <a:solidFill>
+                  <a:schemeClr val="tx1"/>
+                </a:solidFill>
+                <a:round/>
+                <a:headEnd/>
+                <a:tailEnd/>
+              </a:ln>
+            </p:spPr>
+            <p:txBody>
+              <a:bodyPr/>
+              <a:lstStyle/>
+              <a:p>
+                <a:endParaRPr lang="en-US"/>
+              </a:p>
+            </p:txBody>
+          </p:sp>
+          <p:sp>
+            <p:nvSpPr>
+              <p:cNvPr id="28767" name="Line 24"/>
+              <p:cNvSpPr>
+                <a:spLocks noChangeShapeType="1"/>
+              </p:cNvSpPr>
+              <p:nvPr/>
+            </p:nvSpPr>
+            <p:spPr bwMode="auto">
+              <a:xfrm>
+                <a:off x="5016" y="2304"/>
+                <a:ext cx="0" cy="96"/>
+              </a:xfrm>
+              <a:prstGeom prst="line">
+                <a:avLst/>
+              </a:prstGeom>
+              <a:noFill/>
+              <a:ln w="12700">
+                <a:solidFill>
+                  <a:schemeClr val="tx1"/>
+                </a:solidFill>
+                <a:round/>
+                <a:headEnd/>
+                <a:tailEnd/>
+              </a:ln>
+            </p:spPr>
+            <p:txBody>
+              <a:bodyPr/>
+              <a:lstStyle/>
+              <a:p>
+                <a:endParaRPr lang="en-US"/>
+              </a:p>
+            </p:txBody>
+          </p:sp>
+          <p:sp>
+            <p:nvSpPr>
+              <p:cNvPr id="28768" name="Line 25"/>
+              <p:cNvSpPr>
+                <a:spLocks noChangeShapeType="1"/>
+              </p:cNvSpPr>
+              <p:nvPr/>
+            </p:nvSpPr>
+            <p:spPr bwMode="auto">
+              <a:xfrm>
+                <a:off x="5016" y="2688"/>
+                <a:ext cx="0" cy="96"/>
+              </a:xfrm>
+              <a:prstGeom prst="line">
+                <a:avLst/>
+              </a:prstGeom>
+              <a:noFill/>
+              <a:ln w="12700">
+                <a:solidFill>
+                  <a:schemeClr val="tx1"/>
+                </a:solidFill>
+                <a:round/>
+                <a:headEnd/>
+                <a:tailEnd/>
+              </a:ln>
+            </p:spPr>
+            <p:txBody>
+              <a:bodyPr/>
+              <a:lstStyle/>
+              <a:p>
+                <a:endParaRPr lang="en-US"/>
+              </a:p>
+            </p:txBody>
+          </p:sp>
+          <p:sp>
+            <p:nvSpPr>
+              <p:cNvPr id="28769" name="Line 26"/>
+              <p:cNvSpPr>
+                <a:spLocks noChangeShapeType="1"/>
+              </p:cNvSpPr>
+              <p:nvPr/>
+            </p:nvSpPr>
+            <p:spPr bwMode="auto">
+              <a:xfrm>
+                <a:off x="5016" y="3072"/>
+                <a:ext cx="0" cy="96"/>
+              </a:xfrm>
+              <a:prstGeom prst="line">
+                <a:avLst/>
+              </a:prstGeom>
+              <a:noFill/>
+              <a:ln w="12700">
+                <a:solidFill>
+                  <a:schemeClr val="tx1"/>
+                </a:solidFill>
+                <a:round/>
+                <a:headEnd/>
+                <a:tailEnd/>
+              </a:ln>
+            </p:spPr>
+            <p:txBody>
+              <a:bodyPr/>
+              <a:lstStyle/>
+              <a:p>
+                <a:endParaRPr lang="en-US"/>
+              </a:p>
+            </p:txBody>
+          </p:sp>
+          <p:sp>
+            <p:nvSpPr>
+              <p:cNvPr id="28770" name="Line 27"/>
+              <p:cNvSpPr>
+                <a:spLocks noChangeShapeType="1"/>
+              </p:cNvSpPr>
+              <p:nvPr/>
+            </p:nvSpPr>
+            <p:spPr bwMode="auto">
+              <a:xfrm>
+                <a:off x="5016" y="3456"/>
+                <a:ext cx="0" cy="96"/>
+              </a:xfrm>
+              <a:prstGeom prst="line">
+                <a:avLst/>
+              </a:prstGeom>
+              <a:noFill/>
+              <a:ln w="12700">
+                <a:solidFill>
+                  <a:schemeClr val="tx1"/>
+                </a:solidFill>
+                <a:round/>
+                <a:headEnd/>
+                <a:tailEnd/>
+              </a:ln>
+            </p:spPr>
+            <p:txBody>
+              <a:bodyPr/>
+              <a:lstStyle/>
+              <a:p>
+                <a:endParaRPr lang="en-US"/>
+              </a:p>
+            </p:txBody>
+          </p:sp>
+          <p:sp>
+            <p:nvSpPr>
+              <p:cNvPr id="28771" name="Rectangle 28"/>
+              <p:cNvSpPr>
+                <a:spLocks noChangeArrowheads="1"/>
+              </p:cNvSpPr>
+              <p:nvPr/>
+            </p:nvSpPr>
+            <p:spPr bwMode="auto">
+              <a:xfrm>
+                <a:off x="4653" y="926"/>
+                <a:ext cx="726" cy="192"/>
+              </a:xfrm>
+              <a:prstGeom prst="rect">
+                <a:avLst/>
+              </a:prstGeom>
+              <a:noFill/>
+              <a:ln w="12700">
+                <a:noFill/>
+                <a:miter lim="800000"/>
+                <a:headEnd/>
+                <a:tailEnd/>
+              </a:ln>
+            </p:spPr>
+            <p:txBody>
+              <a:bodyPr wrap="none" lIns="90488" tIns="44450" rIns="90488" bIns="44450">
+                <a:spAutoFit/>
+              </a:bodyPr>
+              <a:lstStyle/>
+              <a:p>
+                <a:r>
+                  <a:rPr lang="en-US" sz="1400" b="1">
+                    <a:latin typeface="Book Antiqua" pitchFamily="18" charset="0"/>
+                  </a:rPr>
+                  <a:t>Application</a:t>
+                </a:r>
+              </a:p>
+            </p:txBody>
+          </p:sp>
+          <p:sp>
+            <p:nvSpPr>
+              <p:cNvPr id="28772" name="Rectangle 29"/>
+              <p:cNvSpPr>
+                <a:spLocks noChangeArrowheads="1"/>
+              </p:cNvSpPr>
+              <p:nvPr/>
+            </p:nvSpPr>
+            <p:spPr bwMode="auto">
+              <a:xfrm>
+                <a:off x="4638" y="1310"/>
+                <a:ext cx="757" cy="192"/>
+              </a:xfrm>
+              <a:prstGeom prst="rect">
+                <a:avLst/>
+              </a:prstGeom>
+              <a:noFill/>
+              <a:ln w="12700">
+                <a:noFill/>
+                <a:miter lim="800000"/>
+                <a:headEnd/>
+                <a:tailEnd/>
+              </a:ln>
+            </p:spPr>
+            <p:txBody>
+              <a:bodyPr wrap="none" lIns="90488" tIns="44450" rIns="90488" bIns="44450">
+                <a:spAutoFit/>
+              </a:bodyPr>
+              <a:lstStyle/>
+              <a:p>
+                <a:r>
+                  <a:rPr lang="en-US" sz="1400" b="1">
+                    <a:latin typeface="Book Antiqua" pitchFamily="18" charset="0"/>
+                  </a:rPr>
+                  <a:t>Presentation</a:t>
+                </a:r>
+              </a:p>
+            </p:txBody>
+          </p:sp>
+          <p:sp>
+            <p:nvSpPr>
+              <p:cNvPr id="28773" name="Rectangle 30"/>
+              <p:cNvSpPr>
+                <a:spLocks noChangeArrowheads="1"/>
+              </p:cNvSpPr>
+              <p:nvPr/>
+            </p:nvSpPr>
+            <p:spPr bwMode="auto">
+              <a:xfrm>
+                <a:off x="4762" y="1694"/>
+                <a:ext cx="508" cy="192"/>
+              </a:xfrm>
+              <a:prstGeom prst="rect">
+                <a:avLst/>
+              </a:prstGeom>
+              <a:noFill/>
+              <a:ln w="12700">
+                <a:noFill/>
+                <a:miter lim="800000"/>
+                <a:headEnd/>
+                <a:tailEnd/>
+              </a:ln>
+            </p:spPr>
+            <p:txBody>
+              <a:bodyPr wrap="none" lIns="90488" tIns="44450" rIns="90488" bIns="44450">
+                <a:spAutoFit/>
+              </a:bodyPr>
+              <a:lstStyle/>
+              <a:p>
+                <a:r>
+                  <a:rPr lang="en-US" sz="1400" b="1">
+                    <a:latin typeface="Book Antiqua" pitchFamily="18" charset="0"/>
+                  </a:rPr>
+                  <a:t>Session</a:t>
+                </a:r>
+              </a:p>
+            </p:txBody>
+          </p:sp>
+          <p:sp>
+            <p:nvSpPr>
+              <p:cNvPr id="28774" name="Rectangle 31"/>
+              <p:cNvSpPr>
+                <a:spLocks noChangeArrowheads="1"/>
+              </p:cNvSpPr>
+              <p:nvPr/>
+            </p:nvSpPr>
+            <p:spPr bwMode="auto">
+              <a:xfrm>
+                <a:off x="4706" y="2078"/>
+                <a:ext cx="620" cy="192"/>
+              </a:xfrm>
+              <a:prstGeom prst="rect">
+                <a:avLst/>
+              </a:prstGeom>
+              <a:noFill/>
+              <a:ln w="12700">
+                <a:noFill/>
+                <a:miter lim="800000"/>
+                <a:headEnd/>
+                <a:tailEnd/>
+              </a:ln>
+            </p:spPr>
+            <p:txBody>
+              <a:bodyPr wrap="none" lIns="90488" tIns="44450" rIns="90488" bIns="44450">
+                <a:spAutoFit/>
+              </a:bodyPr>
+              <a:lstStyle/>
+              <a:p>
+                <a:r>
+                  <a:rPr lang="en-US" sz="1400" b="1">
+                    <a:latin typeface="Book Antiqua" pitchFamily="18" charset="0"/>
+                  </a:rPr>
+                  <a:t>Transport</a:t>
+                </a:r>
+              </a:p>
+            </p:txBody>
+          </p:sp>
+          <p:sp>
+            <p:nvSpPr>
+              <p:cNvPr id="28775" name="Rectangle 32"/>
+              <p:cNvSpPr>
+                <a:spLocks noChangeArrowheads="1"/>
+              </p:cNvSpPr>
+              <p:nvPr/>
+            </p:nvSpPr>
+            <p:spPr bwMode="auto">
+              <a:xfrm>
+                <a:off x="4731" y="2462"/>
+                <a:ext cx="570" cy="192"/>
+              </a:xfrm>
+              <a:prstGeom prst="rect">
+                <a:avLst/>
+              </a:prstGeom>
+              <a:noFill/>
+              <a:ln w="12700">
+                <a:noFill/>
+                <a:miter lim="800000"/>
+                <a:headEnd/>
+                <a:tailEnd/>
+              </a:ln>
+            </p:spPr>
+            <p:txBody>
+              <a:bodyPr wrap="none" lIns="90488" tIns="44450" rIns="90488" bIns="44450">
+                <a:spAutoFit/>
+              </a:bodyPr>
+              <a:lstStyle/>
+              <a:p>
+                <a:r>
+                  <a:rPr lang="en-US" sz="1400" b="1">
+                    <a:latin typeface="Book Antiqua" pitchFamily="18" charset="0"/>
+                  </a:rPr>
+                  <a:t>Network</a:t>
+                </a:r>
+              </a:p>
+            </p:txBody>
+          </p:sp>
+          <p:sp>
+            <p:nvSpPr>
+              <p:cNvPr id="28776" name="Rectangle 33"/>
+              <p:cNvSpPr>
+                <a:spLocks noChangeArrowheads="1"/>
+              </p:cNvSpPr>
+              <p:nvPr/>
+            </p:nvSpPr>
+            <p:spPr bwMode="auto">
+              <a:xfrm>
+                <a:off x="4688" y="2846"/>
+                <a:ext cx="657" cy="192"/>
+              </a:xfrm>
+              <a:prstGeom prst="rect">
+                <a:avLst/>
+              </a:prstGeom>
+              <a:noFill/>
+              <a:ln w="12700">
+                <a:noFill/>
+                <a:miter lim="800000"/>
+                <a:headEnd/>
+                <a:tailEnd/>
+              </a:ln>
+            </p:spPr>
+            <p:txBody>
+              <a:bodyPr wrap="none" lIns="90488" tIns="44450" rIns="90488" bIns="44450">
+                <a:spAutoFit/>
+              </a:bodyPr>
+              <a:lstStyle/>
+              <a:p>
+                <a:r>
+                  <a:rPr lang="en-US" sz="1400" b="1">
+                    <a:latin typeface="Book Antiqua" pitchFamily="18" charset="0"/>
+                  </a:rPr>
+                  <a:t>Data  Link</a:t>
+                </a:r>
+              </a:p>
+            </p:txBody>
+          </p:sp>
+          <p:sp>
+            <p:nvSpPr>
+              <p:cNvPr id="28777" name="Rectangle 34"/>
+              <p:cNvSpPr>
+                <a:spLocks noChangeArrowheads="1"/>
+              </p:cNvSpPr>
+              <p:nvPr/>
+            </p:nvSpPr>
+            <p:spPr bwMode="auto">
+              <a:xfrm>
+                <a:off x="4778" y="3230"/>
+                <a:ext cx="545" cy="192"/>
+              </a:xfrm>
+              <a:prstGeom prst="rect">
+                <a:avLst/>
+              </a:prstGeom>
+              <a:noFill/>
+              <a:ln w="12700">
+                <a:noFill/>
+                <a:miter lim="800000"/>
+                <a:headEnd/>
+                <a:tailEnd/>
+              </a:ln>
+            </p:spPr>
+            <p:txBody>
+              <a:bodyPr wrap="none" lIns="90488" tIns="44450" rIns="90488" bIns="44450">
+                <a:spAutoFit/>
+              </a:bodyPr>
+              <a:lstStyle/>
+              <a:p>
+                <a:r>
+                  <a:rPr lang="en-US" sz="1400" b="1">
+                    <a:latin typeface="Book Antiqua" pitchFamily="18" charset="0"/>
+                  </a:rPr>
+                  <a:t>Physical</a:t>
+                </a:r>
+              </a:p>
+            </p:txBody>
+          </p:sp>
+        </p:grpSp>
+        <p:sp>
+          <p:nvSpPr>
+            <p:cNvPr id="28687" name="Line 36"/>
+            <p:cNvSpPr>
+              <a:spLocks noChangeShapeType="1"/>
+            </p:cNvSpPr>
+            <p:nvPr/>
+          </p:nvSpPr>
+          <p:spPr bwMode="auto">
+            <a:xfrm>
+              <a:off x="533400" y="5638800"/>
+              <a:ext cx="8534400" cy="0"/>
+            </a:xfrm>
+            <a:prstGeom prst="line">
+              <a:avLst/>
+            </a:prstGeom>
+            <a:noFill/>
+            <a:ln w="50800">
+              <a:solidFill>
+                <a:schemeClr val="tx1"/>
+              </a:solidFill>
+              <a:round/>
+              <a:headEnd/>
+              <a:tailEnd/>
+            </a:ln>
+          </p:spPr>
+          <p:txBody>
+            <a:bodyPr/>
+            <a:lstStyle/>
+            <a:p>
+              <a:endParaRPr lang="en-US"/>
+            </a:p>
+          </p:txBody>
+        </p:sp>
+        <p:sp>
+          <p:nvSpPr>
+            <p:cNvPr id="28688" name="Rectangle 37"/>
+            <p:cNvSpPr>
+              <a:spLocks noChangeArrowheads="1"/>
+            </p:cNvSpPr>
+            <p:nvPr/>
+          </p:nvSpPr>
+          <p:spPr bwMode="auto">
+            <a:xfrm>
+              <a:off x="692150" y="3816350"/>
+              <a:ext cx="1739900" cy="444500"/>
+            </a:xfrm>
+            <a:prstGeom prst="rect">
+              <a:avLst/>
+            </a:prstGeom>
+            <a:solidFill>
+              <a:schemeClr val="bg1"/>
+            </a:solidFill>
+            <a:ln w="12700">
+              <a:solidFill>
+                <a:schemeClr val="tx1"/>
+              </a:solidFill>
+              <a:miter lim="800000"/>
+              <a:headEnd/>
+              <a:tailEnd/>
+            </a:ln>
+          </p:spPr>
+          <p:txBody>
+            <a:bodyPr wrap="none" anchor="ctr"/>
+            <a:lstStyle/>
+            <a:p>
+              <a:endParaRPr lang="en-US"/>
+            </a:p>
+          </p:txBody>
+        </p:sp>
+        <p:sp>
+          <p:nvSpPr>
+            <p:cNvPr id="28689" name="Rectangle 38"/>
+            <p:cNvSpPr>
+              <a:spLocks noChangeArrowheads="1"/>
+            </p:cNvSpPr>
+            <p:nvPr/>
+          </p:nvSpPr>
+          <p:spPr bwMode="auto">
+            <a:xfrm>
+              <a:off x="692150" y="4425950"/>
+              <a:ext cx="1739900" cy="444500"/>
+            </a:xfrm>
+            <a:prstGeom prst="rect">
+              <a:avLst/>
+            </a:prstGeom>
+            <a:solidFill>
+              <a:schemeClr val="bg1"/>
+            </a:solidFill>
+            <a:ln w="12700">
+              <a:solidFill>
+                <a:schemeClr val="tx1"/>
+              </a:solidFill>
+              <a:miter lim="800000"/>
+              <a:headEnd/>
+              <a:tailEnd/>
+            </a:ln>
+          </p:spPr>
+          <p:txBody>
+            <a:bodyPr wrap="none" anchor="ctr"/>
+            <a:lstStyle/>
+            <a:p>
+              <a:endParaRPr lang="en-US"/>
+            </a:p>
+          </p:txBody>
+        </p:sp>
+        <p:sp>
+          <p:nvSpPr>
+            <p:cNvPr id="28690" name="Rectangle 39"/>
+            <p:cNvSpPr>
+              <a:spLocks noChangeArrowheads="1"/>
+            </p:cNvSpPr>
+            <p:nvPr/>
+          </p:nvSpPr>
+          <p:spPr bwMode="auto">
+            <a:xfrm>
+              <a:off x="692150" y="5035550"/>
+              <a:ext cx="1739900" cy="444500"/>
+            </a:xfrm>
+            <a:prstGeom prst="rect">
+              <a:avLst/>
+            </a:prstGeom>
+            <a:solidFill>
+              <a:schemeClr val="bg1"/>
+            </a:solidFill>
+            <a:ln w="12700">
+              <a:solidFill>
+                <a:schemeClr val="tx1"/>
+              </a:solidFill>
+              <a:miter lim="800000"/>
+              <a:headEnd/>
+              <a:tailEnd/>
+            </a:ln>
+          </p:spPr>
+          <p:txBody>
+            <a:bodyPr wrap="none" anchor="ctr"/>
+            <a:lstStyle/>
+            <a:p>
+              <a:endParaRPr lang="en-US"/>
+            </a:p>
+          </p:txBody>
+        </p:sp>
+        <p:sp>
+          <p:nvSpPr>
+            <p:cNvPr id="28691" name="Line 40"/>
+            <p:cNvSpPr>
+              <a:spLocks noChangeShapeType="1"/>
+            </p:cNvSpPr>
+            <p:nvPr/>
+          </p:nvSpPr>
+          <p:spPr bwMode="auto">
+            <a:xfrm>
+              <a:off x="1562100" y="1828800"/>
+              <a:ext cx="0" cy="152400"/>
+            </a:xfrm>
+            <a:prstGeom prst="line">
+              <a:avLst/>
+            </a:prstGeom>
+            <a:noFill/>
+            <a:ln w="12700">
+              <a:solidFill>
+                <a:schemeClr val="tx1"/>
+              </a:solidFill>
+              <a:round/>
+              <a:headEnd/>
+              <a:tailEnd/>
+            </a:ln>
+          </p:spPr>
+          <p:txBody>
+            <a:bodyPr/>
+            <a:lstStyle/>
+            <a:p>
+              <a:endParaRPr lang="en-US"/>
+            </a:p>
+          </p:txBody>
+        </p:sp>
+        <p:sp>
+          <p:nvSpPr>
+            <p:cNvPr id="28692" name="Line 41"/>
+            <p:cNvSpPr>
+              <a:spLocks noChangeShapeType="1"/>
+            </p:cNvSpPr>
+            <p:nvPr/>
+          </p:nvSpPr>
+          <p:spPr bwMode="auto">
+            <a:xfrm>
+              <a:off x="1562100" y="2438400"/>
+              <a:ext cx="0" cy="152400"/>
+            </a:xfrm>
+            <a:prstGeom prst="line">
+              <a:avLst/>
+            </a:prstGeom>
+            <a:noFill/>
+            <a:ln w="12700">
+              <a:solidFill>
+                <a:schemeClr val="tx1"/>
+              </a:solidFill>
+              <a:round/>
+              <a:headEnd/>
+              <a:tailEnd/>
+            </a:ln>
+          </p:spPr>
+          <p:txBody>
+            <a:bodyPr/>
+            <a:lstStyle/>
+            <a:p>
+              <a:endParaRPr lang="en-US"/>
+            </a:p>
+          </p:txBody>
+        </p:sp>
+        <p:sp>
+          <p:nvSpPr>
+            <p:cNvPr id="28693" name="Line 42"/>
+            <p:cNvSpPr>
+              <a:spLocks noChangeShapeType="1"/>
+            </p:cNvSpPr>
+            <p:nvPr/>
+          </p:nvSpPr>
+          <p:spPr bwMode="auto">
+            <a:xfrm>
+              <a:off x="1562100" y="3048000"/>
+              <a:ext cx="0" cy="152400"/>
+            </a:xfrm>
+            <a:prstGeom prst="line">
+              <a:avLst/>
+            </a:prstGeom>
+            <a:noFill/>
+            <a:ln w="12700">
+              <a:solidFill>
+                <a:schemeClr val="tx1"/>
+              </a:solidFill>
+              <a:round/>
+              <a:headEnd/>
+              <a:tailEnd/>
+            </a:ln>
+          </p:spPr>
+          <p:txBody>
+            <a:bodyPr/>
+            <a:lstStyle/>
+            <a:p>
+              <a:endParaRPr lang="en-US"/>
+            </a:p>
+          </p:txBody>
+        </p:sp>
+        <p:sp>
+          <p:nvSpPr>
+            <p:cNvPr id="28694" name="Rectangle 43"/>
+            <p:cNvSpPr>
+              <a:spLocks noChangeArrowheads="1"/>
+            </p:cNvSpPr>
+            <p:nvPr/>
+          </p:nvSpPr>
+          <p:spPr bwMode="auto">
+            <a:xfrm>
+              <a:off x="985838" y="1470025"/>
+              <a:ext cx="1152525" cy="304800"/>
+            </a:xfrm>
+            <a:prstGeom prst="rect">
+              <a:avLst/>
+            </a:prstGeom>
+            <a:noFill/>
+            <a:ln w="12700">
+              <a:noFill/>
+              <a:miter lim="800000"/>
+              <a:headEnd/>
+              <a:tailEnd/>
+            </a:ln>
+          </p:spPr>
+          <p:txBody>
+            <a:bodyPr wrap="none" lIns="90488" tIns="44450" rIns="90488" bIns="44450">
+              <a:spAutoFit/>
+            </a:bodyPr>
+            <a:lstStyle/>
+            <a:p>
+              <a:r>
+                <a:rPr lang="en-US" sz="1400" b="1">
+                  <a:latin typeface="Book Antiqua" pitchFamily="18" charset="0"/>
+                </a:rPr>
+                <a:t>Application</a:t>
+              </a:r>
+            </a:p>
+          </p:txBody>
+        </p:sp>
+        <p:sp>
+          <p:nvSpPr>
+            <p:cNvPr id="28695" name="Rectangle 44"/>
+            <p:cNvSpPr>
+              <a:spLocks noChangeArrowheads="1"/>
+            </p:cNvSpPr>
+            <p:nvPr/>
+          </p:nvSpPr>
+          <p:spPr bwMode="auto">
+            <a:xfrm>
+              <a:off x="962025" y="2079625"/>
+              <a:ext cx="1201738" cy="304800"/>
+            </a:xfrm>
+            <a:prstGeom prst="rect">
+              <a:avLst/>
+            </a:prstGeom>
+            <a:noFill/>
+            <a:ln w="12700">
+              <a:noFill/>
+              <a:miter lim="800000"/>
+              <a:headEnd/>
+              <a:tailEnd/>
+            </a:ln>
+          </p:spPr>
+          <p:txBody>
+            <a:bodyPr wrap="none" lIns="90488" tIns="44450" rIns="90488" bIns="44450">
+              <a:spAutoFit/>
+            </a:bodyPr>
+            <a:lstStyle/>
+            <a:p>
+              <a:r>
+                <a:rPr lang="en-US" sz="1400" b="1">
+                  <a:latin typeface="Book Antiqua" pitchFamily="18" charset="0"/>
+                </a:rPr>
+                <a:t>Presentation</a:t>
+              </a:r>
+            </a:p>
+          </p:txBody>
+        </p:sp>
+        <p:grpSp>
+          <p:nvGrpSpPr>
+            <p:cNvPr id="28696" name="Group 63"/>
+            <p:cNvGrpSpPr>
+              <a:grpSpLocks/>
+            </p:cNvGrpSpPr>
+            <p:nvPr/>
+          </p:nvGrpSpPr>
+          <p:grpSpPr bwMode="auto">
+            <a:xfrm>
+              <a:off x="692150" y="3657600"/>
+              <a:ext cx="1739900" cy="1981200"/>
+              <a:chOff x="436" y="2304"/>
+              <a:chExt cx="1096" cy="1248"/>
+            </a:xfrm>
+          </p:grpSpPr>
+          <p:sp>
+            <p:nvSpPr>
+              <p:cNvPr id="28739" name="Line 45"/>
+              <p:cNvSpPr>
+                <a:spLocks noChangeShapeType="1"/>
+              </p:cNvSpPr>
+              <p:nvPr/>
+            </p:nvSpPr>
+            <p:spPr bwMode="auto">
+              <a:xfrm>
+                <a:off x="984" y="2304"/>
+                <a:ext cx="0" cy="96"/>
+              </a:xfrm>
+              <a:prstGeom prst="line">
+                <a:avLst/>
+              </a:prstGeom>
+              <a:noFill/>
+              <a:ln w="12700">
+                <a:solidFill>
+                  <a:schemeClr val="tx1"/>
+                </a:solidFill>
+                <a:round/>
+                <a:headEnd/>
+                <a:tailEnd/>
+              </a:ln>
+            </p:spPr>
+            <p:txBody>
+              <a:bodyPr/>
+              <a:lstStyle/>
+              <a:p>
+                <a:endParaRPr lang="en-US"/>
+              </a:p>
+            </p:txBody>
+          </p:sp>
+          <p:sp>
+            <p:nvSpPr>
+              <p:cNvPr id="28740" name="Line 46"/>
+              <p:cNvSpPr>
+                <a:spLocks noChangeShapeType="1"/>
+              </p:cNvSpPr>
+              <p:nvPr/>
+            </p:nvSpPr>
+            <p:spPr bwMode="auto">
+              <a:xfrm>
+                <a:off x="984" y="3456"/>
+                <a:ext cx="0" cy="96"/>
+              </a:xfrm>
+              <a:prstGeom prst="line">
+                <a:avLst/>
+              </a:prstGeom>
+              <a:noFill/>
+              <a:ln w="12700">
+                <a:solidFill>
+                  <a:schemeClr val="tx1"/>
+                </a:solidFill>
+                <a:round/>
+                <a:headEnd/>
+                <a:tailEnd/>
+              </a:ln>
+            </p:spPr>
+            <p:txBody>
+              <a:bodyPr/>
+              <a:lstStyle/>
+              <a:p>
+                <a:endParaRPr lang="en-US"/>
+              </a:p>
+            </p:txBody>
+          </p:sp>
+          <p:grpSp>
+            <p:nvGrpSpPr>
+              <p:cNvPr id="28741" name="Group 55"/>
+              <p:cNvGrpSpPr>
+                <a:grpSpLocks/>
+              </p:cNvGrpSpPr>
+              <p:nvPr/>
+            </p:nvGrpSpPr>
+            <p:grpSpPr bwMode="auto">
+              <a:xfrm>
+                <a:off x="436" y="2404"/>
+                <a:ext cx="1096" cy="1048"/>
+                <a:chOff x="436" y="2404"/>
+                <a:chExt cx="1096" cy="1048"/>
+              </a:xfrm>
+            </p:grpSpPr>
+            <p:sp>
+              <p:nvSpPr>
+                <p:cNvPr id="28749" name="Rectangle 47"/>
+                <p:cNvSpPr>
+                  <a:spLocks noChangeArrowheads="1"/>
+                </p:cNvSpPr>
+                <p:nvPr/>
+              </p:nvSpPr>
+              <p:spPr bwMode="auto">
+                <a:xfrm>
+                  <a:off x="436" y="2404"/>
+                  <a:ext cx="1096" cy="280"/>
+                </a:xfrm>
+                <a:prstGeom prst="rect">
+                  <a:avLst/>
+                </a:prstGeom>
+                <a:solidFill>
+                  <a:schemeClr val="bg1"/>
+                </a:solidFill>
+                <a:ln w="12700">
+                  <a:solidFill>
+                    <a:schemeClr val="tx1"/>
+                  </a:solidFill>
+                  <a:miter lim="800000"/>
+                  <a:headEnd/>
+                  <a:tailEnd/>
+                </a:ln>
+              </p:spPr>
+              <p:txBody>
+                <a:bodyPr wrap="none" anchor="ctr"/>
+                <a:lstStyle/>
+                <a:p>
+                  <a:endParaRPr lang="en-US"/>
+                </a:p>
+              </p:txBody>
+            </p:sp>
+            <p:sp>
+              <p:nvSpPr>
+                <p:cNvPr id="28750" name="Rectangle 48"/>
+                <p:cNvSpPr>
+                  <a:spLocks noChangeArrowheads="1"/>
+                </p:cNvSpPr>
+                <p:nvPr/>
+              </p:nvSpPr>
+              <p:spPr bwMode="auto">
+                <a:xfrm>
+                  <a:off x="436" y="2788"/>
+                  <a:ext cx="1096" cy="280"/>
+                </a:xfrm>
+                <a:prstGeom prst="rect">
+                  <a:avLst/>
+                </a:prstGeom>
+                <a:solidFill>
+                  <a:schemeClr val="bg1"/>
+                </a:solidFill>
+                <a:ln w="12700">
+                  <a:solidFill>
+                    <a:schemeClr val="tx1"/>
+                  </a:solidFill>
+                  <a:miter lim="800000"/>
+                  <a:headEnd/>
+                  <a:tailEnd/>
+                </a:ln>
+              </p:spPr>
+              <p:txBody>
+                <a:bodyPr wrap="none" anchor="ctr"/>
+                <a:lstStyle/>
+                <a:p>
+                  <a:endParaRPr lang="en-US"/>
+                </a:p>
+              </p:txBody>
+            </p:sp>
+            <p:sp>
+              <p:nvSpPr>
+                <p:cNvPr id="28751" name="Rectangle 49"/>
+                <p:cNvSpPr>
+                  <a:spLocks noChangeArrowheads="1"/>
+                </p:cNvSpPr>
+                <p:nvPr/>
+              </p:nvSpPr>
+              <p:spPr bwMode="auto">
+                <a:xfrm>
+                  <a:off x="436" y="3172"/>
+                  <a:ext cx="1096" cy="280"/>
+                </a:xfrm>
+                <a:prstGeom prst="rect">
+                  <a:avLst/>
+                </a:prstGeom>
+                <a:solidFill>
+                  <a:schemeClr val="bg1"/>
+                </a:solidFill>
+                <a:ln w="12700">
+                  <a:solidFill>
+                    <a:schemeClr val="tx1"/>
+                  </a:solidFill>
+                  <a:miter lim="800000"/>
+                  <a:headEnd/>
+                  <a:tailEnd/>
+                </a:ln>
+              </p:spPr>
+              <p:txBody>
+                <a:bodyPr wrap="none" anchor="ctr"/>
+                <a:lstStyle/>
+                <a:p>
+                  <a:endParaRPr lang="en-US"/>
+                </a:p>
+              </p:txBody>
+            </p:sp>
+            <p:sp>
+              <p:nvSpPr>
+                <p:cNvPr id="28752" name="Line 50"/>
+                <p:cNvSpPr>
+                  <a:spLocks noChangeShapeType="1"/>
+                </p:cNvSpPr>
+                <p:nvPr/>
+              </p:nvSpPr>
+              <p:spPr bwMode="auto">
+                <a:xfrm>
+                  <a:off x="984" y="2688"/>
+                  <a:ext cx="0" cy="96"/>
+                </a:xfrm>
+                <a:prstGeom prst="line">
+                  <a:avLst/>
+                </a:prstGeom>
+                <a:noFill/>
+                <a:ln w="12700">
+                  <a:solidFill>
+                    <a:schemeClr val="tx1"/>
+                  </a:solidFill>
+                  <a:round/>
+                  <a:headEnd/>
+                  <a:tailEnd/>
+                </a:ln>
+              </p:spPr>
+              <p:txBody>
+                <a:bodyPr/>
+                <a:lstStyle/>
+                <a:p>
+                  <a:endParaRPr lang="en-US"/>
+                </a:p>
+              </p:txBody>
+            </p:sp>
+            <p:sp>
+              <p:nvSpPr>
+                <p:cNvPr id="28753" name="Line 51"/>
+                <p:cNvSpPr>
+                  <a:spLocks noChangeShapeType="1"/>
+                </p:cNvSpPr>
+                <p:nvPr/>
+              </p:nvSpPr>
+              <p:spPr bwMode="auto">
+                <a:xfrm>
+                  <a:off x="984" y="3072"/>
+                  <a:ext cx="0" cy="96"/>
+                </a:xfrm>
+                <a:prstGeom prst="line">
+                  <a:avLst/>
+                </a:prstGeom>
+                <a:noFill/>
+                <a:ln w="12700">
+                  <a:solidFill>
+                    <a:schemeClr val="tx1"/>
+                  </a:solidFill>
+                  <a:round/>
+                  <a:headEnd/>
+                  <a:tailEnd/>
+                </a:ln>
+              </p:spPr>
+              <p:txBody>
+                <a:bodyPr/>
+                <a:lstStyle/>
+                <a:p>
+                  <a:endParaRPr lang="en-US"/>
+                </a:p>
+              </p:txBody>
+            </p:sp>
+            <p:sp>
+              <p:nvSpPr>
+                <p:cNvPr id="28754" name="Rectangle 52"/>
+                <p:cNvSpPr>
+                  <a:spLocks noChangeArrowheads="1"/>
+                </p:cNvSpPr>
+                <p:nvPr/>
+              </p:nvSpPr>
+              <p:spPr bwMode="auto">
+                <a:xfrm>
+                  <a:off x="699" y="2462"/>
+                  <a:ext cx="570" cy="192"/>
+                </a:xfrm>
+                <a:prstGeom prst="rect">
+                  <a:avLst/>
+                </a:prstGeom>
+                <a:noFill/>
+                <a:ln w="12700">
+                  <a:noFill/>
+                  <a:miter lim="800000"/>
+                  <a:headEnd/>
+                  <a:tailEnd/>
+                </a:ln>
+              </p:spPr>
+              <p:txBody>
+                <a:bodyPr wrap="none" lIns="90488" tIns="44450" rIns="90488" bIns="44450">
+                  <a:spAutoFit/>
+                </a:bodyPr>
+                <a:lstStyle/>
+                <a:p>
+                  <a:r>
+                    <a:rPr lang="en-US" sz="1400" b="1">
+                      <a:latin typeface="Book Antiqua" pitchFamily="18" charset="0"/>
+                    </a:rPr>
+                    <a:t>Network</a:t>
+                  </a:r>
+                </a:p>
+              </p:txBody>
+            </p:sp>
+            <p:sp>
+              <p:nvSpPr>
+                <p:cNvPr id="28755" name="Rectangle 53"/>
+                <p:cNvSpPr>
+                  <a:spLocks noChangeArrowheads="1"/>
+                </p:cNvSpPr>
+                <p:nvPr/>
+              </p:nvSpPr>
+              <p:spPr bwMode="auto">
+                <a:xfrm>
+                  <a:off x="656" y="2846"/>
+                  <a:ext cx="657" cy="192"/>
+                </a:xfrm>
+                <a:prstGeom prst="rect">
+                  <a:avLst/>
+                </a:prstGeom>
+                <a:noFill/>
+                <a:ln w="12700">
+                  <a:noFill/>
+                  <a:miter lim="800000"/>
+                  <a:headEnd/>
+                  <a:tailEnd/>
+                </a:ln>
+              </p:spPr>
+              <p:txBody>
+                <a:bodyPr wrap="none" lIns="90488" tIns="44450" rIns="90488" bIns="44450">
+                  <a:spAutoFit/>
+                </a:bodyPr>
+                <a:lstStyle/>
+                <a:p>
+                  <a:r>
+                    <a:rPr lang="en-US" sz="1400" b="1">
+                      <a:latin typeface="Book Antiqua" pitchFamily="18" charset="0"/>
+                    </a:rPr>
+                    <a:t>Data  Link</a:t>
+                  </a:r>
+                </a:p>
+              </p:txBody>
+            </p:sp>
+            <p:sp>
+              <p:nvSpPr>
+                <p:cNvPr id="28756" name="Rectangle 54"/>
+                <p:cNvSpPr>
+                  <a:spLocks noChangeArrowheads="1"/>
+                </p:cNvSpPr>
+                <p:nvPr/>
+              </p:nvSpPr>
+              <p:spPr bwMode="auto">
+                <a:xfrm>
+                  <a:off x="746" y="3230"/>
+                  <a:ext cx="545" cy="192"/>
+                </a:xfrm>
+                <a:prstGeom prst="rect">
+                  <a:avLst/>
+                </a:prstGeom>
+                <a:noFill/>
+                <a:ln w="12700">
+                  <a:noFill/>
+                  <a:miter lim="800000"/>
+                  <a:headEnd/>
+                  <a:tailEnd/>
+                </a:ln>
+              </p:spPr>
+              <p:txBody>
+                <a:bodyPr wrap="none" lIns="90488" tIns="44450" rIns="90488" bIns="44450">
+                  <a:spAutoFit/>
+                </a:bodyPr>
+                <a:lstStyle/>
+                <a:p>
+                  <a:r>
+                    <a:rPr lang="en-US" sz="1400" b="1">
+                      <a:latin typeface="Book Antiqua" pitchFamily="18" charset="0"/>
+                    </a:rPr>
+                    <a:t>Physical</a:t>
+                  </a:r>
+                </a:p>
+              </p:txBody>
+            </p:sp>
+          </p:grpSp>
+          <p:sp>
+            <p:nvSpPr>
+              <p:cNvPr id="28742" name="Line 56"/>
+              <p:cNvSpPr>
+                <a:spLocks noChangeShapeType="1"/>
+              </p:cNvSpPr>
+              <p:nvPr/>
+            </p:nvSpPr>
+            <p:spPr bwMode="auto">
+              <a:xfrm>
+                <a:off x="984" y="2304"/>
+                <a:ext cx="0" cy="96"/>
+              </a:xfrm>
+              <a:prstGeom prst="line">
+                <a:avLst/>
+              </a:prstGeom>
+              <a:noFill/>
+              <a:ln w="12700">
+                <a:solidFill>
+                  <a:schemeClr val="tx1"/>
+                </a:solidFill>
+                <a:round/>
+                <a:headEnd/>
+                <a:tailEnd/>
+              </a:ln>
+            </p:spPr>
+            <p:txBody>
+              <a:bodyPr/>
+              <a:lstStyle/>
+              <a:p>
+                <a:endParaRPr lang="en-US"/>
+              </a:p>
+            </p:txBody>
+          </p:sp>
+          <p:sp>
+            <p:nvSpPr>
+              <p:cNvPr id="28743" name="Line 57"/>
               <p:cNvSpPr>
                 <a:spLocks noChangeShapeType="1"/>
               </p:cNvSpPr>
@@ -6180,7 +7530,7 @@
           </p:sp>
           <p:sp>
             <p:nvSpPr>
-              <p:cNvPr id="28753" name="Line 51"/>
+              <p:cNvPr id="28744" name="Line 58"/>
               <p:cNvSpPr>
                 <a:spLocks noChangeShapeType="1"/>
               </p:cNvSpPr>
@@ -6214,7 +7564,41 @@
           </p:sp>
           <p:sp>
             <p:nvSpPr>
-              <p:cNvPr id="28754" name="Rectangle 52"/>
+              <p:cNvPr id="28745" name="Line 59"/>
+              <p:cNvSpPr>
+                <a:spLocks noChangeShapeType="1"/>
+              </p:cNvSpPr>
+              <p:nvPr/>
+            </p:nvSpPr>
+            <p:spPr bwMode="auto">
+              <a:xfrm>
+                <a:off x="984" y="3456"/>
+                <a:ext cx="0" cy="96"/>
+              </a:xfrm>
+              <a:prstGeom prst="line">
+                <a:avLst/>
+              </a:prstGeom>
+              <a:noFill/>
+              <a:ln w="12700">
+                <a:solidFill>
+                  <a:schemeClr val="tx1"/>
+                </a:solidFill>
+                <a:round/>
+                <a:headEnd/>
+                <a:tailEnd/>
+              </a:ln>
+            </p:spPr>
+            <p:txBody>
+              <a:bodyPr/>
+              <a:lstStyle/>
+              <a:p>
+                <a:endParaRPr lang="en-US"/>
+              </a:p>
+            </p:txBody>
+          </p:sp>
+          <p:sp>
+            <p:nvSpPr>
+              <p:cNvPr id="28746" name="Rectangle 60"/>
               <p:cNvSpPr>
                 <a:spLocks noChangeArrowheads="1"/>
               </p:cNvSpPr>
@@ -6253,7 +7637,7 @@
           </p:sp>
           <p:sp>
             <p:nvSpPr>
-              <p:cNvPr id="28755" name="Rectangle 53"/>
+              <p:cNvPr id="28747" name="Rectangle 61"/>
               <p:cNvSpPr>
                 <a:spLocks noChangeArrowheads="1"/>
               </p:cNvSpPr>
@@ -6292,7 +7676,7 @@
           </p:sp>
           <p:sp>
             <p:nvSpPr>
-              <p:cNvPr id="28756" name="Rectangle 54"/>
+              <p:cNvPr id="28748" name="Rectangle 62"/>
               <p:cNvSpPr>
                 <a:spLocks noChangeArrowheads="1"/>
               </p:cNvSpPr>
@@ -6332,7 +7716,7 @@
         </p:grpSp>
         <p:sp>
           <p:nvSpPr>
-            <p:cNvPr id="28742" name="Line 56"/>
+            <p:cNvPr id="28697" name="Line 64"/>
             <p:cNvSpPr>
               <a:spLocks noChangeShapeType="1"/>
             </p:cNvSpPr>
@@ -6340,8 +7724,352 @@
           </p:nvSpPr>
           <p:spPr bwMode="auto">
             <a:xfrm>
-              <a:off x="984" y="2304"/>
-              <a:ext cx="0" cy="96"/>
+              <a:off x="3467100" y="5486400"/>
+              <a:ext cx="0" cy="152400"/>
+            </a:xfrm>
+            <a:prstGeom prst="line">
+              <a:avLst/>
+            </a:prstGeom>
+            <a:noFill/>
+            <a:ln w="12700">
+              <a:solidFill>
+                <a:schemeClr val="tx1"/>
+              </a:solidFill>
+              <a:round/>
+              <a:headEnd/>
+              <a:tailEnd/>
+            </a:ln>
+          </p:spPr>
+          <p:txBody>
+            <a:bodyPr/>
+            <a:lstStyle/>
+            <a:p>
+              <a:endParaRPr lang="en-US"/>
+            </a:p>
+          </p:txBody>
+        </p:sp>
+        <p:grpSp>
+          <p:nvGrpSpPr>
+            <p:cNvPr id="28698" name="Group 73"/>
+            <p:cNvGrpSpPr>
+              <a:grpSpLocks/>
+            </p:cNvGrpSpPr>
+            <p:nvPr/>
+          </p:nvGrpSpPr>
+          <p:grpSpPr bwMode="auto">
+            <a:xfrm>
+              <a:off x="2597150" y="3816350"/>
+              <a:ext cx="1739900" cy="1663700"/>
+              <a:chOff x="1636" y="2404"/>
+              <a:chExt cx="1096" cy="1048"/>
+            </a:xfrm>
+          </p:grpSpPr>
+          <p:sp>
+            <p:nvSpPr>
+              <p:cNvPr id="28731" name="Rectangle 65"/>
+              <p:cNvSpPr>
+                <a:spLocks noChangeArrowheads="1"/>
+              </p:cNvSpPr>
+              <p:nvPr/>
+            </p:nvSpPr>
+            <p:spPr bwMode="auto">
+              <a:xfrm>
+                <a:off x="1636" y="2404"/>
+                <a:ext cx="1096" cy="280"/>
+              </a:xfrm>
+              <a:prstGeom prst="rect">
+                <a:avLst/>
+              </a:prstGeom>
+              <a:solidFill>
+                <a:schemeClr val="bg1"/>
+              </a:solidFill>
+              <a:ln w="12700">
+                <a:solidFill>
+                  <a:schemeClr val="tx1"/>
+                </a:solidFill>
+                <a:miter lim="800000"/>
+                <a:headEnd/>
+                <a:tailEnd/>
+              </a:ln>
+            </p:spPr>
+            <p:txBody>
+              <a:bodyPr wrap="none" anchor="ctr"/>
+              <a:lstStyle/>
+              <a:p>
+                <a:endParaRPr lang="en-US"/>
+              </a:p>
+            </p:txBody>
+          </p:sp>
+          <p:sp>
+            <p:nvSpPr>
+              <p:cNvPr id="28732" name="Rectangle 66"/>
+              <p:cNvSpPr>
+                <a:spLocks noChangeArrowheads="1"/>
+              </p:cNvSpPr>
+              <p:nvPr/>
+            </p:nvSpPr>
+            <p:spPr bwMode="auto">
+              <a:xfrm>
+                <a:off x="1636" y="2788"/>
+                <a:ext cx="1096" cy="280"/>
+              </a:xfrm>
+              <a:prstGeom prst="rect">
+                <a:avLst/>
+              </a:prstGeom>
+              <a:solidFill>
+                <a:schemeClr val="bg1"/>
+              </a:solidFill>
+              <a:ln w="12700">
+                <a:solidFill>
+                  <a:schemeClr val="tx1"/>
+                </a:solidFill>
+                <a:miter lim="800000"/>
+                <a:headEnd/>
+                <a:tailEnd/>
+              </a:ln>
+            </p:spPr>
+            <p:txBody>
+              <a:bodyPr wrap="none" anchor="ctr"/>
+              <a:lstStyle/>
+              <a:p>
+                <a:endParaRPr lang="en-US"/>
+              </a:p>
+            </p:txBody>
+          </p:sp>
+          <p:sp>
+            <p:nvSpPr>
+              <p:cNvPr id="28733" name="Rectangle 67"/>
+              <p:cNvSpPr>
+                <a:spLocks noChangeArrowheads="1"/>
+              </p:cNvSpPr>
+              <p:nvPr/>
+            </p:nvSpPr>
+            <p:spPr bwMode="auto">
+              <a:xfrm>
+                <a:off x="1636" y="3172"/>
+                <a:ext cx="1096" cy="280"/>
+              </a:xfrm>
+              <a:prstGeom prst="rect">
+                <a:avLst/>
+              </a:prstGeom>
+              <a:solidFill>
+                <a:schemeClr val="bg1"/>
+              </a:solidFill>
+              <a:ln w="12700">
+                <a:solidFill>
+                  <a:schemeClr val="tx1"/>
+                </a:solidFill>
+                <a:miter lim="800000"/>
+                <a:headEnd/>
+                <a:tailEnd/>
+              </a:ln>
+            </p:spPr>
+            <p:txBody>
+              <a:bodyPr wrap="none" anchor="ctr"/>
+              <a:lstStyle/>
+              <a:p>
+                <a:endParaRPr lang="en-US"/>
+              </a:p>
+            </p:txBody>
+          </p:sp>
+          <p:sp>
+            <p:nvSpPr>
+              <p:cNvPr id="28734" name="Line 68"/>
+              <p:cNvSpPr>
+                <a:spLocks noChangeShapeType="1"/>
+              </p:cNvSpPr>
+              <p:nvPr/>
+            </p:nvSpPr>
+            <p:spPr bwMode="auto">
+              <a:xfrm>
+                <a:off x="2184" y="2688"/>
+                <a:ext cx="0" cy="96"/>
+              </a:xfrm>
+              <a:prstGeom prst="line">
+                <a:avLst/>
+              </a:prstGeom>
+              <a:noFill/>
+              <a:ln w="12700">
+                <a:solidFill>
+                  <a:schemeClr val="tx1"/>
+                </a:solidFill>
+                <a:round/>
+                <a:headEnd/>
+                <a:tailEnd/>
+              </a:ln>
+            </p:spPr>
+            <p:txBody>
+              <a:bodyPr/>
+              <a:lstStyle/>
+              <a:p>
+                <a:endParaRPr lang="en-US"/>
+              </a:p>
+            </p:txBody>
+          </p:sp>
+          <p:sp>
+            <p:nvSpPr>
+              <p:cNvPr id="28735" name="Line 69"/>
+              <p:cNvSpPr>
+                <a:spLocks noChangeShapeType="1"/>
+              </p:cNvSpPr>
+              <p:nvPr/>
+            </p:nvSpPr>
+            <p:spPr bwMode="auto">
+              <a:xfrm>
+                <a:off x="2184" y="3072"/>
+                <a:ext cx="0" cy="96"/>
+              </a:xfrm>
+              <a:prstGeom prst="line">
+                <a:avLst/>
+              </a:prstGeom>
+              <a:noFill/>
+              <a:ln w="12700">
+                <a:solidFill>
+                  <a:schemeClr val="tx1"/>
+                </a:solidFill>
+                <a:round/>
+                <a:headEnd/>
+                <a:tailEnd/>
+              </a:ln>
+            </p:spPr>
+            <p:txBody>
+              <a:bodyPr/>
+              <a:lstStyle/>
+              <a:p>
+                <a:endParaRPr lang="en-US"/>
+              </a:p>
+            </p:txBody>
+          </p:sp>
+          <p:sp>
+            <p:nvSpPr>
+              <p:cNvPr id="28736" name="Rectangle 70"/>
+              <p:cNvSpPr>
+                <a:spLocks noChangeArrowheads="1"/>
+              </p:cNvSpPr>
+              <p:nvPr/>
+            </p:nvSpPr>
+            <p:spPr bwMode="auto">
+              <a:xfrm>
+                <a:off x="1899" y="2462"/>
+                <a:ext cx="570" cy="192"/>
+              </a:xfrm>
+              <a:prstGeom prst="rect">
+                <a:avLst/>
+              </a:prstGeom>
+              <a:noFill/>
+              <a:ln w="12700">
+                <a:noFill/>
+                <a:miter lim="800000"/>
+                <a:headEnd/>
+                <a:tailEnd/>
+              </a:ln>
+            </p:spPr>
+            <p:txBody>
+              <a:bodyPr wrap="none" lIns="90488" tIns="44450" rIns="90488" bIns="44450">
+                <a:spAutoFit/>
+              </a:bodyPr>
+              <a:lstStyle/>
+              <a:p>
+                <a:r>
+                  <a:rPr lang="en-US" sz="1400" b="1">
+                    <a:latin typeface="Book Antiqua" pitchFamily="18" charset="0"/>
+                  </a:rPr>
+                  <a:t>Network</a:t>
+                </a:r>
+              </a:p>
+            </p:txBody>
+          </p:sp>
+          <p:sp>
+            <p:nvSpPr>
+              <p:cNvPr id="28737" name="Rectangle 71"/>
+              <p:cNvSpPr>
+                <a:spLocks noChangeArrowheads="1"/>
+              </p:cNvSpPr>
+              <p:nvPr/>
+            </p:nvSpPr>
+            <p:spPr bwMode="auto">
+              <a:xfrm>
+                <a:off x="1856" y="2846"/>
+                <a:ext cx="657" cy="192"/>
+              </a:xfrm>
+              <a:prstGeom prst="rect">
+                <a:avLst/>
+              </a:prstGeom>
+              <a:noFill/>
+              <a:ln w="12700">
+                <a:noFill/>
+                <a:miter lim="800000"/>
+                <a:headEnd/>
+                <a:tailEnd/>
+              </a:ln>
+            </p:spPr>
+            <p:txBody>
+              <a:bodyPr wrap="none" lIns="90488" tIns="44450" rIns="90488" bIns="44450">
+                <a:spAutoFit/>
+              </a:bodyPr>
+              <a:lstStyle/>
+              <a:p>
+                <a:r>
+                  <a:rPr lang="en-US" sz="1400" b="1">
+                    <a:latin typeface="Book Antiqua" pitchFamily="18" charset="0"/>
+                  </a:rPr>
+                  <a:t>Data  Link</a:t>
+                </a:r>
+              </a:p>
+            </p:txBody>
+          </p:sp>
+          <p:sp>
+            <p:nvSpPr>
+              <p:cNvPr id="28738" name="Rectangle 72"/>
+              <p:cNvSpPr>
+                <a:spLocks noChangeArrowheads="1"/>
+              </p:cNvSpPr>
+              <p:nvPr/>
+            </p:nvSpPr>
+            <p:spPr bwMode="auto">
+              <a:xfrm>
+                <a:off x="1946" y="3230"/>
+                <a:ext cx="545" cy="192"/>
+              </a:xfrm>
+              <a:prstGeom prst="rect">
+                <a:avLst/>
+              </a:prstGeom>
+              <a:noFill/>
+              <a:ln w="12700">
+                <a:noFill/>
+                <a:miter lim="800000"/>
+                <a:headEnd/>
+                <a:tailEnd/>
+              </a:ln>
+            </p:spPr>
+            <p:txBody>
+              <a:bodyPr wrap="none" lIns="90488" tIns="44450" rIns="90488" bIns="44450">
+                <a:spAutoFit/>
+              </a:bodyPr>
+              <a:lstStyle/>
+              <a:p>
+                <a:r>
+                  <a:rPr lang="en-US" sz="1400" b="1">
+                    <a:latin typeface="Book Antiqua" pitchFamily="18" charset="0"/>
+                  </a:rPr>
+                  <a:t>Physical</a:t>
+                </a:r>
+              </a:p>
+            </p:txBody>
+          </p:sp>
+        </p:grpSp>
+        <p:sp>
+          <p:nvSpPr>
+            <p:cNvPr id="28699" name="Line 74"/>
+            <p:cNvSpPr>
+              <a:spLocks noChangeShapeType="1"/>
+            </p:cNvSpPr>
+            <p:nvPr/>
+          </p:nvSpPr>
+          <p:spPr bwMode="auto">
+            <a:xfrm>
+              <a:off x="3467100" y="4267200"/>
+              <a:ext cx="0" cy="152400"/>
             </a:xfrm>
             <a:prstGeom prst="line">
               <a:avLst/>
@@ -6366,7 +8094,7 @@
         </p:sp>
         <p:sp>
           <p:nvSpPr>
-            <p:cNvPr id="28743" name="Line 57"/>
+            <p:cNvPr id="28700" name="Line 75"/>
             <p:cNvSpPr>
               <a:spLocks noChangeShapeType="1"/>
             </p:cNvSpPr>
@@ -6374,8 +8102,8 @@
           </p:nvSpPr>
           <p:spPr bwMode="auto">
             <a:xfrm>
-              <a:off x="984" y="2688"/>
-              <a:ext cx="0" cy="96"/>
+              <a:off x="3467100" y="4876800"/>
+              <a:ext cx="0" cy="152400"/>
             </a:xfrm>
             <a:prstGeom prst="line">
               <a:avLst/>
@@ -6400,7 +8128,7 @@
         </p:sp>
         <p:sp>
           <p:nvSpPr>
-            <p:cNvPr id="28744" name="Line 58"/>
+            <p:cNvPr id="28701" name="Line 76"/>
             <p:cNvSpPr>
               <a:spLocks noChangeShapeType="1"/>
             </p:cNvSpPr>
@@ -6408,8 +8136,8 @@
           </p:nvSpPr>
           <p:spPr bwMode="auto">
             <a:xfrm>
-              <a:off x="984" y="3072"/>
-              <a:ext cx="0" cy="96"/>
+              <a:off x="3467100" y="5486400"/>
+              <a:ext cx="0" cy="152400"/>
             </a:xfrm>
             <a:prstGeom prst="line">
               <a:avLst/>
@@ -6434,41 +8162,7 @@
         </p:sp>
         <p:sp>
           <p:nvSpPr>
-            <p:cNvPr id="28745" name="Line 59"/>
-            <p:cNvSpPr>
-              <a:spLocks noChangeShapeType="1"/>
-            </p:cNvSpPr>
-            <p:nvPr/>
-          </p:nvSpPr>
-          <p:spPr bwMode="auto">
-            <a:xfrm>
-              <a:off x="984" y="3456"/>
-              <a:ext cx="0" cy="96"/>
-            </a:xfrm>
-            <a:prstGeom prst="line">
-              <a:avLst/>
-            </a:prstGeom>
-            <a:noFill/>
-            <a:ln w="12700">
-              <a:solidFill>
-                <a:schemeClr val="tx1"/>
-              </a:solidFill>
-              <a:round/>
-              <a:headEnd/>
-              <a:tailEnd/>
-            </a:ln>
-          </p:spPr>
-          <p:txBody>
-            <a:bodyPr/>
-            <a:lstStyle/>
-            <a:p>
-              <a:endParaRPr lang="en-US"/>
-            </a:p>
-          </p:txBody>
-        </p:sp>
-        <p:sp>
-          <p:nvSpPr>
-            <p:cNvPr id="28746" name="Rectangle 60"/>
+            <p:cNvPr id="28702" name="Rectangle 77"/>
             <p:cNvSpPr>
               <a:spLocks noChangeArrowheads="1"/>
             </p:cNvSpPr>
@@ -6476,8 +8170,8 @@
           </p:nvSpPr>
           <p:spPr bwMode="auto">
             <a:xfrm>
-              <a:off x="699" y="2462"/>
-              <a:ext cx="570" cy="192"/>
+              <a:off x="3014663" y="3908425"/>
+              <a:ext cx="904875" cy="304800"/>
             </a:xfrm>
             <a:prstGeom prst="rect">
               <a:avLst/>
@@ -6507,7 +8201,7 @@
         </p:sp>
         <p:sp>
           <p:nvSpPr>
-            <p:cNvPr id="28747" name="Rectangle 61"/>
+            <p:cNvPr id="28703" name="Rectangle 78"/>
             <p:cNvSpPr>
               <a:spLocks noChangeArrowheads="1"/>
             </p:cNvSpPr>
@@ -6515,8 +8209,8 @@
           </p:nvSpPr>
           <p:spPr bwMode="auto">
             <a:xfrm>
-              <a:off x="656" y="2846"/>
-              <a:ext cx="657" cy="192"/>
+              <a:off x="2946400" y="4518025"/>
+              <a:ext cx="1042988" cy="304800"/>
             </a:xfrm>
             <a:prstGeom prst="rect">
               <a:avLst/>
@@ -6546,7 +8240,7 @@
         </p:sp>
         <p:sp>
           <p:nvSpPr>
-            <p:cNvPr id="28748" name="Rectangle 62"/>
+            <p:cNvPr id="28704" name="Rectangle 79"/>
             <p:cNvSpPr>
               <a:spLocks noChangeArrowheads="1"/>
             </p:cNvSpPr>
@@ -6554,8 +8248,8 @@
           </p:nvSpPr>
           <p:spPr bwMode="auto">
             <a:xfrm>
-              <a:off x="746" y="3230"/>
-              <a:ext cx="545" cy="192"/>
+              <a:off x="3089275" y="5127625"/>
+              <a:ext cx="865188" cy="304800"/>
             </a:xfrm>
             <a:prstGeom prst="rect">
               <a:avLst/>
@@ -6583,168 +8277,9 @@
             </a:p>
           </p:txBody>
         </p:sp>
-      </p:grpSp>
-      <p:sp>
-        <p:nvSpPr>
-          <p:cNvPr id="28697" name="Line 64"/>
-          <p:cNvSpPr>
-            <a:spLocks noChangeShapeType="1"/>
-          </p:cNvSpPr>
-          <p:nvPr/>
-        </p:nvSpPr>
-        <p:spPr bwMode="auto">
-          <a:xfrm>
-            <a:off x="3467100" y="5486400"/>
-            <a:ext cx="0" cy="152400"/>
-          </a:xfrm>
-          <a:prstGeom prst="line">
-            <a:avLst/>
-          </a:prstGeom>
-          <a:noFill/>
-          <a:ln w="12700">
-            <a:solidFill>
-              <a:schemeClr val="tx1"/>
-            </a:solidFill>
-            <a:round/>
-            <a:headEnd/>
-            <a:tailEnd/>
-          </a:ln>
-        </p:spPr>
-        <p:txBody>
-          <a:bodyPr/>
-          <a:lstStyle/>
-          <a:p>
-            <a:endParaRPr lang="en-US"/>
-          </a:p>
-        </p:txBody>
-      </p:sp>
-      <p:grpSp>
-        <p:nvGrpSpPr>
-          <p:cNvPr id="28698" name="Group 73"/>
-          <p:cNvGrpSpPr>
-            <a:grpSpLocks/>
-          </p:cNvGrpSpPr>
-          <p:nvPr/>
-        </p:nvGrpSpPr>
-        <p:grpSpPr bwMode="auto">
-          <a:xfrm>
-            <a:off x="2597150" y="3816350"/>
-            <a:ext cx="1739900" cy="1663700"/>
-            <a:chOff x="1636" y="2404"/>
-            <a:chExt cx="1096" cy="1048"/>
-          </a:xfrm>
-        </p:grpSpPr>
         <p:sp>
           <p:nvSpPr>
-            <p:cNvPr id="28731" name="Rectangle 65"/>
-            <p:cNvSpPr>
-              <a:spLocks noChangeArrowheads="1"/>
-            </p:cNvSpPr>
-            <p:nvPr/>
-          </p:nvSpPr>
-          <p:spPr bwMode="auto">
-            <a:xfrm>
-              <a:off x="1636" y="2404"/>
-              <a:ext cx="1096" cy="280"/>
-            </a:xfrm>
-            <a:prstGeom prst="rect">
-              <a:avLst/>
-            </a:prstGeom>
-            <a:solidFill>
-              <a:schemeClr val="bg1"/>
-            </a:solidFill>
-            <a:ln w="12700">
-              <a:solidFill>
-                <a:schemeClr val="tx1"/>
-              </a:solidFill>
-              <a:miter lim="800000"/>
-              <a:headEnd/>
-              <a:tailEnd/>
-            </a:ln>
-          </p:spPr>
-          <p:txBody>
-            <a:bodyPr wrap="none" anchor="ctr"/>
-            <a:lstStyle/>
-            <a:p>
-              <a:endParaRPr lang="en-US"/>
-            </a:p>
-          </p:txBody>
-        </p:sp>
-        <p:sp>
-          <p:nvSpPr>
-            <p:cNvPr id="28732" name="Rectangle 66"/>
-            <p:cNvSpPr>
-              <a:spLocks noChangeArrowheads="1"/>
-            </p:cNvSpPr>
-            <p:nvPr/>
-          </p:nvSpPr>
-          <p:spPr bwMode="auto">
-            <a:xfrm>
-              <a:off x="1636" y="2788"/>
-              <a:ext cx="1096" cy="280"/>
-            </a:xfrm>
-            <a:prstGeom prst="rect">
-              <a:avLst/>
-            </a:prstGeom>
-            <a:solidFill>
-              <a:schemeClr val="bg1"/>
-            </a:solidFill>
-            <a:ln w="12700">
-              <a:solidFill>
-                <a:schemeClr val="tx1"/>
-              </a:solidFill>
-              <a:miter lim="800000"/>
-              <a:headEnd/>
-              <a:tailEnd/>
-            </a:ln>
-          </p:spPr>
-          <p:txBody>
-            <a:bodyPr wrap="none" anchor="ctr"/>
-            <a:lstStyle/>
-            <a:p>
-              <a:endParaRPr lang="en-US"/>
-            </a:p>
-          </p:txBody>
-        </p:sp>
-        <p:sp>
-          <p:nvSpPr>
-            <p:cNvPr id="28733" name="Rectangle 67"/>
-            <p:cNvSpPr>
-              <a:spLocks noChangeArrowheads="1"/>
-            </p:cNvSpPr>
-            <p:nvPr/>
-          </p:nvSpPr>
-          <p:spPr bwMode="auto">
-            <a:xfrm>
-              <a:off x="1636" y="3172"/>
-              <a:ext cx="1096" cy="280"/>
-            </a:xfrm>
-            <a:prstGeom prst="rect">
-              <a:avLst/>
-            </a:prstGeom>
-            <a:solidFill>
-              <a:schemeClr val="bg1"/>
-            </a:solidFill>
-            <a:ln w="12700">
-              <a:solidFill>
-                <a:schemeClr val="tx1"/>
-              </a:solidFill>
-              <a:miter lim="800000"/>
-              <a:headEnd/>
-              <a:tailEnd/>
-            </a:ln>
-          </p:spPr>
-          <p:txBody>
-            <a:bodyPr wrap="none" anchor="ctr"/>
-            <a:lstStyle/>
-            <a:p>
-              <a:endParaRPr lang="en-US"/>
-            </a:p>
-          </p:txBody>
-        </p:sp>
-        <p:sp>
-          <p:nvSpPr>
-            <p:cNvPr id="28734" name="Line 68"/>
+            <p:cNvPr id="28705" name="Line 80"/>
             <p:cNvSpPr>
               <a:spLocks noChangeShapeType="1"/>
             </p:cNvSpPr>
@@ -6752,8 +8287,352 @@
           </p:nvSpPr>
           <p:spPr bwMode="auto">
             <a:xfrm>
-              <a:off x="2184" y="2688"/>
-              <a:ext cx="0" cy="96"/>
+              <a:off x="5981700" y="5486400"/>
+              <a:ext cx="0" cy="152400"/>
+            </a:xfrm>
+            <a:prstGeom prst="line">
+              <a:avLst/>
+            </a:prstGeom>
+            <a:noFill/>
+            <a:ln w="12700">
+              <a:solidFill>
+                <a:schemeClr val="tx1"/>
+              </a:solidFill>
+              <a:round/>
+              <a:headEnd/>
+              <a:tailEnd/>
+            </a:ln>
+          </p:spPr>
+          <p:txBody>
+            <a:bodyPr/>
+            <a:lstStyle/>
+            <a:p>
+              <a:endParaRPr lang="en-US"/>
+            </a:p>
+          </p:txBody>
+        </p:sp>
+        <p:grpSp>
+          <p:nvGrpSpPr>
+            <p:cNvPr id="28706" name="Group 89"/>
+            <p:cNvGrpSpPr>
+              <a:grpSpLocks/>
+            </p:cNvGrpSpPr>
+            <p:nvPr/>
+          </p:nvGrpSpPr>
+          <p:grpSpPr bwMode="auto">
+            <a:xfrm>
+              <a:off x="5111750" y="3816350"/>
+              <a:ext cx="1739900" cy="1663700"/>
+              <a:chOff x="3220" y="2404"/>
+              <a:chExt cx="1096" cy="1048"/>
+            </a:xfrm>
+          </p:grpSpPr>
+          <p:sp>
+            <p:nvSpPr>
+              <p:cNvPr id="28723" name="Rectangle 81"/>
+              <p:cNvSpPr>
+                <a:spLocks noChangeArrowheads="1"/>
+              </p:cNvSpPr>
+              <p:nvPr/>
+            </p:nvSpPr>
+            <p:spPr bwMode="auto">
+              <a:xfrm>
+                <a:off x="3220" y="2404"/>
+                <a:ext cx="1096" cy="280"/>
+              </a:xfrm>
+              <a:prstGeom prst="rect">
+                <a:avLst/>
+              </a:prstGeom>
+              <a:solidFill>
+                <a:schemeClr val="bg1"/>
+              </a:solidFill>
+              <a:ln w="12700">
+                <a:solidFill>
+                  <a:schemeClr val="tx1"/>
+                </a:solidFill>
+                <a:miter lim="800000"/>
+                <a:headEnd/>
+                <a:tailEnd/>
+              </a:ln>
+            </p:spPr>
+            <p:txBody>
+              <a:bodyPr wrap="none" anchor="ctr"/>
+              <a:lstStyle/>
+              <a:p>
+                <a:endParaRPr lang="en-US"/>
+              </a:p>
+            </p:txBody>
+          </p:sp>
+          <p:sp>
+            <p:nvSpPr>
+              <p:cNvPr id="28724" name="Rectangle 82"/>
+              <p:cNvSpPr>
+                <a:spLocks noChangeArrowheads="1"/>
+              </p:cNvSpPr>
+              <p:nvPr/>
+            </p:nvSpPr>
+            <p:spPr bwMode="auto">
+              <a:xfrm>
+                <a:off x="3220" y="2788"/>
+                <a:ext cx="1096" cy="280"/>
+              </a:xfrm>
+              <a:prstGeom prst="rect">
+                <a:avLst/>
+              </a:prstGeom>
+              <a:solidFill>
+                <a:schemeClr val="bg1"/>
+              </a:solidFill>
+              <a:ln w="12700">
+                <a:solidFill>
+                  <a:schemeClr val="tx1"/>
+                </a:solidFill>
+                <a:miter lim="800000"/>
+                <a:headEnd/>
+                <a:tailEnd/>
+              </a:ln>
+            </p:spPr>
+            <p:txBody>
+              <a:bodyPr wrap="none" anchor="ctr"/>
+              <a:lstStyle/>
+              <a:p>
+                <a:endParaRPr lang="en-US"/>
+              </a:p>
+            </p:txBody>
+          </p:sp>
+          <p:sp>
+            <p:nvSpPr>
+              <p:cNvPr id="28725" name="Rectangle 83"/>
+              <p:cNvSpPr>
+                <a:spLocks noChangeArrowheads="1"/>
+              </p:cNvSpPr>
+              <p:nvPr/>
+            </p:nvSpPr>
+            <p:spPr bwMode="auto">
+              <a:xfrm>
+                <a:off x="3220" y="3172"/>
+                <a:ext cx="1096" cy="280"/>
+              </a:xfrm>
+              <a:prstGeom prst="rect">
+                <a:avLst/>
+              </a:prstGeom>
+              <a:solidFill>
+                <a:schemeClr val="bg1"/>
+              </a:solidFill>
+              <a:ln w="12700">
+                <a:solidFill>
+                  <a:schemeClr val="tx1"/>
+                </a:solidFill>
+                <a:miter lim="800000"/>
+                <a:headEnd/>
+                <a:tailEnd/>
+              </a:ln>
+            </p:spPr>
+            <p:txBody>
+              <a:bodyPr wrap="none" anchor="ctr"/>
+              <a:lstStyle/>
+              <a:p>
+                <a:endParaRPr lang="en-US"/>
+              </a:p>
+            </p:txBody>
+          </p:sp>
+          <p:sp>
+            <p:nvSpPr>
+              <p:cNvPr id="28726" name="Line 84"/>
+              <p:cNvSpPr>
+                <a:spLocks noChangeShapeType="1"/>
+              </p:cNvSpPr>
+              <p:nvPr/>
+            </p:nvSpPr>
+            <p:spPr bwMode="auto">
+              <a:xfrm>
+                <a:off x="3768" y="2688"/>
+                <a:ext cx="0" cy="96"/>
+              </a:xfrm>
+              <a:prstGeom prst="line">
+                <a:avLst/>
+              </a:prstGeom>
+              <a:noFill/>
+              <a:ln w="12700">
+                <a:solidFill>
+                  <a:schemeClr val="tx1"/>
+                </a:solidFill>
+                <a:round/>
+                <a:headEnd/>
+                <a:tailEnd/>
+              </a:ln>
+            </p:spPr>
+            <p:txBody>
+              <a:bodyPr/>
+              <a:lstStyle/>
+              <a:p>
+                <a:endParaRPr lang="en-US"/>
+              </a:p>
+            </p:txBody>
+          </p:sp>
+          <p:sp>
+            <p:nvSpPr>
+              <p:cNvPr id="28727" name="Line 85"/>
+              <p:cNvSpPr>
+                <a:spLocks noChangeShapeType="1"/>
+              </p:cNvSpPr>
+              <p:nvPr/>
+            </p:nvSpPr>
+            <p:spPr bwMode="auto">
+              <a:xfrm>
+                <a:off x="3768" y="3072"/>
+                <a:ext cx="0" cy="96"/>
+              </a:xfrm>
+              <a:prstGeom prst="line">
+                <a:avLst/>
+              </a:prstGeom>
+              <a:noFill/>
+              <a:ln w="12700">
+                <a:solidFill>
+                  <a:schemeClr val="tx1"/>
+                </a:solidFill>
+                <a:round/>
+                <a:headEnd/>
+                <a:tailEnd/>
+              </a:ln>
+            </p:spPr>
+            <p:txBody>
+              <a:bodyPr/>
+              <a:lstStyle/>
+              <a:p>
+                <a:endParaRPr lang="en-US"/>
+              </a:p>
+            </p:txBody>
+          </p:sp>
+          <p:sp>
+            <p:nvSpPr>
+              <p:cNvPr id="28728" name="Rectangle 86"/>
+              <p:cNvSpPr>
+                <a:spLocks noChangeArrowheads="1"/>
+              </p:cNvSpPr>
+              <p:nvPr/>
+            </p:nvSpPr>
+            <p:spPr bwMode="auto">
+              <a:xfrm>
+                <a:off x="3483" y="2462"/>
+                <a:ext cx="570" cy="192"/>
+              </a:xfrm>
+              <a:prstGeom prst="rect">
+                <a:avLst/>
+              </a:prstGeom>
+              <a:noFill/>
+              <a:ln w="12700">
+                <a:noFill/>
+                <a:miter lim="800000"/>
+                <a:headEnd/>
+                <a:tailEnd/>
+              </a:ln>
+            </p:spPr>
+            <p:txBody>
+              <a:bodyPr wrap="none" lIns="90488" tIns="44450" rIns="90488" bIns="44450">
+                <a:spAutoFit/>
+              </a:bodyPr>
+              <a:lstStyle/>
+              <a:p>
+                <a:r>
+                  <a:rPr lang="en-US" sz="1400" b="1">
+                    <a:latin typeface="Book Antiqua" pitchFamily="18" charset="0"/>
+                  </a:rPr>
+                  <a:t>Network</a:t>
+                </a:r>
+              </a:p>
+            </p:txBody>
+          </p:sp>
+          <p:sp>
+            <p:nvSpPr>
+              <p:cNvPr id="28729" name="Rectangle 87"/>
+              <p:cNvSpPr>
+                <a:spLocks noChangeArrowheads="1"/>
+              </p:cNvSpPr>
+              <p:nvPr/>
+            </p:nvSpPr>
+            <p:spPr bwMode="auto">
+              <a:xfrm>
+                <a:off x="3440" y="2846"/>
+                <a:ext cx="657" cy="192"/>
+              </a:xfrm>
+              <a:prstGeom prst="rect">
+                <a:avLst/>
+              </a:prstGeom>
+              <a:noFill/>
+              <a:ln w="12700">
+                <a:noFill/>
+                <a:miter lim="800000"/>
+                <a:headEnd/>
+                <a:tailEnd/>
+              </a:ln>
+            </p:spPr>
+            <p:txBody>
+              <a:bodyPr wrap="none" lIns="90488" tIns="44450" rIns="90488" bIns="44450">
+                <a:spAutoFit/>
+              </a:bodyPr>
+              <a:lstStyle/>
+              <a:p>
+                <a:r>
+                  <a:rPr lang="en-US" sz="1400" b="1">
+                    <a:latin typeface="Book Antiqua" pitchFamily="18" charset="0"/>
+                  </a:rPr>
+                  <a:t>Data  Link</a:t>
+                </a:r>
+              </a:p>
+            </p:txBody>
+          </p:sp>
+          <p:sp>
+            <p:nvSpPr>
+              <p:cNvPr id="28730" name="Rectangle 88"/>
+              <p:cNvSpPr>
+                <a:spLocks noChangeArrowheads="1"/>
+              </p:cNvSpPr>
+              <p:nvPr/>
+            </p:nvSpPr>
+            <p:spPr bwMode="auto">
+              <a:xfrm>
+                <a:off x="3530" y="3230"/>
+                <a:ext cx="545" cy="192"/>
+              </a:xfrm>
+              <a:prstGeom prst="rect">
+                <a:avLst/>
+              </a:prstGeom>
+              <a:noFill/>
+              <a:ln w="12700">
+                <a:noFill/>
+                <a:miter lim="800000"/>
+                <a:headEnd/>
+                <a:tailEnd/>
+              </a:ln>
+            </p:spPr>
+            <p:txBody>
+              <a:bodyPr wrap="none" lIns="90488" tIns="44450" rIns="90488" bIns="44450">
+                <a:spAutoFit/>
+              </a:bodyPr>
+              <a:lstStyle/>
+              <a:p>
+                <a:r>
+                  <a:rPr lang="en-US" sz="1400" b="1">
+                    <a:latin typeface="Book Antiqua" pitchFamily="18" charset="0"/>
+                  </a:rPr>
+                  <a:t>Physical</a:t>
+                </a:r>
+              </a:p>
+            </p:txBody>
+          </p:sp>
+        </p:grpSp>
+        <p:sp>
+          <p:nvSpPr>
+            <p:cNvPr id="28707" name="Line 90"/>
+            <p:cNvSpPr>
+              <a:spLocks noChangeShapeType="1"/>
+            </p:cNvSpPr>
+            <p:nvPr/>
+          </p:nvSpPr>
+          <p:spPr bwMode="auto">
+            <a:xfrm>
+              <a:off x="5981700" y="4267200"/>
+              <a:ext cx="0" cy="152400"/>
             </a:xfrm>
             <a:prstGeom prst="line">
               <a:avLst/>
@@ -6778,7 +8657,7 @@
         </p:sp>
         <p:sp>
           <p:nvSpPr>
-            <p:cNvPr id="28735" name="Line 69"/>
+            <p:cNvPr id="28708" name="Line 91"/>
             <p:cNvSpPr>
               <a:spLocks noChangeShapeType="1"/>
             </p:cNvSpPr>
@@ -6786,8 +8665,8 @@
           </p:nvSpPr>
           <p:spPr bwMode="auto">
             <a:xfrm>
-              <a:off x="2184" y="3072"/>
-              <a:ext cx="0" cy="96"/>
+              <a:off x="5981700" y="4876800"/>
+              <a:ext cx="0" cy="152400"/>
             </a:xfrm>
             <a:prstGeom prst="line">
               <a:avLst/>
@@ -6812,7 +8691,41 @@
         </p:sp>
         <p:sp>
           <p:nvSpPr>
-            <p:cNvPr id="28736" name="Rectangle 70"/>
+            <p:cNvPr id="28709" name="Line 92"/>
+            <p:cNvSpPr>
+              <a:spLocks noChangeShapeType="1"/>
+            </p:cNvSpPr>
+            <p:nvPr/>
+          </p:nvSpPr>
+          <p:spPr bwMode="auto">
+            <a:xfrm>
+              <a:off x="5981700" y="5486400"/>
+              <a:ext cx="0" cy="152400"/>
+            </a:xfrm>
+            <a:prstGeom prst="line">
+              <a:avLst/>
+            </a:prstGeom>
+            <a:noFill/>
+            <a:ln w="12700">
+              <a:solidFill>
+                <a:schemeClr val="tx1"/>
+              </a:solidFill>
+              <a:round/>
+              <a:headEnd/>
+              <a:tailEnd/>
+            </a:ln>
+          </p:spPr>
+          <p:txBody>
+            <a:bodyPr/>
+            <a:lstStyle/>
+            <a:p>
+              <a:endParaRPr lang="en-US"/>
+            </a:p>
+          </p:txBody>
+        </p:sp>
+        <p:sp>
+          <p:nvSpPr>
+            <p:cNvPr id="28710" name="Rectangle 93"/>
             <p:cNvSpPr>
               <a:spLocks noChangeArrowheads="1"/>
             </p:cNvSpPr>
@@ -6820,8 +8733,8 @@
           </p:nvSpPr>
           <p:spPr bwMode="auto">
             <a:xfrm>
-              <a:off x="1899" y="2462"/>
-              <a:ext cx="570" cy="192"/>
+              <a:off x="5529263" y="3908425"/>
+              <a:ext cx="904875" cy="304800"/>
             </a:xfrm>
             <a:prstGeom prst="rect">
               <a:avLst/>
@@ -6851,7 +8764,7 @@
         </p:sp>
         <p:sp>
           <p:nvSpPr>
-            <p:cNvPr id="28737" name="Rectangle 71"/>
+            <p:cNvPr id="28711" name="Rectangle 94"/>
             <p:cNvSpPr>
               <a:spLocks noChangeArrowheads="1"/>
             </p:cNvSpPr>
@@ -6859,8 +8772,8 @@
           </p:nvSpPr>
           <p:spPr bwMode="auto">
             <a:xfrm>
-              <a:off x="1856" y="2846"/>
-              <a:ext cx="657" cy="192"/>
+              <a:off x="5461000" y="4518025"/>
+              <a:ext cx="1042988" cy="304800"/>
             </a:xfrm>
             <a:prstGeom prst="rect">
               <a:avLst/>
@@ -6890,7 +8803,7 @@
         </p:sp>
         <p:sp>
           <p:nvSpPr>
-            <p:cNvPr id="28738" name="Rectangle 72"/>
+            <p:cNvPr id="28712" name="Rectangle 95"/>
             <p:cNvSpPr>
               <a:spLocks noChangeArrowheads="1"/>
             </p:cNvSpPr>
@@ -6898,8 +8811,8 @@
           </p:nvSpPr>
           <p:spPr bwMode="auto">
             <a:xfrm>
-              <a:off x="1946" y="3230"/>
-              <a:ext cx="545" cy="192"/>
+              <a:off x="5603875" y="5127625"/>
+              <a:ext cx="865188" cy="304800"/>
             </a:xfrm>
             <a:prstGeom prst="rect">
               <a:avLst/>
@@ -6927,387 +8840,9 @@
             </a:p>
           </p:txBody>
         </p:sp>
-      </p:grpSp>
-      <p:sp>
-        <p:nvSpPr>
-          <p:cNvPr id="28699" name="Line 74"/>
-          <p:cNvSpPr>
-            <a:spLocks noChangeShapeType="1"/>
-          </p:cNvSpPr>
-          <p:nvPr/>
-        </p:nvSpPr>
-        <p:spPr bwMode="auto">
-          <a:xfrm>
-            <a:off x="3467100" y="4267200"/>
-            <a:ext cx="0" cy="152400"/>
-          </a:xfrm>
-          <a:prstGeom prst="line">
-            <a:avLst/>
-          </a:prstGeom>
-          <a:noFill/>
-          <a:ln w="12700">
-            <a:solidFill>
-              <a:schemeClr val="tx1"/>
-            </a:solidFill>
-            <a:round/>
-            <a:headEnd/>
-            <a:tailEnd/>
-          </a:ln>
-        </p:spPr>
-        <p:txBody>
-          <a:bodyPr/>
-          <a:lstStyle/>
-          <a:p>
-            <a:endParaRPr lang="en-US"/>
-          </a:p>
-        </p:txBody>
-      </p:sp>
-      <p:sp>
-        <p:nvSpPr>
-          <p:cNvPr id="28700" name="Line 75"/>
-          <p:cNvSpPr>
-            <a:spLocks noChangeShapeType="1"/>
-          </p:cNvSpPr>
-          <p:nvPr/>
-        </p:nvSpPr>
-        <p:spPr bwMode="auto">
-          <a:xfrm>
-            <a:off x="3467100" y="4876800"/>
-            <a:ext cx="0" cy="152400"/>
-          </a:xfrm>
-          <a:prstGeom prst="line">
-            <a:avLst/>
-          </a:prstGeom>
-          <a:noFill/>
-          <a:ln w="12700">
-            <a:solidFill>
-              <a:schemeClr val="tx1"/>
-            </a:solidFill>
-            <a:round/>
-            <a:headEnd/>
-            <a:tailEnd/>
-          </a:ln>
-        </p:spPr>
-        <p:txBody>
-          <a:bodyPr/>
-          <a:lstStyle/>
-          <a:p>
-            <a:endParaRPr lang="en-US"/>
-          </a:p>
-        </p:txBody>
-      </p:sp>
-      <p:sp>
-        <p:nvSpPr>
-          <p:cNvPr id="28701" name="Line 76"/>
-          <p:cNvSpPr>
-            <a:spLocks noChangeShapeType="1"/>
-          </p:cNvSpPr>
-          <p:nvPr/>
-        </p:nvSpPr>
-        <p:spPr bwMode="auto">
-          <a:xfrm>
-            <a:off x="3467100" y="5486400"/>
-            <a:ext cx="0" cy="152400"/>
-          </a:xfrm>
-          <a:prstGeom prst="line">
-            <a:avLst/>
-          </a:prstGeom>
-          <a:noFill/>
-          <a:ln w="12700">
-            <a:solidFill>
-              <a:schemeClr val="tx1"/>
-            </a:solidFill>
-            <a:round/>
-            <a:headEnd/>
-            <a:tailEnd/>
-          </a:ln>
-        </p:spPr>
-        <p:txBody>
-          <a:bodyPr/>
-          <a:lstStyle/>
-          <a:p>
-            <a:endParaRPr lang="en-US"/>
-          </a:p>
-        </p:txBody>
-      </p:sp>
-      <p:sp>
-        <p:nvSpPr>
-          <p:cNvPr id="28702" name="Rectangle 77"/>
-          <p:cNvSpPr>
-            <a:spLocks noChangeArrowheads="1"/>
-          </p:cNvSpPr>
-          <p:nvPr/>
-        </p:nvSpPr>
-        <p:spPr bwMode="auto">
-          <a:xfrm>
-            <a:off x="3014663" y="3908425"/>
-            <a:ext cx="904875" cy="304800"/>
-          </a:xfrm>
-          <a:prstGeom prst="rect">
-            <a:avLst/>
-          </a:prstGeom>
-          <a:noFill/>
-          <a:ln w="12700">
-            <a:noFill/>
-            <a:miter lim="800000"/>
-            <a:headEnd/>
-            <a:tailEnd/>
-          </a:ln>
-        </p:spPr>
-        <p:txBody>
-          <a:bodyPr wrap="none" lIns="90488" tIns="44450" rIns="90488" bIns="44450">
-            <a:spAutoFit/>
-          </a:bodyPr>
-          <a:lstStyle/>
-          <a:p>
-            <a:r>
-              <a:rPr lang="en-US" sz="1400" b="1">
-                <a:latin typeface="Book Antiqua" pitchFamily="18" charset="0"/>
-              </a:rPr>
-              <a:t>Network</a:t>
-            </a:r>
-          </a:p>
-        </p:txBody>
-      </p:sp>
-      <p:sp>
-        <p:nvSpPr>
-          <p:cNvPr id="28703" name="Rectangle 78"/>
-          <p:cNvSpPr>
-            <a:spLocks noChangeArrowheads="1"/>
-          </p:cNvSpPr>
-          <p:nvPr/>
-        </p:nvSpPr>
-        <p:spPr bwMode="auto">
-          <a:xfrm>
-            <a:off x="2946400" y="4518025"/>
-            <a:ext cx="1042988" cy="304800"/>
-          </a:xfrm>
-          <a:prstGeom prst="rect">
-            <a:avLst/>
-          </a:prstGeom>
-          <a:noFill/>
-          <a:ln w="12700">
-            <a:noFill/>
-            <a:miter lim="800000"/>
-            <a:headEnd/>
-            <a:tailEnd/>
-          </a:ln>
-        </p:spPr>
-        <p:txBody>
-          <a:bodyPr wrap="none" lIns="90488" tIns="44450" rIns="90488" bIns="44450">
-            <a:spAutoFit/>
-          </a:bodyPr>
-          <a:lstStyle/>
-          <a:p>
-            <a:r>
-              <a:rPr lang="en-US" sz="1400" b="1">
-                <a:latin typeface="Book Antiqua" pitchFamily="18" charset="0"/>
-              </a:rPr>
-              <a:t>Data  Link</a:t>
-            </a:r>
-          </a:p>
-        </p:txBody>
-      </p:sp>
-      <p:sp>
-        <p:nvSpPr>
-          <p:cNvPr id="28704" name="Rectangle 79"/>
-          <p:cNvSpPr>
-            <a:spLocks noChangeArrowheads="1"/>
-          </p:cNvSpPr>
-          <p:nvPr/>
-        </p:nvSpPr>
-        <p:spPr bwMode="auto">
-          <a:xfrm>
-            <a:off x="3089275" y="5127625"/>
-            <a:ext cx="865188" cy="304800"/>
-          </a:xfrm>
-          <a:prstGeom prst="rect">
-            <a:avLst/>
-          </a:prstGeom>
-          <a:noFill/>
-          <a:ln w="12700">
-            <a:noFill/>
-            <a:miter lim="800000"/>
-            <a:headEnd/>
-            <a:tailEnd/>
-          </a:ln>
-        </p:spPr>
-        <p:txBody>
-          <a:bodyPr wrap="none" lIns="90488" tIns="44450" rIns="90488" bIns="44450">
-            <a:spAutoFit/>
-          </a:bodyPr>
-          <a:lstStyle/>
-          <a:p>
-            <a:r>
-              <a:rPr lang="en-US" sz="1400" b="1">
-                <a:latin typeface="Book Antiqua" pitchFamily="18" charset="0"/>
-              </a:rPr>
-              <a:t>Physical</a:t>
-            </a:r>
-          </a:p>
-        </p:txBody>
-      </p:sp>
-      <p:sp>
-        <p:nvSpPr>
-          <p:cNvPr id="28705" name="Line 80"/>
-          <p:cNvSpPr>
-            <a:spLocks noChangeShapeType="1"/>
-          </p:cNvSpPr>
-          <p:nvPr/>
-        </p:nvSpPr>
-        <p:spPr bwMode="auto">
-          <a:xfrm>
-            <a:off x="5981700" y="5486400"/>
-            <a:ext cx="0" cy="152400"/>
-          </a:xfrm>
-          <a:prstGeom prst="line">
-            <a:avLst/>
-          </a:prstGeom>
-          <a:noFill/>
-          <a:ln w="12700">
-            <a:solidFill>
-              <a:schemeClr val="tx1"/>
-            </a:solidFill>
-            <a:round/>
-            <a:headEnd/>
-            <a:tailEnd/>
-          </a:ln>
-        </p:spPr>
-        <p:txBody>
-          <a:bodyPr/>
-          <a:lstStyle/>
-          <a:p>
-            <a:endParaRPr lang="en-US"/>
-          </a:p>
-        </p:txBody>
-      </p:sp>
-      <p:grpSp>
-        <p:nvGrpSpPr>
-          <p:cNvPr id="28706" name="Group 89"/>
-          <p:cNvGrpSpPr>
-            <a:grpSpLocks/>
-          </p:cNvGrpSpPr>
-          <p:nvPr/>
-        </p:nvGrpSpPr>
-        <p:grpSpPr bwMode="auto">
-          <a:xfrm>
-            <a:off x="5111750" y="3816350"/>
-            <a:ext cx="1739900" cy="1663700"/>
-            <a:chOff x="3220" y="2404"/>
-            <a:chExt cx="1096" cy="1048"/>
-          </a:xfrm>
-        </p:grpSpPr>
         <p:sp>
           <p:nvSpPr>
-            <p:cNvPr id="28723" name="Rectangle 81"/>
-            <p:cNvSpPr>
-              <a:spLocks noChangeArrowheads="1"/>
-            </p:cNvSpPr>
-            <p:nvPr/>
-          </p:nvSpPr>
-          <p:spPr bwMode="auto">
-            <a:xfrm>
-              <a:off x="3220" y="2404"/>
-              <a:ext cx="1096" cy="280"/>
-            </a:xfrm>
-            <a:prstGeom prst="rect">
-              <a:avLst/>
-            </a:prstGeom>
-            <a:solidFill>
-              <a:schemeClr val="bg1"/>
-            </a:solidFill>
-            <a:ln w="12700">
-              <a:solidFill>
-                <a:schemeClr val="tx1"/>
-              </a:solidFill>
-              <a:miter lim="800000"/>
-              <a:headEnd/>
-              <a:tailEnd/>
-            </a:ln>
-          </p:spPr>
-          <p:txBody>
-            <a:bodyPr wrap="none" anchor="ctr"/>
-            <a:lstStyle/>
-            <a:p>
-              <a:endParaRPr lang="en-US"/>
-            </a:p>
-          </p:txBody>
-        </p:sp>
-        <p:sp>
-          <p:nvSpPr>
-            <p:cNvPr id="28724" name="Rectangle 82"/>
-            <p:cNvSpPr>
-              <a:spLocks noChangeArrowheads="1"/>
-            </p:cNvSpPr>
-            <p:nvPr/>
-          </p:nvSpPr>
-          <p:spPr bwMode="auto">
-            <a:xfrm>
-              <a:off x="3220" y="2788"/>
-              <a:ext cx="1096" cy="280"/>
-            </a:xfrm>
-            <a:prstGeom prst="rect">
-              <a:avLst/>
-            </a:prstGeom>
-            <a:solidFill>
-              <a:schemeClr val="bg1"/>
-            </a:solidFill>
-            <a:ln w="12700">
-              <a:solidFill>
-                <a:schemeClr val="tx1"/>
-              </a:solidFill>
-              <a:miter lim="800000"/>
-              <a:headEnd/>
-              <a:tailEnd/>
-            </a:ln>
-          </p:spPr>
-          <p:txBody>
-            <a:bodyPr wrap="none" anchor="ctr"/>
-            <a:lstStyle/>
-            <a:p>
-              <a:endParaRPr lang="en-US"/>
-            </a:p>
-          </p:txBody>
-        </p:sp>
-        <p:sp>
-          <p:nvSpPr>
-            <p:cNvPr id="28725" name="Rectangle 83"/>
-            <p:cNvSpPr>
-              <a:spLocks noChangeArrowheads="1"/>
-            </p:cNvSpPr>
-            <p:nvPr/>
-          </p:nvSpPr>
-          <p:spPr bwMode="auto">
-            <a:xfrm>
-              <a:off x="3220" y="3172"/>
-              <a:ext cx="1096" cy="280"/>
-            </a:xfrm>
-            <a:prstGeom prst="rect">
-              <a:avLst/>
-            </a:prstGeom>
-            <a:solidFill>
-              <a:schemeClr val="bg1"/>
-            </a:solidFill>
-            <a:ln w="12700">
-              <a:solidFill>
-                <a:schemeClr val="tx1"/>
-              </a:solidFill>
-              <a:miter lim="800000"/>
-              <a:headEnd/>
-              <a:tailEnd/>
-            </a:ln>
-          </p:spPr>
-          <p:txBody>
-            <a:bodyPr wrap="none" anchor="ctr"/>
-            <a:lstStyle/>
-            <a:p>
-              <a:endParaRPr lang="en-US"/>
-            </a:p>
-          </p:txBody>
-        </p:sp>
-        <p:sp>
-          <p:nvSpPr>
-            <p:cNvPr id="28726" name="Line 84"/>
+            <p:cNvPr id="28713" name="Line 96"/>
             <p:cNvSpPr>
               <a:spLocks noChangeShapeType="1"/>
             </p:cNvSpPr>
@@ -7315,8 +8850,8 @@
           </p:nvSpPr>
           <p:spPr bwMode="auto">
             <a:xfrm>
-              <a:off x="3768" y="2688"/>
-              <a:ext cx="0" cy="96"/>
+              <a:off x="2438400" y="1600200"/>
+              <a:ext cx="4648200" cy="0"/>
             </a:xfrm>
             <a:prstGeom prst="line">
               <a:avLst/>
@@ -7327,8 +8862,8 @@
                 <a:schemeClr val="tx1"/>
               </a:solidFill>
               <a:round/>
-              <a:headEnd/>
-              <a:tailEnd/>
+              <a:headEnd type="triangle" w="med" len="med"/>
+              <a:tailEnd type="triangle" w="med" len="med"/>
             </a:ln>
           </p:spPr>
           <p:txBody>
@@ -7341,7 +8876,7 @@
         </p:sp>
         <p:sp>
           <p:nvSpPr>
-            <p:cNvPr id="28727" name="Line 85"/>
+            <p:cNvPr id="28714" name="Line 97"/>
             <p:cNvSpPr>
               <a:spLocks noChangeShapeType="1"/>
             </p:cNvSpPr>
@@ -7349,8 +8884,8 @@
           </p:nvSpPr>
           <p:spPr bwMode="auto">
             <a:xfrm>
-              <a:off x="3768" y="3072"/>
-              <a:ext cx="0" cy="96"/>
+              <a:off x="2438400" y="2209800"/>
+              <a:ext cx="4648200" cy="0"/>
             </a:xfrm>
             <a:prstGeom prst="line">
               <a:avLst/>
@@ -7361,8 +8896,8 @@
                 <a:schemeClr val="tx1"/>
               </a:solidFill>
               <a:round/>
-              <a:headEnd/>
-              <a:tailEnd/>
+              <a:headEnd type="triangle" w="med" len="med"/>
+              <a:tailEnd type="triangle" w="med" len="med"/>
             </a:ln>
           </p:spPr>
           <p:txBody>
@@ -7375,586 +8910,182 @@
         </p:sp>
         <p:sp>
           <p:nvSpPr>
-            <p:cNvPr id="28728" name="Rectangle 86"/>
+            <p:cNvPr id="28715" name="Line 98"/>
             <p:cNvSpPr>
-              <a:spLocks noChangeArrowheads="1"/>
+              <a:spLocks noChangeShapeType="1"/>
             </p:cNvSpPr>
             <p:nvPr/>
           </p:nvSpPr>
           <p:spPr bwMode="auto">
             <a:xfrm>
-              <a:off x="3483" y="2462"/>
-              <a:ext cx="570" cy="192"/>
+              <a:off x="2438400" y="3429000"/>
+              <a:ext cx="4648200" cy="0"/>
             </a:xfrm>
-            <a:prstGeom prst="rect">
+            <a:prstGeom prst="line">
               <a:avLst/>
             </a:prstGeom>
             <a:noFill/>
             <a:ln w="12700">
-              <a:noFill/>
-              <a:miter lim="800000"/>
-              <a:headEnd/>
-              <a:tailEnd/>
+              <a:solidFill>
+                <a:schemeClr val="tx1"/>
+              </a:solidFill>
+              <a:round/>
+              <a:headEnd type="triangle" w="med" len="med"/>
+              <a:tailEnd type="triangle" w="med" len="med"/>
             </a:ln>
           </p:spPr>
           <p:txBody>
-            <a:bodyPr wrap="none" lIns="90488" tIns="44450" rIns="90488" bIns="44450">
-              <a:spAutoFit/>
-            </a:bodyPr>
+            <a:bodyPr/>
             <a:lstStyle/>
             <a:p>
-              <a:r>
-                <a:rPr lang="en-US" sz="1400" b="1">
-                  <a:latin typeface="Book Antiqua" pitchFamily="18" charset="0"/>
-                </a:rPr>
-                <a:t>Network</a:t>
-              </a:r>
+              <a:endParaRPr lang="en-US"/>
             </a:p>
           </p:txBody>
         </p:sp>
         <p:sp>
           <p:nvSpPr>
-            <p:cNvPr id="28729" name="Rectangle 87"/>
+            <p:cNvPr id="28716" name="Line 99"/>
             <p:cNvSpPr>
-              <a:spLocks noChangeArrowheads="1"/>
+              <a:spLocks noChangeShapeType="1"/>
             </p:cNvSpPr>
             <p:nvPr/>
           </p:nvSpPr>
           <p:spPr bwMode="auto">
             <a:xfrm>
-              <a:off x="3440" y="2846"/>
-              <a:ext cx="657" cy="192"/>
+              <a:off x="2438400" y="2819400"/>
+              <a:ext cx="4648200" cy="0"/>
             </a:xfrm>
-            <a:prstGeom prst="rect">
+            <a:prstGeom prst="line">
               <a:avLst/>
             </a:prstGeom>
             <a:noFill/>
             <a:ln w="12700">
-              <a:noFill/>
-              <a:miter lim="800000"/>
-              <a:headEnd/>
-              <a:tailEnd/>
+              <a:solidFill>
+                <a:schemeClr val="tx1"/>
+              </a:solidFill>
+              <a:round/>
+              <a:headEnd type="triangle" w="med" len="med"/>
+              <a:tailEnd type="triangle" w="med" len="med"/>
             </a:ln>
           </p:spPr>
           <p:txBody>
-            <a:bodyPr wrap="none" lIns="90488" tIns="44450" rIns="90488" bIns="44450">
-              <a:spAutoFit/>
-            </a:bodyPr>
+            <a:bodyPr/>
             <a:lstStyle/>
             <a:p>
-              <a:r>
-                <a:rPr lang="en-US" sz="1400" b="1">
-                  <a:latin typeface="Book Antiqua" pitchFamily="18" charset="0"/>
-                </a:rPr>
-                <a:t>Data  Link</a:t>
-              </a:r>
+              <a:endParaRPr lang="en-US"/>
             </a:p>
           </p:txBody>
         </p:sp>
         <p:sp>
           <p:nvSpPr>
-            <p:cNvPr id="28730" name="Rectangle 88"/>
+            <p:cNvPr id="28717" name="Line 100"/>
             <p:cNvSpPr>
-              <a:spLocks noChangeArrowheads="1"/>
+              <a:spLocks noChangeShapeType="1"/>
             </p:cNvSpPr>
             <p:nvPr/>
           </p:nvSpPr>
           <p:spPr bwMode="auto">
             <a:xfrm>
-              <a:off x="3530" y="3230"/>
-              <a:ext cx="545" cy="192"/>
+              <a:off x="4343400" y="4038600"/>
+              <a:ext cx="762000" cy="0"/>
             </a:xfrm>
-            <a:prstGeom prst="rect">
+            <a:prstGeom prst="line">
               <a:avLst/>
             </a:prstGeom>
             <a:noFill/>
             <a:ln w="12700">
-              <a:noFill/>
-              <a:miter lim="800000"/>
-              <a:headEnd/>
-              <a:tailEnd/>
+              <a:solidFill>
+                <a:schemeClr val="tx1"/>
+              </a:solidFill>
+              <a:round/>
+              <a:headEnd type="triangle" w="med" len="med"/>
+              <a:tailEnd type="triangle" w="med" len="med"/>
             </a:ln>
           </p:spPr>
           <p:txBody>
-            <a:bodyPr wrap="none" lIns="90488" tIns="44450" rIns="90488" bIns="44450">
-              <a:spAutoFit/>
-            </a:bodyPr>
+            <a:bodyPr/>
             <a:lstStyle/>
             <a:p>
-              <a:r>
-                <a:rPr lang="en-US" sz="1400" b="1">
-                  <a:latin typeface="Book Antiqua" pitchFamily="18" charset="0"/>
-                </a:rPr>
-                <a:t>Physical</a:t>
-              </a:r>
+              <a:endParaRPr lang="en-US"/>
+            </a:p>
+          </p:txBody>
+        </p:sp>
+        <p:sp>
+          <p:nvSpPr>
+            <p:cNvPr id="28718" name="Line 101"/>
+            <p:cNvSpPr>
+              <a:spLocks noChangeShapeType="1"/>
+            </p:cNvSpPr>
+            <p:nvPr/>
+          </p:nvSpPr>
+          <p:spPr bwMode="auto">
+            <a:xfrm>
+              <a:off x="4343400" y="4648200"/>
+              <a:ext cx="762000" cy="0"/>
+            </a:xfrm>
+            <a:prstGeom prst="line">
+              <a:avLst/>
+            </a:prstGeom>
+            <a:noFill/>
+            <a:ln w="12700">
+              <a:solidFill>
+                <a:schemeClr val="tx1"/>
+              </a:solidFill>
+              <a:round/>
+              <a:headEnd type="triangle" w="med" len="med"/>
+              <a:tailEnd type="triangle" w="med" len="med"/>
+            </a:ln>
+          </p:spPr>
+          <p:txBody>
+            <a:bodyPr/>
+            <a:lstStyle/>
+            <a:p>
+              <a:endParaRPr lang="en-US"/>
+            </a:p>
+          </p:txBody>
+        </p:sp>
+        <p:sp>
+          <p:nvSpPr>
+            <p:cNvPr id="28719" name="Line 102"/>
+            <p:cNvSpPr>
+              <a:spLocks noChangeShapeType="1"/>
+            </p:cNvSpPr>
+            <p:nvPr/>
+          </p:nvSpPr>
+          <p:spPr bwMode="auto">
+            <a:xfrm>
+              <a:off x="4343400" y="5257800"/>
+              <a:ext cx="762000" cy="0"/>
+            </a:xfrm>
+            <a:prstGeom prst="line">
+              <a:avLst/>
+            </a:prstGeom>
+            <a:noFill/>
+            <a:ln w="12700">
+              <a:solidFill>
+                <a:schemeClr val="tx1"/>
+              </a:solidFill>
+              <a:round/>
+              <a:headEnd type="triangle" w="med" len="med"/>
+              <a:tailEnd type="triangle" w="med" len="med"/>
+            </a:ln>
+          </p:spPr>
+          <p:txBody>
+            <a:bodyPr/>
+            <a:lstStyle/>
+            <a:p>
+              <a:endParaRPr lang="en-US"/>
             </a:p>
           </p:txBody>
         </p:sp>
       </p:grpSp>
-      <p:sp>
-        <p:nvSpPr>
-          <p:cNvPr id="28707" name="Line 90"/>
-          <p:cNvSpPr>
-            <a:spLocks noChangeShapeType="1"/>
-          </p:cNvSpPr>
-          <p:nvPr/>
-        </p:nvSpPr>
-        <p:spPr bwMode="auto">
-          <a:xfrm>
-            <a:off x="5981700" y="4267200"/>
-            <a:ext cx="0" cy="152400"/>
-          </a:xfrm>
-          <a:prstGeom prst="line">
-            <a:avLst/>
-          </a:prstGeom>
-          <a:noFill/>
-          <a:ln w="12700">
-            <a:solidFill>
-              <a:schemeClr val="tx1"/>
-            </a:solidFill>
-            <a:round/>
-            <a:headEnd/>
-            <a:tailEnd/>
-          </a:ln>
-        </p:spPr>
-        <p:txBody>
-          <a:bodyPr/>
-          <a:lstStyle/>
-          <a:p>
-            <a:endParaRPr lang="en-US"/>
-          </a:p>
-        </p:txBody>
-      </p:sp>
-      <p:sp>
-        <p:nvSpPr>
-          <p:cNvPr id="28708" name="Line 91"/>
-          <p:cNvSpPr>
-            <a:spLocks noChangeShapeType="1"/>
-          </p:cNvSpPr>
-          <p:nvPr/>
-        </p:nvSpPr>
-        <p:spPr bwMode="auto">
-          <a:xfrm>
-            <a:off x="5981700" y="4876800"/>
-            <a:ext cx="0" cy="152400"/>
-          </a:xfrm>
-          <a:prstGeom prst="line">
-            <a:avLst/>
-          </a:prstGeom>
-          <a:noFill/>
-          <a:ln w="12700">
-            <a:solidFill>
-              <a:schemeClr val="tx1"/>
-            </a:solidFill>
-            <a:round/>
-            <a:headEnd/>
-            <a:tailEnd/>
-          </a:ln>
-        </p:spPr>
-        <p:txBody>
-          <a:bodyPr/>
-          <a:lstStyle/>
-          <a:p>
-            <a:endParaRPr lang="en-US"/>
-          </a:p>
-        </p:txBody>
-      </p:sp>
-      <p:sp>
-        <p:nvSpPr>
-          <p:cNvPr id="28709" name="Line 92"/>
-          <p:cNvSpPr>
-            <a:spLocks noChangeShapeType="1"/>
-          </p:cNvSpPr>
-          <p:nvPr/>
-        </p:nvSpPr>
-        <p:spPr bwMode="auto">
-          <a:xfrm>
-            <a:off x="5981700" y="5486400"/>
-            <a:ext cx="0" cy="152400"/>
-          </a:xfrm>
-          <a:prstGeom prst="line">
-            <a:avLst/>
-          </a:prstGeom>
-          <a:noFill/>
-          <a:ln w="12700">
-            <a:solidFill>
-              <a:schemeClr val="tx1"/>
-            </a:solidFill>
-            <a:round/>
-            <a:headEnd/>
-            <a:tailEnd/>
-          </a:ln>
-        </p:spPr>
-        <p:txBody>
-          <a:bodyPr/>
-          <a:lstStyle/>
-          <a:p>
-            <a:endParaRPr lang="en-US"/>
-          </a:p>
-        </p:txBody>
-      </p:sp>
-      <p:sp>
-        <p:nvSpPr>
-          <p:cNvPr id="28710" name="Rectangle 93"/>
-          <p:cNvSpPr>
-            <a:spLocks noChangeArrowheads="1"/>
-          </p:cNvSpPr>
-          <p:nvPr/>
-        </p:nvSpPr>
-        <p:spPr bwMode="auto">
-          <a:xfrm>
-            <a:off x="5529263" y="3908425"/>
-            <a:ext cx="904875" cy="304800"/>
-          </a:xfrm>
-          <a:prstGeom prst="rect">
-            <a:avLst/>
-          </a:prstGeom>
-          <a:noFill/>
-          <a:ln w="12700">
-            <a:noFill/>
-            <a:miter lim="800000"/>
-            <a:headEnd/>
-            <a:tailEnd/>
-          </a:ln>
-        </p:spPr>
-        <p:txBody>
-          <a:bodyPr wrap="none" lIns="90488" tIns="44450" rIns="90488" bIns="44450">
-            <a:spAutoFit/>
-          </a:bodyPr>
-          <a:lstStyle/>
-          <a:p>
-            <a:r>
-              <a:rPr lang="en-US" sz="1400" b="1">
-                <a:latin typeface="Book Antiqua" pitchFamily="18" charset="0"/>
-              </a:rPr>
-              <a:t>Network</a:t>
-            </a:r>
-          </a:p>
-        </p:txBody>
-      </p:sp>
-      <p:sp>
-        <p:nvSpPr>
-          <p:cNvPr id="28711" name="Rectangle 94"/>
-          <p:cNvSpPr>
-            <a:spLocks noChangeArrowheads="1"/>
-          </p:cNvSpPr>
-          <p:nvPr/>
-        </p:nvSpPr>
-        <p:spPr bwMode="auto">
-          <a:xfrm>
-            <a:off x="5461000" y="4518025"/>
-            <a:ext cx="1042988" cy="304800"/>
-          </a:xfrm>
-          <a:prstGeom prst="rect">
-            <a:avLst/>
-          </a:prstGeom>
-          <a:noFill/>
-          <a:ln w="12700">
-            <a:noFill/>
-            <a:miter lim="800000"/>
-            <a:headEnd/>
-            <a:tailEnd/>
-          </a:ln>
-        </p:spPr>
-        <p:txBody>
-          <a:bodyPr wrap="none" lIns="90488" tIns="44450" rIns="90488" bIns="44450">
-            <a:spAutoFit/>
-          </a:bodyPr>
-          <a:lstStyle/>
-          <a:p>
-            <a:r>
-              <a:rPr lang="en-US" sz="1400" b="1">
-                <a:latin typeface="Book Antiqua" pitchFamily="18" charset="0"/>
-              </a:rPr>
-              <a:t>Data  Link</a:t>
-            </a:r>
-          </a:p>
-        </p:txBody>
-      </p:sp>
-      <p:sp>
-        <p:nvSpPr>
-          <p:cNvPr id="28712" name="Rectangle 95"/>
-          <p:cNvSpPr>
-            <a:spLocks noChangeArrowheads="1"/>
-          </p:cNvSpPr>
-          <p:nvPr/>
-        </p:nvSpPr>
-        <p:spPr bwMode="auto">
-          <a:xfrm>
-            <a:off x="5603875" y="5127625"/>
-            <a:ext cx="865188" cy="304800"/>
-          </a:xfrm>
-          <a:prstGeom prst="rect">
-            <a:avLst/>
-          </a:prstGeom>
-          <a:noFill/>
-          <a:ln w="12700">
-            <a:noFill/>
-            <a:miter lim="800000"/>
-            <a:headEnd/>
-            <a:tailEnd/>
-          </a:ln>
-        </p:spPr>
-        <p:txBody>
-          <a:bodyPr wrap="none" lIns="90488" tIns="44450" rIns="90488" bIns="44450">
-            <a:spAutoFit/>
-          </a:bodyPr>
-          <a:lstStyle/>
-          <a:p>
-            <a:r>
-              <a:rPr lang="en-US" sz="1400" b="1">
-                <a:latin typeface="Book Antiqua" pitchFamily="18" charset="0"/>
-              </a:rPr>
-              <a:t>Physical</a:t>
-            </a:r>
-          </a:p>
-        </p:txBody>
-      </p:sp>
-      <p:sp>
-        <p:nvSpPr>
-          <p:cNvPr id="28713" name="Line 96"/>
-          <p:cNvSpPr>
-            <a:spLocks noChangeShapeType="1"/>
-          </p:cNvSpPr>
-          <p:nvPr/>
-        </p:nvSpPr>
-        <p:spPr bwMode="auto">
-          <a:xfrm>
-            <a:off x="2438400" y="1600200"/>
-            <a:ext cx="4648200" cy="0"/>
-          </a:xfrm>
-          <a:prstGeom prst="line">
-            <a:avLst/>
-          </a:prstGeom>
-          <a:noFill/>
-          <a:ln w="12700">
-            <a:solidFill>
-              <a:schemeClr val="tx1"/>
-            </a:solidFill>
-            <a:round/>
-            <a:headEnd type="triangle" w="med" len="med"/>
-            <a:tailEnd type="triangle" w="med" len="med"/>
-          </a:ln>
-        </p:spPr>
-        <p:txBody>
-          <a:bodyPr/>
-          <a:lstStyle/>
-          <a:p>
-            <a:endParaRPr lang="en-US"/>
-          </a:p>
-        </p:txBody>
-      </p:sp>
-      <p:sp>
-        <p:nvSpPr>
-          <p:cNvPr id="28714" name="Line 97"/>
-          <p:cNvSpPr>
-            <a:spLocks noChangeShapeType="1"/>
-          </p:cNvSpPr>
-          <p:nvPr/>
-        </p:nvSpPr>
-        <p:spPr bwMode="auto">
-          <a:xfrm>
-            <a:off x="2438400" y="2209800"/>
-            <a:ext cx="4648200" cy="0"/>
-          </a:xfrm>
-          <a:prstGeom prst="line">
-            <a:avLst/>
-          </a:prstGeom>
-          <a:noFill/>
-          <a:ln w="12700">
-            <a:solidFill>
-              <a:schemeClr val="tx1"/>
-            </a:solidFill>
-            <a:round/>
-            <a:headEnd type="triangle" w="med" len="med"/>
-            <a:tailEnd type="triangle" w="med" len="med"/>
-          </a:ln>
-        </p:spPr>
-        <p:txBody>
-          <a:bodyPr/>
-          <a:lstStyle/>
-          <a:p>
-            <a:endParaRPr lang="en-US"/>
-          </a:p>
-        </p:txBody>
-      </p:sp>
-      <p:sp>
-        <p:nvSpPr>
-          <p:cNvPr id="28715" name="Line 98"/>
-          <p:cNvSpPr>
-            <a:spLocks noChangeShapeType="1"/>
-          </p:cNvSpPr>
-          <p:nvPr/>
-        </p:nvSpPr>
-        <p:spPr bwMode="auto">
-          <a:xfrm>
-            <a:off x="2438400" y="3429000"/>
-            <a:ext cx="4648200" cy="0"/>
-          </a:xfrm>
-          <a:prstGeom prst="line">
-            <a:avLst/>
-          </a:prstGeom>
-          <a:noFill/>
-          <a:ln w="12700">
-            <a:solidFill>
-              <a:schemeClr val="tx1"/>
-            </a:solidFill>
-            <a:round/>
-            <a:headEnd type="triangle" w="med" len="med"/>
-            <a:tailEnd type="triangle" w="med" len="med"/>
-          </a:ln>
-        </p:spPr>
-        <p:txBody>
-          <a:bodyPr/>
-          <a:lstStyle/>
-          <a:p>
-            <a:endParaRPr lang="en-US"/>
-          </a:p>
-        </p:txBody>
-      </p:sp>
-      <p:sp>
-        <p:nvSpPr>
-          <p:cNvPr id="28716" name="Line 99"/>
-          <p:cNvSpPr>
-            <a:spLocks noChangeShapeType="1"/>
-          </p:cNvSpPr>
-          <p:nvPr/>
-        </p:nvSpPr>
-        <p:spPr bwMode="auto">
-          <a:xfrm>
-            <a:off x="2438400" y="2819400"/>
-            <a:ext cx="4648200" cy="0"/>
-          </a:xfrm>
-          <a:prstGeom prst="line">
-            <a:avLst/>
-          </a:prstGeom>
-          <a:noFill/>
-          <a:ln w="12700">
-            <a:solidFill>
-              <a:schemeClr val="tx1"/>
-            </a:solidFill>
-            <a:round/>
-            <a:headEnd type="triangle" w="med" len="med"/>
-            <a:tailEnd type="triangle" w="med" len="med"/>
-          </a:ln>
-        </p:spPr>
-        <p:txBody>
-          <a:bodyPr/>
-          <a:lstStyle/>
-          <a:p>
-            <a:endParaRPr lang="en-US"/>
-          </a:p>
-        </p:txBody>
-      </p:sp>
-      <p:sp>
-        <p:nvSpPr>
-          <p:cNvPr id="28717" name="Line 100"/>
-          <p:cNvSpPr>
-            <a:spLocks noChangeShapeType="1"/>
-          </p:cNvSpPr>
-          <p:nvPr/>
-        </p:nvSpPr>
-        <p:spPr bwMode="auto">
-          <a:xfrm>
-            <a:off x="4343400" y="4038600"/>
-            <a:ext cx="762000" cy="0"/>
-          </a:xfrm>
-          <a:prstGeom prst="line">
-            <a:avLst/>
-          </a:prstGeom>
-          <a:noFill/>
-          <a:ln w="12700">
-            <a:solidFill>
-              <a:schemeClr val="tx1"/>
-            </a:solidFill>
-            <a:round/>
-            <a:headEnd type="triangle" w="med" len="med"/>
-            <a:tailEnd type="triangle" w="med" len="med"/>
-          </a:ln>
-        </p:spPr>
-        <p:txBody>
-          <a:bodyPr/>
-          <a:lstStyle/>
-          <a:p>
-            <a:endParaRPr lang="en-US"/>
-          </a:p>
-        </p:txBody>
-      </p:sp>
-      <p:sp>
-        <p:nvSpPr>
-          <p:cNvPr id="28718" name="Line 101"/>
-          <p:cNvSpPr>
-            <a:spLocks noChangeShapeType="1"/>
-          </p:cNvSpPr>
-          <p:nvPr/>
-        </p:nvSpPr>
-        <p:spPr bwMode="auto">
-          <a:xfrm>
-            <a:off x="4343400" y="4648200"/>
-            <a:ext cx="762000" cy="0"/>
-          </a:xfrm>
-          <a:prstGeom prst="line">
-            <a:avLst/>
-          </a:prstGeom>
-          <a:noFill/>
-          <a:ln w="12700">
-            <a:solidFill>
-              <a:schemeClr val="tx1"/>
-            </a:solidFill>
-            <a:round/>
-            <a:headEnd type="triangle" w="med" len="med"/>
-            <a:tailEnd type="triangle" w="med" len="med"/>
-          </a:ln>
-        </p:spPr>
-        <p:txBody>
-          <a:bodyPr/>
-          <a:lstStyle/>
-          <a:p>
-            <a:endParaRPr lang="en-US"/>
-          </a:p>
-        </p:txBody>
-      </p:sp>
-      <p:sp>
-        <p:nvSpPr>
-          <p:cNvPr id="28719" name="Line 102"/>
-          <p:cNvSpPr>
-            <a:spLocks noChangeShapeType="1"/>
-          </p:cNvSpPr>
-          <p:nvPr/>
-        </p:nvSpPr>
-        <p:spPr bwMode="auto">
-          <a:xfrm>
-            <a:off x="4343400" y="5257800"/>
-            <a:ext cx="762000" cy="0"/>
-          </a:xfrm>
-          <a:prstGeom prst="line">
-            <a:avLst/>
-          </a:prstGeom>
-          <a:noFill/>
-          <a:ln w="12700">
-            <a:solidFill>
-              <a:schemeClr val="tx1"/>
-            </a:solidFill>
-            <a:round/>
-            <a:headEnd type="triangle" w="med" len="med"/>
-            <a:tailEnd type="triangle" w="med" len="med"/>
-          </a:ln>
-        </p:spPr>
-        <p:txBody>
-          <a:bodyPr/>
-          <a:lstStyle/>
-          <a:p>
-            <a:endParaRPr lang="en-US"/>
-          </a:p>
-        </p:txBody>
-      </p:sp>
     </p:spTree>
     <p:custDataLst>
       <p:tags r:id="rId1"/>
     </p:custDataLst>
     <p:extLst>
       <p:ext uri="{BB962C8B-B14F-4D97-AF65-F5344CB8AC3E}">
-        <p14:creationId xmlns:p14="http://schemas.microsoft.com/office/powerpoint/2010/main" val="759912864"/>
+        <p14:creationId xmlns:p14="http://schemas.microsoft.com/office/powerpoint/2010/main" val="813991839"/>
       </p:ext>
     </p:extLst>
   </p:cSld>
@@ -7998,10 +9129,9 @@
           <a:lstStyle/>
           <a:p>
             <a:r>
-              <a:rPr lang="en-US"/>
-              <a:t>Background</a:t>
-            </a:r>
-            <a:endParaRPr lang="en-US" dirty="0"/>
+              <a:rPr lang="en-US" dirty="0"/>
+              <a:t>ISO Model (part 2)</a:t>
+            </a:r>
           </a:p>
         </p:txBody>
       </p:sp>
@@ -8085,7 +9215,7 @@
     </p:custDataLst>
     <p:extLst>
       <p:ext uri="{BB962C8B-B14F-4D97-AF65-F5344CB8AC3E}">
-        <p14:creationId xmlns:p14="http://schemas.microsoft.com/office/powerpoint/2010/main" val="3125669105"/>
+        <p14:creationId xmlns:p14="http://schemas.microsoft.com/office/powerpoint/2010/main" val="323948761"/>
       </p:ext>
     </p:extLst>
   </p:cSld>
@@ -8129,10 +9259,9 @@
           <a:lstStyle/>
           <a:p>
             <a:r>
-              <a:rPr lang="en-US"/>
-              <a:t>Background</a:t>
-            </a:r>
-            <a:endParaRPr lang="en-US" dirty="0"/>
+              <a:rPr lang="en-US" dirty="0"/>
+              <a:t>ISO Model (part 3)</a:t>
+            </a:r>
           </a:p>
         </p:txBody>
       </p:sp>
@@ -8210,7 +9339,7 @@
     </p:custDataLst>
     <p:extLst>
       <p:ext uri="{BB962C8B-B14F-4D97-AF65-F5344CB8AC3E}">
-        <p14:creationId xmlns:p14="http://schemas.microsoft.com/office/powerpoint/2010/main" val="3613644338"/>
+        <p14:creationId xmlns:p14="http://schemas.microsoft.com/office/powerpoint/2010/main" val="2272739906"/>
       </p:ext>
     </p:extLst>
   </p:cSld>
@@ -8254,10 +9383,9 @@
           <a:lstStyle/>
           <a:p>
             <a:r>
-              <a:rPr lang="en-US"/>
-              <a:t>Background</a:t>
-            </a:r>
-            <a:endParaRPr lang="en-US" dirty="0"/>
+              <a:rPr lang="en-US" dirty="0"/>
+              <a:t>ISO Model (part 4)</a:t>
+            </a:r>
           </a:p>
         </p:txBody>
       </p:sp>
@@ -8349,7 +9477,7 @@
     </p:custDataLst>
     <p:extLst>
       <p:ext uri="{BB962C8B-B14F-4D97-AF65-F5344CB8AC3E}">
-        <p14:creationId xmlns:p14="http://schemas.microsoft.com/office/powerpoint/2010/main" val="4170191966"/>
+        <p14:creationId xmlns:p14="http://schemas.microsoft.com/office/powerpoint/2010/main" val="3030808873"/>
       </p:ext>
     </p:extLst>
   </p:cSld>
@@ -8393,10 +9521,9 @@
           <a:lstStyle/>
           <a:p>
             <a:r>
-              <a:rPr lang="en-US"/>
-              <a:t>Background</a:t>
-            </a:r>
-            <a:endParaRPr lang="en-US" dirty="0"/>
+              <a:rPr lang="en-US" dirty="0"/>
+              <a:t>DoD Model</a:t>
+            </a:r>
           </a:p>
         </p:txBody>
       </p:sp>
@@ -8416,9 +9543,27 @@
           <a:lstStyle/>
           <a:p>
             <a:r>
-              <a:rPr lang="en-US"/>
-              <a:t>DOD  (TCP/IP) Network Stack</a:t>
-            </a:r>
+              <a:rPr lang="en-US" dirty="0"/>
+              <a:t>DOD  (TCP/IP) Network Stack </a:t>
+            </a:r>
+          </a:p>
+          <a:p>
+            <a:pPr lvl="1"/>
+            <a:r>
+              <a:rPr lang="en-US" dirty="0"/>
+              <a:t>Developed in the 1970s</a:t>
+            </a:r>
+          </a:p>
+          <a:p>
+            <a:pPr lvl="1"/>
+            <a:r>
+              <a:rPr lang="en-US" dirty="0"/>
+              <a:t>Part of project that grew into the modern internet</a:t>
+            </a:r>
+          </a:p>
+          <a:p>
+            <a:pPr lvl="1"/>
+            <a:endParaRPr lang="en-US" dirty="0"/>
           </a:p>
         </p:txBody>
       </p:sp>
@@ -8457,8 +9602,8 @@
           </p:nvPr>
         </p:nvGraphicFramePr>
         <p:xfrm>
-          <a:off x="898902" y="2216257"/>
-          <a:ext cx="7330698" cy="2789695"/>
+          <a:off x="898902" y="2619214"/>
+          <a:ext cx="7330698" cy="3237596"/>
         </p:xfrm>
         <a:graphic>
           <a:graphicData uri="http://schemas.openxmlformats.org/drawingml/2006/table">
@@ -8467,22 +9612,29 @@
                 <a:tableStyleId>{616DA210-FB5B-4158-B5E0-FEB733F419BA}</a:tableStyleId>
               </a:tblPr>
               <a:tblGrid>
-                <a:gridCol w="3665349">
+                <a:gridCol w="2443566">
                   <a:extLst>
                     <a:ext uri="{9D8B030D-6E8A-4147-A177-3AD203B41FA5}">
-                      <a16:colId xmlns:a16="http://schemas.microsoft.com/office/drawing/2014/main" val="20000"/>
+                      <a16:colId xmlns="" xmlns:a16="http://schemas.microsoft.com/office/drawing/2014/main" val="94545697"/>
                     </a:ext>
                   </a:extLst>
                 </a:gridCol>
-                <a:gridCol w="3665349">
+                <a:gridCol w="2443566">
                   <a:extLst>
                     <a:ext uri="{9D8B030D-6E8A-4147-A177-3AD203B41FA5}">
-                      <a16:colId xmlns:a16="http://schemas.microsoft.com/office/drawing/2014/main" val="20001"/>
+                      <a16:colId xmlns="" xmlns:a16="http://schemas.microsoft.com/office/drawing/2014/main" val="20000"/>
+                    </a:ext>
+                  </a:extLst>
+                </a:gridCol>
+                <a:gridCol w="2443566">
+                  <a:extLst>
+                    <a:ext uri="{9D8B030D-6E8A-4147-A177-3AD203B41FA5}">
+                      <a16:colId xmlns="" xmlns:a16="http://schemas.microsoft.com/office/drawing/2014/main" val="20001"/>
                     </a:ext>
                   </a:extLst>
                 </a:gridCol>
               </a:tblGrid>
-              <a:tr h="557939">
+              <a:tr h="154982">
                 <a:tc>
                   <a:txBody>
                     <a:bodyPr/>
@@ -8490,45 +9642,7 @@
                     <a:p>
                       <a:r>
                         <a:rPr lang="en-US" sz="1800" dirty="0"/>
-                        <a:t>Applicatio</a:t>
-                      </a:r>
-                      <a:r>
-                        <a:rPr lang="en-US" sz="1800" baseline="0" dirty="0"/>
-                        <a:t>n Layer</a:t>
-                      </a:r>
-                      <a:endParaRPr lang="en-US" sz="1800" dirty="0"/>
-                    </a:p>
-                  </a:txBody>
-                  <a:tcPr/>
-                </a:tc>
-                <a:tc>
-                  <a:txBody>
-                    <a:bodyPr/>
-                    <a:lstStyle/>
-                    <a:p>
-                      <a:r>
-                        <a:rPr lang="en-US" sz="1800" dirty="0"/>
-                        <a:t>SMTP, HTTP, FTP, etc.</a:t>
-                      </a:r>
-                    </a:p>
-                  </a:txBody>
-                  <a:tcPr/>
-                </a:tc>
-                <a:extLst>
-                  <a:ext uri="{0D108BD9-81ED-4DB2-BD59-A6C34878D82A}">
-                    <a16:rowId xmlns:a16="http://schemas.microsoft.com/office/drawing/2014/main" val="10000"/>
-                  </a:ext>
-                </a:extLst>
-              </a:tr>
-              <a:tr h="557939">
-                <a:tc>
-                  <a:txBody>
-                    <a:bodyPr/>
-                    <a:lstStyle/>
-                    <a:p>
-                      <a:r>
-                        <a:rPr lang="en-US" sz="1800" dirty="0"/>
-                        <a:t>Transport Layer</a:t>
+                        <a:t>DoD Layers</a:t>
                       </a:r>
                     </a:p>
                   </a:txBody>
@@ -8541,27 +9655,7 @@
                     <a:p>
                       <a:r>
                         <a:rPr lang="en-US" sz="1800" dirty="0"/>
-                        <a:t>TCP, UDP</a:t>
-                      </a:r>
-                    </a:p>
-                  </a:txBody>
-                  <a:tcPr/>
-                </a:tc>
-                <a:extLst>
-                  <a:ext uri="{0D108BD9-81ED-4DB2-BD59-A6C34878D82A}">
-                    <a16:rowId xmlns:a16="http://schemas.microsoft.com/office/drawing/2014/main" val="10001"/>
-                  </a:ext>
-                </a:extLst>
-              </a:tr>
-              <a:tr h="557939">
-                <a:tc>
-                  <a:txBody>
-                    <a:bodyPr/>
-                    <a:lstStyle/>
-                    <a:p>
-                      <a:r>
-                        <a:rPr lang="en-US" sz="1800" dirty="0"/>
-                        <a:t>Network Layer</a:t>
+                        <a:t>ISO Layers</a:t>
                       </a:r>
                     </a:p>
                   </a:txBody>
@@ -8574,7 +9668,7 @@
                     <a:p>
                       <a:r>
                         <a:rPr lang="en-US" sz="1800" dirty="0"/>
-                        <a:t>IP. ICMP, IGMP</a:t>
+                        <a:t>Protocols</a:t>
                       </a:r>
                     </a:p>
                   </a:txBody>
@@ -8582,7 +9676,7 @@
                 </a:tc>
                 <a:extLst>
                   <a:ext uri="{0D108BD9-81ED-4DB2-BD59-A6C34878D82A}">
-                    <a16:rowId xmlns:a16="http://schemas.microsoft.com/office/drawing/2014/main" val="10002"/>
+                    <a16:rowId xmlns="" xmlns:a16="http://schemas.microsoft.com/office/drawing/2014/main" val="1280550423"/>
                   </a:ext>
                 </a:extLst>
               </a:tr>
@@ -8592,10 +9686,208 @@
                     <a:bodyPr/>
                     <a:lstStyle/>
                     <a:p>
+                      <a:pPr algn="l"/>
+                      <a:r>
+                        <a:rPr lang="en-US" sz="1800" dirty="0"/>
+                        <a:t>Process Layer</a:t>
+                      </a:r>
+                    </a:p>
+                  </a:txBody>
+                  <a:tcPr anchor="ctr"/>
+                </a:tc>
+                <a:tc>
+                  <a:txBody>
+                    <a:bodyPr/>
+                    <a:lstStyle/>
+                    <a:p>
+                      <a:pPr algn="l"/>
+                      <a:r>
+                        <a:rPr lang="en-US" sz="1800" dirty="0"/>
+                        <a:t>Applicatio</a:t>
+                      </a:r>
+                      <a:r>
+                        <a:rPr lang="en-US" sz="1800" baseline="0" dirty="0"/>
+                        <a:t>n Layer</a:t>
+                      </a:r>
+                      <a:endParaRPr lang="en-US" sz="1800" dirty="0"/>
+                    </a:p>
+                  </a:txBody>
+                  <a:tcPr anchor="ctr"/>
+                </a:tc>
+                <a:tc>
+                  <a:txBody>
+                    <a:bodyPr/>
+                    <a:lstStyle/>
+                    <a:p>
+                      <a:pPr algn="l"/>
+                      <a:r>
+                        <a:rPr lang="en-US" sz="1800" dirty="0"/>
+                        <a:t>SMTP, HTTP, FTP, etc.</a:t>
+                      </a:r>
+                    </a:p>
+                  </a:txBody>
+                  <a:tcPr anchor="ctr"/>
+                </a:tc>
+                <a:extLst>
+                  <a:ext uri="{0D108BD9-81ED-4DB2-BD59-A6C34878D82A}">
+                    <a16:rowId xmlns="" xmlns:a16="http://schemas.microsoft.com/office/drawing/2014/main" val="10000"/>
+                  </a:ext>
+                </a:extLst>
+              </a:tr>
+              <a:tr h="557939">
+                <a:tc>
+                  <a:txBody>
+                    <a:bodyPr/>
+                    <a:lstStyle/>
+                    <a:p>
+                      <a:pPr algn="l"/>
+                      <a:r>
+                        <a:rPr lang="en-US" sz="1800" dirty="0"/>
+                        <a:t>Host-to-host Layer</a:t>
+                      </a:r>
+                    </a:p>
+                  </a:txBody>
+                  <a:tcPr anchor="ctr"/>
+                </a:tc>
+                <a:tc>
+                  <a:txBody>
+                    <a:bodyPr/>
+                    <a:lstStyle/>
+                    <a:p>
+                      <a:pPr algn="l"/>
+                      <a:r>
+                        <a:rPr lang="en-US" sz="1800" dirty="0"/>
+                        <a:t>Transport Layer</a:t>
+                      </a:r>
+                    </a:p>
+                  </a:txBody>
+                  <a:tcPr anchor="ctr"/>
+                </a:tc>
+                <a:tc>
+                  <a:txBody>
+                    <a:bodyPr/>
+                    <a:lstStyle/>
+                    <a:p>
+                      <a:pPr algn="l"/>
+                      <a:r>
+                        <a:rPr lang="en-US" sz="1800" dirty="0"/>
+                        <a:t>TCP, UDP</a:t>
+                      </a:r>
+                    </a:p>
+                  </a:txBody>
+                  <a:tcPr anchor="ctr"/>
+                </a:tc>
+                <a:extLst>
+                  <a:ext uri="{0D108BD9-81ED-4DB2-BD59-A6C34878D82A}">
+                    <a16:rowId xmlns="" xmlns:a16="http://schemas.microsoft.com/office/drawing/2014/main" val="10001"/>
+                  </a:ext>
+                </a:extLst>
+              </a:tr>
+              <a:tr h="557939">
+                <a:tc>
+                  <a:txBody>
+                    <a:bodyPr/>
+                    <a:lstStyle/>
+                    <a:p>
+                      <a:pPr algn="l"/>
+                      <a:r>
+                        <a:rPr lang="en-US" sz="1800" dirty="0"/>
+                        <a:t>Internet Layer</a:t>
+                      </a:r>
+                    </a:p>
+                  </a:txBody>
+                  <a:tcPr anchor="ctr"/>
+                </a:tc>
+                <a:tc>
+                  <a:txBody>
+                    <a:bodyPr/>
+                    <a:lstStyle/>
+                    <a:p>
+                      <a:pPr algn="l"/>
+                      <a:r>
+                        <a:rPr lang="en-US" sz="1800" dirty="0"/>
+                        <a:t>Network Layer</a:t>
+                      </a:r>
+                    </a:p>
+                  </a:txBody>
+                  <a:tcPr anchor="ctr"/>
+                </a:tc>
+                <a:tc>
+                  <a:txBody>
+                    <a:bodyPr/>
+                    <a:lstStyle/>
+                    <a:p>
+                      <a:pPr algn="l"/>
+                      <a:r>
+                        <a:rPr lang="en-US" sz="1800" dirty="0"/>
+                        <a:t>IP. ICMP, IGMP</a:t>
+                      </a:r>
+                    </a:p>
+                  </a:txBody>
+                  <a:tcPr anchor="ctr"/>
+                </a:tc>
+                <a:extLst>
+                  <a:ext uri="{0D108BD9-81ED-4DB2-BD59-A6C34878D82A}">
+                    <a16:rowId xmlns="" xmlns:a16="http://schemas.microsoft.com/office/drawing/2014/main" val="10002"/>
+                  </a:ext>
+                </a:extLst>
+              </a:tr>
+              <a:tr h="557939">
+                <a:tc rowSpan="2">
+                  <a:txBody>
+                    <a:bodyPr/>
+                    <a:lstStyle/>
+                    <a:p>
+                      <a:pPr algn="l"/>
+                      <a:r>
+                        <a:rPr lang="en-US" sz="1800" dirty="0"/>
+                        <a:t>Network Access Layer</a:t>
+                      </a:r>
+                    </a:p>
+                  </a:txBody>
+                  <a:tcPr anchor="ctr"/>
+                </a:tc>
+                <a:tc>
+                  <a:txBody>
+                    <a:bodyPr/>
+                    <a:lstStyle/>
+                    <a:p>
+                      <a:pPr algn="l"/>
                       <a:r>
                         <a:rPr lang="en-US" sz="1800" dirty="0"/>
                         <a:t>Logical Link Layer</a:t>
                       </a:r>
+                    </a:p>
+                  </a:txBody>
+                  <a:tcPr anchor="ctr"/>
+                </a:tc>
+                <a:tc>
+                  <a:txBody>
+                    <a:bodyPr/>
+                    <a:lstStyle/>
+                    <a:p>
+                      <a:pPr algn="l"/>
+                      <a:r>
+                        <a:rPr lang="en-US" sz="1800" dirty="0"/>
+                        <a:t>Device Drivers (IEEE802.x)</a:t>
+                      </a:r>
+                    </a:p>
+                  </a:txBody>
+                  <a:tcPr anchor="ctr"/>
+                </a:tc>
+                <a:extLst>
+                  <a:ext uri="{0D108BD9-81ED-4DB2-BD59-A6C34878D82A}">
+                    <a16:rowId xmlns="" xmlns:a16="http://schemas.microsoft.com/office/drawing/2014/main" val="10003"/>
+                  </a:ext>
+                </a:extLst>
+              </a:tr>
+              <a:tr h="557939">
+                <a:tc vMerge="1">
+                  <a:txBody>
+                    <a:bodyPr/>
+                    <a:lstStyle/>
+                    <a:p>
+                      <a:endParaRPr lang="en-US" sz="1800" dirty="0"/>
                     </a:p>
                   </a:txBody>
                   <a:tcPr/>
@@ -8605,50 +9897,32 @@
                     <a:bodyPr/>
                     <a:lstStyle/>
                     <a:p>
-                      <a:r>
-                        <a:rPr lang="en-US" sz="1800" dirty="0"/>
-                        <a:t>Device Drivers (IEEE802.x)</a:t>
-                      </a:r>
-                    </a:p>
-                  </a:txBody>
-                  <a:tcPr/>
-                </a:tc>
-                <a:extLst>
-                  <a:ext uri="{0D108BD9-81ED-4DB2-BD59-A6C34878D82A}">
-                    <a16:rowId xmlns:a16="http://schemas.microsoft.com/office/drawing/2014/main" val="10003"/>
-                  </a:ext>
-                </a:extLst>
-              </a:tr>
-              <a:tr h="557939">
-                <a:tc>
-                  <a:txBody>
-                    <a:bodyPr/>
-                    <a:lstStyle/>
-                    <a:p>
+                      <a:pPr algn="l"/>
                       <a:r>
                         <a:rPr lang="en-US" sz="1800" dirty="0"/>
                         <a:t>Physical Layer</a:t>
                       </a:r>
                     </a:p>
                   </a:txBody>
-                  <a:tcPr/>
+                  <a:tcPr anchor="ctr"/>
                 </a:tc>
                 <a:tc>
                   <a:txBody>
                     <a:bodyPr/>
                     <a:lstStyle/>
                     <a:p>
+                      <a:pPr algn="l"/>
                       <a:r>
                         <a:rPr lang="en-US" sz="1800" dirty="0"/>
                         <a:t>Network Adapters</a:t>
                       </a:r>
                     </a:p>
                   </a:txBody>
-                  <a:tcPr/>
+                  <a:tcPr anchor="ctr"/>
                 </a:tc>
                 <a:extLst>
                   <a:ext uri="{0D108BD9-81ED-4DB2-BD59-A6C34878D82A}">
-                    <a16:rowId xmlns:a16="http://schemas.microsoft.com/office/drawing/2014/main" val="10004"/>
+                    <a16:rowId xmlns="" xmlns:a16="http://schemas.microsoft.com/office/drawing/2014/main" val="10004"/>
                   </a:ext>
                 </a:extLst>
               </a:tr>
@@ -8662,7 +9936,7 @@
     </p:custDataLst>
     <p:extLst>
       <p:ext uri="{BB962C8B-B14F-4D97-AF65-F5344CB8AC3E}">
-        <p14:creationId xmlns:p14="http://schemas.microsoft.com/office/powerpoint/2010/main" val="4004625813"/>
+        <p14:creationId xmlns:p14="http://schemas.microsoft.com/office/powerpoint/2010/main" val="1820756785"/>
       </p:ext>
     </p:extLst>
   </p:cSld>
@@ -8691,10 +9965,10 @@
       </p:grpSpPr>
       <p:sp>
         <p:nvSpPr>
-          <p:cNvPr id="11" name="Title 10">
+          <p:cNvPr id="2" name="Title 1">
             <a:extLst>
               <a:ext uri="{FF2B5EF4-FFF2-40B4-BE49-F238E27FC236}">
-                <a16:creationId xmlns:a16="http://schemas.microsoft.com/office/drawing/2014/main" id="{1F52A716-5142-4987-84C0-078D1007C406}"/>
+                <a16:creationId xmlns="" xmlns:a16="http://schemas.microsoft.com/office/drawing/2014/main" id="{EBEAE4F0-B342-45E4-94DE-A5D4924DDBA8}"/>
               </a:ext>
             </a:extLst>
           </p:cNvPr>
@@ -8710,16 +9984,52 @@
           <a:bodyPr/>
           <a:lstStyle/>
           <a:p>
-            <a:endParaRPr lang="en-US" dirty="0"/>
+            <a:r>
+              <a:rPr lang="en-US" dirty="0"/>
+              <a:t>Encapsulation</a:t>
+            </a:r>
           </a:p>
         </p:txBody>
       </p:sp>
       <p:sp>
         <p:nvSpPr>
-          <p:cNvPr id="7" name="Slide Number Placeholder 6">
+          <p:cNvPr id="3" name="Content Placeholder 2">
             <a:extLst>
               <a:ext uri="{FF2B5EF4-FFF2-40B4-BE49-F238E27FC236}">
-                <a16:creationId xmlns:a16="http://schemas.microsoft.com/office/drawing/2014/main" id="{27B55DC7-B95B-4807-B808-1E7A81E0F45A}"/>
+                <a16:creationId xmlns="" xmlns:a16="http://schemas.microsoft.com/office/drawing/2014/main" id="{D107A444-BAF9-4762-B08C-DC215832F56E}"/>
+              </a:ext>
+            </a:extLst>
+          </p:cNvPr>
+          <p:cNvSpPr>
+            <a:spLocks noGrp="1"/>
+          </p:cNvSpPr>
+          <p:nvPr>
+            <p:ph idx="1"/>
+          </p:nvPr>
+        </p:nvSpPr>
+        <p:spPr>
+          <a:xfrm>
+            <a:off x="628650" y="1377863"/>
+            <a:ext cx="7886700" cy="4799100"/>
+          </a:xfrm>
+        </p:spPr>
+        <p:txBody>
+          <a:bodyPr/>
+          <a:lstStyle/>
+          <a:p>
+            <a:r>
+              <a:rPr lang="en-US" dirty="0"/>
+              <a:t>For any layered network model, encapsulation is key. For example, for an http request:</a:t>
+            </a:r>
+          </a:p>
+        </p:txBody>
+      </p:sp>
+      <p:sp>
+        <p:nvSpPr>
+          <p:cNvPr id="4" name="Slide Number Placeholder 3">
+            <a:extLst>
+              <a:ext uri="{FF2B5EF4-FFF2-40B4-BE49-F238E27FC236}">
+                <a16:creationId xmlns="" xmlns:a16="http://schemas.microsoft.com/office/drawing/2014/main" id="{65DE1F3F-209A-40D7-A222-4714644BA711}"/>
               </a:ext>
             </a:extLst>
           </p:cNvPr>
@@ -8735,12 +10045,709 @@
           <a:bodyPr/>
           <a:lstStyle/>
           <a:p>
-            <a:fld id="{FB267019-40B7-405C-98B7-75F3216AFF79}" type="slidenum">
+            <a:pPr>
+              <a:defRPr/>
+            </a:pPr>
+            <a:fld id="{A722859C-89A0-4C1D-B3B9-DD0F9998A67A}" type="slidenum">
               <a:rPr lang="en-US" smtClean="0"/>
-              <a:pPr/>
+              <a:pPr>
+                <a:defRPr/>
+              </a:pPr>
               <a:t>16</a:t>
             </a:fld>
             <a:endParaRPr lang="en-US" dirty="0"/>
+          </a:p>
+        </p:txBody>
+      </p:sp>
+      <p:sp>
+        <p:nvSpPr>
+          <p:cNvPr id="5" name="Rectangle 4" descr="Sample http packet" title="HTTP Packet">
+            <a:extLst>
+              <a:ext uri="{FF2B5EF4-FFF2-40B4-BE49-F238E27FC236}">
+                <a16:creationId xmlns="" xmlns:a16="http://schemas.microsoft.com/office/drawing/2014/main" id="{47F9947B-5F62-4CB1-9892-B042FA48F4F7}"/>
+              </a:ext>
+            </a:extLst>
+          </p:cNvPr>
+          <p:cNvSpPr/>
+          <p:nvPr/>
+        </p:nvSpPr>
+        <p:spPr>
+          <a:xfrm>
+            <a:off x="3301146" y="2479729"/>
+            <a:ext cx="991891" cy="464949"/>
+          </a:xfrm>
+          <a:prstGeom prst="rect">
+            <a:avLst/>
+          </a:prstGeom>
+        </p:spPr>
+        <p:style>
+          <a:lnRef idx="2">
+            <a:schemeClr val="accent1">
+              <a:shade val="50000"/>
+            </a:schemeClr>
+          </a:lnRef>
+          <a:fillRef idx="1">
+            <a:schemeClr val="accent1"/>
+          </a:fillRef>
+          <a:effectRef idx="0">
+            <a:schemeClr val="accent1"/>
+          </a:effectRef>
+          <a:fontRef idx="minor">
+            <a:schemeClr val="lt1"/>
+          </a:fontRef>
+        </p:style>
+        <p:txBody>
+          <a:bodyPr rtlCol="0" anchor="ctr"/>
+          <a:lstStyle/>
+          <a:p>
+            <a:pPr algn="ctr"/>
+            <a:r>
+              <a:rPr lang="en-US" dirty="0"/>
+              <a:t>HTTP</a:t>
+            </a:r>
+          </a:p>
+        </p:txBody>
+      </p:sp>
+      <p:grpSp>
+        <p:nvGrpSpPr>
+          <p:cNvPr id="22" name="Group 21" descr="TCP Header prepended to HTTP packet." title="TCP Wrapped HTTP packet">
+            <a:extLst>
+              <a:ext uri="{FF2B5EF4-FFF2-40B4-BE49-F238E27FC236}">
+                <a16:creationId xmlns="" xmlns:a16="http://schemas.microsoft.com/office/drawing/2014/main" id="{FA27DC24-98BE-4928-98C3-30A503E17FFA}"/>
+              </a:ext>
+            </a:extLst>
+          </p:cNvPr>
+          <p:cNvGrpSpPr/>
+          <p:nvPr/>
+        </p:nvGrpSpPr>
+        <p:grpSpPr>
+          <a:xfrm>
+            <a:off x="2309255" y="3402731"/>
+            <a:ext cx="1983782" cy="464950"/>
+            <a:chOff x="2696706" y="3125491"/>
+            <a:chExt cx="1983782" cy="464950"/>
+          </a:xfrm>
+        </p:grpSpPr>
+        <p:sp>
+          <p:nvSpPr>
+            <p:cNvPr id="6" name="Rectangle 5">
+              <a:extLst>
+                <a:ext uri="{FF2B5EF4-FFF2-40B4-BE49-F238E27FC236}">
+                  <a16:creationId xmlns="" xmlns:a16="http://schemas.microsoft.com/office/drawing/2014/main" id="{FC160E11-66DA-4D3A-8A05-26573FC28D29}"/>
+                </a:ext>
+              </a:extLst>
+            </p:cNvPr>
+            <p:cNvSpPr/>
+            <p:nvPr/>
+          </p:nvSpPr>
+          <p:spPr>
+            <a:xfrm>
+              <a:off x="3688597" y="3125492"/>
+              <a:ext cx="991891" cy="464949"/>
+            </a:xfrm>
+            <a:prstGeom prst="rect">
+              <a:avLst/>
+            </a:prstGeom>
+          </p:spPr>
+          <p:style>
+            <a:lnRef idx="2">
+              <a:schemeClr val="accent1">
+                <a:shade val="50000"/>
+              </a:schemeClr>
+            </a:lnRef>
+            <a:fillRef idx="1">
+              <a:schemeClr val="accent1"/>
+            </a:fillRef>
+            <a:effectRef idx="0">
+              <a:schemeClr val="accent1"/>
+            </a:effectRef>
+            <a:fontRef idx="minor">
+              <a:schemeClr val="lt1"/>
+            </a:fontRef>
+          </p:style>
+          <p:txBody>
+            <a:bodyPr rtlCol="0" anchor="ctr"/>
+            <a:lstStyle/>
+            <a:p>
+              <a:pPr algn="ctr"/>
+              <a:r>
+                <a:rPr lang="en-US" dirty="0"/>
+                <a:t>HTTP</a:t>
+              </a:r>
+            </a:p>
+          </p:txBody>
+        </p:sp>
+        <p:sp>
+          <p:nvSpPr>
+            <p:cNvPr id="7" name="Rectangle 6">
+              <a:extLst>
+                <a:ext uri="{FF2B5EF4-FFF2-40B4-BE49-F238E27FC236}">
+                  <a16:creationId xmlns="" xmlns:a16="http://schemas.microsoft.com/office/drawing/2014/main" id="{51CA4A83-0567-4F0D-8F6E-A497B1A24168}"/>
+                </a:ext>
+              </a:extLst>
+            </p:cNvPr>
+            <p:cNvSpPr/>
+            <p:nvPr/>
+          </p:nvSpPr>
+          <p:spPr>
+            <a:xfrm>
+              <a:off x="2696706" y="3125491"/>
+              <a:ext cx="991891" cy="464949"/>
+            </a:xfrm>
+            <a:prstGeom prst="rect">
+              <a:avLst/>
+            </a:prstGeom>
+          </p:spPr>
+          <p:style>
+            <a:lnRef idx="2">
+              <a:schemeClr val="accent1">
+                <a:shade val="50000"/>
+              </a:schemeClr>
+            </a:lnRef>
+            <a:fillRef idx="1">
+              <a:schemeClr val="accent1"/>
+            </a:fillRef>
+            <a:effectRef idx="0">
+              <a:schemeClr val="accent1"/>
+            </a:effectRef>
+            <a:fontRef idx="minor">
+              <a:schemeClr val="lt1"/>
+            </a:fontRef>
+          </p:style>
+          <p:txBody>
+            <a:bodyPr rtlCol="0" anchor="ctr"/>
+            <a:lstStyle/>
+            <a:p>
+              <a:pPr algn="ctr"/>
+              <a:r>
+                <a:rPr lang="en-US" dirty="0"/>
+                <a:t>TCP Header</a:t>
+              </a:r>
+            </a:p>
+          </p:txBody>
+        </p:sp>
+      </p:grpSp>
+      <p:grpSp>
+        <p:nvGrpSpPr>
+          <p:cNvPr id="21" name="Group 20" descr="IP Header prepended to from of TCP packet (which contains TCP header prepedned to HTTP packet)" title="IP Wrapped TCP Packet">
+            <a:extLst>
+              <a:ext uri="{FF2B5EF4-FFF2-40B4-BE49-F238E27FC236}">
+                <a16:creationId xmlns="" xmlns:a16="http://schemas.microsoft.com/office/drawing/2014/main" id="{9FE580B5-C821-4439-87A1-006C1B4D1609}"/>
+              </a:ext>
+            </a:extLst>
+          </p:cNvPr>
+          <p:cNvGrpSpPr/>
+          <p:nvPr/>
+        </p:nvGrpSpPr>
+        <p:grpSpPr>
+          <a:xfrm>
+            <a:off x="1317364" y="4453178"/>
+            <a:ext cx="2975673" cy="466685"/>
+            <a:chOff x="1704815" y="3817747"/>
+            <a:chExt cx="2975673" cy="466685"/>
+          </a:xfrm>
+        </p:grpSpPr>
+        <p:sp>
+          <p:nvSpPr>
+            <p:cNvPr id="11" name="Rectangle 10">
+              <a:extLst>
+                <a:ext uri="{FF2B5EF4-FFF2-40B4-BE49-F238E27FC236}">
+                  <a16:creationId xmlns="" xmlns:a16="http://schemas.microsoft.com/office/drawing/2014/main" id="{815D1D12-E8B5-44D7-B36D-BB756E714C72}"/>
+                </a:ext>
+              </a:extLst>
+            </p:cNvPr>
+            <p:cNvSpPr/>
+            <p:nvPr/>
+          </p:nvSpPr>
+          <p:spPr>
+            <a:xfrm>
+              <a:off x="3688597" y="3819483"/>
+              <a:ext cx="991891" cy="464949"/>
+            </a:xfrm>
+            <a:prstGeom prst="rect">
+              <a:avLst/>
+            </a:prstGeom>
+          </p:spPr>
+          <p:style>
+            <a:lnRef idx="2">
+              <a:schemeClr val="accent1">
+                <a:shade val="50000"/>
+              </a:schemeClr>
+            </a:lnRef>
+            <a:fillRef idx="1">
+              <a:schemeClr val="accent1"/>
+            </a:fillRef>
+            <a:effectRef idx="0">
+              <a:schemeClr val="accent1"/>
+            </a:effectRef>
+            <a:fontRef idx="minor">
+              <a:schemeClr val="lt1"/>
+            </a:fontRef>
+          </p:style>
+          <p:txBody>
+            <a:bodyPr rtlCol="0" anchor="ctr"/>
+            <a:lstStyle/>
+            <a:p>
+              <a:pPr algn="ctr"/>
+              <a:r>
+                <a:rPr lang="en-US" dirty="0"/>
+                <a:t>HTTP</a:t>
+              </a:r>
+            </a:p>
+          </p:txBody>
+        </p:sp>
+        <p:sp>
+          <p:nvSpPr>
+            <p:cNvPr id="12" name="Rectangle 11">
+              <a:extLst>
+                <a:ext uri="{FF2B5EF4-FFF2-40B4-BE49-F238E27FC236}">
+                  <a16:creationId xmlns="" xmlns:a16="http://schemas.microsoft.com/office/drawing/2014/main" id="{6582AF6C-18B2-4D31-B30B-B4EA39C67797}"/>
+                </a:ext>
+              </a:extLst>
+            </p:cNvPr>
+            <p:cNvSpPr/>
+            <p:nvPr/>
+          </p:nvSpPr>
+          <p:spPr>
+            <a:xfrm>
+              <a:off x="2696706" y="3819482"/>
+              <a:ext cx="991891" cy="464949"/>
+            </a:xfrm>
+            <a:prstGeom prst="rect">
+              <a:avLst/>
+            </a:prstGeom>
+          </p:spPr>
+          <p:style>
+            <a:lnRef idx="2">
+              <a:schemeClr val="accent1">
+                <a:shade val="50000"/>
+              </a:schemeClr>
+            </a:lnRef>
+            <a:fillRef idx="1">
+              <a:schemeClr val="accent1"/>
+            </a:fillRef>
+            <a:effectRef idx="0">
+              <a:schemeClr val="accent1"/>
+            </a:effectRef>
+            <a:fontRef idx="minor">
+              <a:schemeClr val="lt1"/>
+            </a:fontRef>
+          </p:style>
+          <p:txBody>
+            <a:bodyPr rtlCol="0" anchor="ctr"/>
+            <a:lstStyle/>
+            <a:p>
+              <a:pPr algn="ctr"/>
+              <a:r>
+                <a:rPr lang="en-US" dirty="0"/>
+                <a:t>TCP Header</a:t>
+              </a:r>
+            </a:p>
+          </p:txBody>
+        </p:sp>
+        <p:sp>
+          <p:nvSpPr>
+            <p:cNvPr id="13" name="Rectangle 12">
+              <a:extLst>
+                <a:ext uri="{FF2B5EF4-FFF2-40B4-BE49-F238E27FC236}">
+                  <a16:creationId xmlns="" xmlns:a16="http://schemas.microsoft.com/office/drawing/2014/main" id="{1B9BF5F9-525E-42CB-8FF6-AAF56789B263}"/>
+                </a:ext>
+              </a:extLst>
+            </p:cNvPr>
+            <p:cNvSpPr/>
+            <p:nvPr/>
+          </p:nvSpPr>
+          <p:spPr>
+            <a:xfrm>
+              <a:off x="1704815" y="3817747"/>
+              <a:ext cx="991891" cy="464949"/>
+            </a:xfrm>
+            <a:prstGeom prst="rect">
+              <a:avLst/>
+            </a:prstGeom>
+          </p:spPr>
+          <p:style>
+            <a:lnRef idx="2">
+              <a:schemeClr val="accent1">
+                <a:shade val="50000"/>
+              </a:schemeClr>
+            </a:lnRef>
+            <a:fillRef idx="1">
+              <a:schemeClr val="accent1"/>
+            </a:fillRef>
+            <a:effectRef idx="0">
+              <a:schemeClr val="accent1"/>
+            </a:effectRef>
+            <a:fontRef idx="minor">
+              <a:schemeClr val="lt1"/>
+            </a:fontRef>
+          </p:style>
+          <p:txBody>
+            <a:bodyPr rtlCol="0" anchor="ctr"/>
+            <a:lstStyle/>
+            <a:p>
+              <a:pPr algn="ctr"/>
+              <a:r>
+                <a:rPr lang="en-US" dirty="0"/>
+                <a:t>IP Header</a:t>
+              </a:r>
+            </a:p>
+          </p:txBody>
+        </p:sp>
+      </p:grpSp>
+      <p:grpSp>
+        <p:nvGrpSpPr>
+          <p:cNvPr id="20" name="Group 19" descr="PPP protocol transmits full packet from one machine to the next." title="PPP Encapsulation">
+            <a:extLst>
+              <a:ext uri="{FF2B5EF4-FFF2-40B4-BE49-F238E27FC236}">
+                <a16:creationId xmlns="" xmlns:a16="http://schemas.microsoft.com/office/drawing/2014/main" id="{A53E8AC5-4BDE-4807-8B45-BE1FA2705970}"/>
+              </a:ext>
+            </a:extLst>
+          </p:cNvPr>
+          <p:cNvGrpSpPr/>
+          <p:nvPr/>
+        </p:nvGrpSpPr>
+        <p:grpSpPr>
+          <a:xfrm>
+            <a:off x="390854" y="5377916"/>
+            <a:ext cx="4122549" cy="728420"/>
+            <a:chOff x="790414" y="5377916"/>
+            <a:chExt cx="4122549" cy="728420"/>
+          </a:xfrm>
+        </p:grpSpPr>
+        <p:sp>
+          <p:nvSpPr>
+            <p:cNvPr id="17" name="Rectangle: Rounded Corners 16" descr="PPP protocol encapsulated whole packet to allow node to node communication." title="PPP Encapsulation">
+              <a:extLst>
+                <a:ext uri="{FF2B5EF4-FFF2-40B4-BE49-F238E27FC236}">
+                  <a16:creationId xmlns="" xmlns:a16="http://schemas.microsoft.com/office/drawing/2014/main" id="{D1A368D7-1675-4102-9A13-8842296976CE}"/>
+                </a:ext>
+              </a:extLst>
+            </p:cNvPr>
+            <p:cNvSpPr/>
+            <p:nvPr/>
+          </p:nvSpPr>
+          <p:spPr>
+            <a:xfrm>
+              <a:off x="790414" y="5377916"/>
+              <a:ext cx="4122549" cy="728420"/>
+            </a:xfrm>
+            <a:prstGeom prst="roundRect">
+              <a:avLst/>
+            </a:prstGeom>
+          </p:spPr>
+          <p:style>
+            <a:lnRef idx="2">
+              <a:schemeClr val="accent6">
+                <a:shade val="50000"/>
+              </a:schemeClr>
+            </a:lnRef>
+            <a:fillRef idx="1">
+              <a:schemeClr val="accent6"/>
+            </a:fillRef>
+            <a:effectRef idx="0">
+              <a:schemeClr val="accent6"/>
+            </a:effectRef>
+            <a:fontRef idx="minor">
+              <a:schemeClr val="lt1"/>
+            </a:fontRef>
+          </p:style>
+          <p:txBody>
+            <a:bodyPr rtlCol="0" anchor="ctr"/>
+            <a:lstStyle/>
+            <a:p>
+              <a:r>
+                <a:rPr lang="en-US" dirty="0"/>
+                <a:t>PPP</a:t>
+              </a:r>
+            </a:p>
+          </p:txBody>
+        </p:sp>
+        <p:sp>
+          <p:nvSpPr>
+            <p:cNvPr id="14" name="Rectangle 13">
+              <a:extLst>
+                <a:ext uri="{FF2B5EF4-FFF2-40B4-BE49-F238E27FC236}">
+                  <a16:creationId xmlns="" xmlns:a16="http://schemas.microsoft.com/office/drawing/2014/main" id="{8DF1BB35-A912-426E-B9B9-20037757CC0A}"/>
+                </a:ext>
+              </a:extLst>
+            </p:cNvPr>
+            <p:cNvSpPr/>
+            <p:nvPr/>
+          </p:nvSpPr>
+          <p:spPr>
+            <a:xfrm>
+              <a:off x="3688597" y="5504274"/>
+              <a:ext cx="991891" cy="464949"/>
+            </a:xfrm>
+            <a:prstGeom prst="rect">
+              <a:avLst/>
+            </a:prstGeom>
+          </p:spPr>
+          <p:style>
+            <a:lnRef idx="2">
+              <a:schemeClr val="accent1">
+                <a:shade val="50000"/>
+              </a:schemeClr>
+            </a:lnRef>
+            <a:fillRef idx="1">
+              <a:schemeClr val="accent1"/>
+            </a:fillRef>
+            <a:effectRef idx="0">
+              <a:schemeClr val="accent1"/>
+            </a:effectRef>
+            <a:fontRef idx="minor">
+              <a:schemeClr val="lt1"/>
+            </a:fontRef>
+          </p:style>
+          <p:txBody>
+            <a:bodyPr rtlCol="0" anchor="ctr"/>
+            <a:lstStyle/>
+            <a:p>
+              <a:pPr algn="ctr"/>
+              <a:r>
+                <a:rPr lang="en-US" dirty="0"/>
+                <a:t>HTTP</a:t>
+              </a:r>
+            </a:p>
+          </p:txBody>
+        </p:sp>
+        <p:sp>
+          <p:nvSpPr>
+            <p:cNvPr id="15" name="Rectangle 14">
+              <a:extLst>
+                <a:ext uri="{FF2B5EF4-FFF2-40B4-BE49-F238E27FC236}">
+                  <a16:creationId xmlns="" xmlns:a16="http://schemas.microsoft.com/office/drawing/2014/main" id="{EA7372A8-4A10-4EC7-8B98-EA15AC321F2E}"/>
+                </a:ext>
+              </a:extLst>
+            </p:cNvPr>
+            <p:cNvSpPr/>
+            <p:nvPr/>
+          </p:nvSpPr>
+          <p:spPr>
+            <a:xfrm>
+              <a:off x="2696706" y="5504273"/>
+              <a:ext cx="991891" cy="464949"/>
+            </a:xfrm>
+            <a:prstGeom prst="rect">
+              <a:avLst/>
+            </a:prstGeom>
+          </p:spPr>
+          <p:style>
+            <a:lnRef idx="2">
+              <a:schemeClr val="accent1">
+                <a:shade val="50000"/>
+              </a:schemeClr>
+            </a:lnRef>
+            <a:fillRef idx="1">
+              <a:schemeClr val="accent1"/>
+            </a:fillRef>
+            <a:effectRef idx="0">
+              <a:schemeClr val="accent1"/>
+            </a:effectRef>
+            <a:fontRef idx="minor">
+              <a:schemeClr val="lt1"/>
+            </a:fontRef>
+          </p:style>
+          <p:txBody>
+            <a:bodyPr rtlCol="0" anchor="ctr"/>
+            <a:lstStyle/>
+            <a:p>
+              <a:pPr algn="ctr"/>
+              <a:r>
+                <a:rPr lang="en-US" dirty="0"/>
+                <a:t>TCP Header</a:t>
+              </a:r>
+            </a:p>
+          </p:txBody>
+        </p:sp>
+        <p:sp>
+          <p:nvSpPr>
+            <p:cNvPr id="16" name="Rectangle 15">
+              <a:extLst>
+                <a:ext uri="{FF2B5EF4-FFF2-40B4-BE49-F238E27FC236}">
+                  <a16:creationId xmlns="" xmlns:a16="http://schemas.microsoft.com/office/drawing/2014/main" id="{E7B96A87-8031-4AB6-AEEE-5AA19A026E43}"/>
+                </a:ext>
+              </a:extLst>
+            </p:cNvPr>
+            <p:cNvSpPr/>
+            <p:nvPr/>
+          </p:nvSpPr>
+          <p:spPr>
+            <a:xfrm>
+              <a:off x="1704815" y="5502538"/>
+              <a:ext cx="991891" cy="464949"/>
+            </a:xfrm>
+            <a:prstGeom prst="rect">
+              <a:avLst/>
+            </a:prstGeom>
+          </p:spPr>
+          <p:style>
+            <a:lnRef idx="2">
+              <a:schemeClr val="accent1">
+                <a:shade val="50000"/>
+              </a:schemeClr>
+            </a:lnRef>
+            <a:fillRef idx="1">
+              <a:schemeClr val="accent1"/>
+            </a:fillRef>
+            <a:effectRef idx="0">
+              <a:schemeClr val="accent1"/>
+            </a:effectRef>
+            <a:fontRef idx="minor">
+              <a:schemeClr val="lt1"/>
+            </a:fontRef>
+          </p:style>
+          <p:txBody>
+            <a:bodyPr rtlCol="0" anchor="ctr"/>
+            <a:lstStyle/>
+            <a:p>
+              <a:pPr algn="ctr"/>
+              <a:r>
+                <a:rPr lang="en-US" dirty="0"/>
+                <a:t>IP Header</a:t>
+              </a:r>
+            </a:p>
+          </p:txBody>
+        </p:sp>
+      </p:grpSp>
+      <p:sp>
+        <p:nvSpPr>
+          <p:cNvPr id="18" name="TextBox 17">
+            <a:extLst>
+              <a:ext uri="{FF2B5EF4-FFF2-40B4-BE49-F238E27FC236}">
+                <a16:creationId xmlns="" xmlns:a16="http://schemas.microsoft.com/office/drawing/2014/main" id="{7E032516-B8EA-4A47-B9AC-C2F7D481E7F8}"/>
+              </a:ext>
+            </a:extLst>
+          </p:cNvPr>
+          <p:cNvSpPr txBox="1"/>
+          <p:nvPr/>
+        </p:nvSpPr>
+        <p:spPr>
+          <a:xfrm>
+            <a:off x="4621890" y="2389037"/>
+            <a:ext cx="4289636" cy="646331"/>
+          </a:xfrm>
+          <a:prstGeom prst="rect">
+            <a:avLst/>
+          </a:prstGeom>
+          <a:noFill/>
+        </p:spPr>
+        <p:txBody>
+          <a:bodyPr wrap="square" rtlCol="0">
+            <a:spAutoFit/>
+          </a:bodyPr>
+          <a:lstStyle/>
+          <a:p>
+            <a:r>
+              <a:rPr lang="en-US" dirty="0"/>
+              <a:t>http request/response may include a large amount of data</a:t>
+            </a:r>
+          </a:p>
+        </p:txBody>
+      </p:sp>
+      <p:sp>
+        <p:nvSpPr>
+          <p:cNvPr id="19" name="TextBox 18">
+            <a:extLst>
+              <a:ext uri="{FF2B5EF4-FFF2-40B4-BE49-F238E27FC236}">
+                <a16:creationId xmlns="" xmlns:a16="http://schemas.microsoft.com/office/drawing/2014/main" id="{04AB0A22-6DE2-4C99-A6D7-CD8A9222D4E0}"/>
+              </a:ext>
+            </a:extLst>
+          </p:cNvPr>
+          <p:cNvSpPr txBox="1"/>
+          <p:nvPr/>
+        </p:nvSpPr>
+        <p:spPr>
+          <a:xfrm>
+            <a:off x="4621890" y="3312039"/>
+            <a:ext cx="4289636" cy="646331"/>
+          </a:xfrm>
+          <a:prstGeom prst="rect">
+            <a:avLst/>
+          </a:prstGeom>
+          <a:noFill/>
+        </p:spPr>
+        <p:txBody>
+          <a:bodyPr wrap="square" rtlCol="0">
+            <a:spAutoFit/>
+          </a:bodyPr>
+          <a:lstStyle/>
+          <a:p>
+            <a:r>
+              <a:rPr lang="en-US" dirty="0"/>
+              <a:t>TCP provides connection management and reliable delivery</a:t>
+            </a:r>
+          </a:p>
+        </p:txBody>
+      </p:sp>
+      <p:sp>
+        <p:nvSpPr>
+          <p:cNvPr id="23" name="TextBox 22">
+            <a:extLst>
+              <a:ext uri="{FF2B5EF4-FFF2-40B4-BE49-F238E27FC236}">
+                <a16:creationId xmlns="" xmlns:a16="http://schemas.microsoft.com/office/drawing/2014/main" id="{9E0523DA-7AE4-4D71-82BB-56655D69DDAF}"/>
+              </a:ext>
+            </a:extLst>
+          </p:cNvPr>
+          <p:cNvSpPr txBox="1"/>
+          <p:nvPr/>
+        </p:nvSpPr>
+        <p:spPr>
+          <a:xfrm>
+            <a:off x="4621890" y="4364224"/>
+            <a:ext cx="4091547" cy="646331"/>
+          </a:xfrm>
+          <a:prstGeom prst="rect">
+            <a:avLst/>
+          </a:prstGeom>
+          <a:noFill/>
+        </p:spPr>
+        <p:txBody>
+          <a:bodyPr wrap="square" rtlCol="0">
+            <a:spAutoFit/>
+          </a:bodyPr>
+          <a:lstStyle/>
+          <a:p>
+            <a:r>
+              <a:rPr lang="en-US" dirty="0"/>
+              <a:t>IP provides machine to machine delivery, may segment data</a:t>
+            </a:r>
+          </a:p>
+        </p:txBody>
+      </p:sp>
+      <p:sp>
+        <p:nvSpPr>
+          <p:cNvPr id="24" name="TextBox 23">
+            <a:extLst>
+              <a:ext uri="{FF2B5EF4-FFF2-40B4-BE49-F238E27FC236}">
+                <a16:creationId xmlns="" xmlns:a16="http://schemas.microsoft.com/office/drawing/2014/main" id="{9FC8CD82-1B6F-45DC-B783-5A2B7DC0965C}"/>
+              </a:ext>
+            </a:extLst>
+          </p:cNvPr>
+          <p:cNvSpPr txBox="1"/>
+          <p:nvPr/>
+        </p:nvSpPr>
+        <p:spPr>
+          <a:xfrm>
+            <a:off x="4621890" y="5309942"/>
+            <a:ext cx="4289636" cy="923330"/>
+          </a:xfrm>
+          <a:prstGeom prst="rect">
+            <a:avLst/>
+          </a:prstGeom>
+          <a:noFill/>
+        </p:spPr>
+        <p:txBody>
+          <a:bodyPr wrap="square" rtlCol="0">
+            <a:spAutoFit/>
+          </a:bodyPr>
+          <a:lstStyle/>
+          <a:p>
+            <a:r>
+              <a:rPr lang="en-US" dirty="0"/>
+              <a:t>Point-to-Point Protocol provide delivery from one machine to next. may compress, modify, encrypt data, etc.</a:t>
+            </a:r>
           </a:p>
         </p:txBody>
       </p:sp>
@@ -8750,7 +10757,390 @@
     </p:custDataLst>
     <p:extLst>
       <p:ext uri="{BB962C8B-B14F-4D97-AF65-F5344CB8AC3E}">
-        <p14:creationId xmlns:p14="http://schemas.microsoft.com/office/powerpoint/2010/main" val="1892705052"/>
+        <p14:creationId xmlns:p14="http://schemas.microsoft.com/office/powerpoint/2010/main" val="851839578"/>
+      </p:ext>
+    </p:extLst>
+  </p:cSld>
+  <p:clrMapOvr>
+    <a:masterClrMapping/>
+  </p:clrMapOvr>
+</p:sld>
+</file>
+
+<file path=ppt/slides/slide17.xml><?xml version="1.0" encoding="utf-8"?>
+<p:sld xmlns:a="http://schemas.openxmlformats.org/drawingml/2006/main" xmlns:r="http://schemas.openxmlformats.org/officeDocument/2006/relationships" xmlns:p="http://schemas.openxmlformats.org/presentationml/2006/main">
+  <p:cSld>
+    <p:spTree>
+      <p:nvGrpSpPr>
+        <p:cNvPr id="1" name=""/>
+        <p:cNvGrpSpPr/>
+        <p:nvPr/>
+      </p:nvGrpSpPr>
+      <p:grpSpPr>
+        <a:xfrm>
+          <a:off x="0" y="0"/>
+          <a:ext cx="0" cy="0"/>
+          <a:chOff x="0" y="0"/>
+          <a:chExt cx="0" cy="0"/>
+        </a:xfrm>
+      </p:grpSpPr>
+      <p:sp>
+        <p:nvSpPr>
+          <p:cNvPr id="7" name="Slide Number Placeholder 6">
+            <a:extLst>
+              <a:ext uri="{FF2B5EF4-FFF2-40B4-BE49-F238E27FC236}">
+                <a16:creationId xmlns="" xmlns:a16="http://schemas.microsoft.com/office/drawing/2014/main" id="{27B55DC7-B95B-4807-B808-1E7A81E0F45A}"/>
+              </a:ext>
+            </a:extLst>
+          </p:cNvPr>
+          <p:cNvSpPr>
+            <a:spLocks noGrp="1"/>
+          </p:cNvSpPr>
+          <p:nvPr>
+            <p:ph type="sldNum" sz="quarter" idx="10"/>
+          </p:nvPr>
+        </p:nvSpPr>
+        <p:spPr/>
+        <p:txBody>
+          <a:bodyPr/>
+          <a:lstStyle/>
+          <a:p>
+            <a:fld id="{FB267019-40B7-405C-98B7-75F3216AFF79}" type="slidenum">
+              <a:rPr lang="en-US" smtClean="0"/>
+              <a:pPr/>
+              <a:t>17</a:t>
+            </a:fld>
+            <a:endParaRPr lang="en-US" dirty="0"/>
+          </a:p>
+        </p:txBody>
+      </p:sp>
+      <p:sp>
+        <p:nvSpPr>
+          <p:cNvPr id="19" name="Text Placeholder 7">
+            <a:extLst>
+              <a:ext uri="{FF2B5EF4-FFF2-40B4-BE49-F238E27FC236}">
+                <a16:creationId xmlns="" xmlns:a16="http://schemas.microsoft.com/office/drawing/2014/main" id="{2785A2B3-FCF4-4D59-9841-12917D91B27A}"/>
+              </a:ext>
+            </a:extLst>
+          </p:cNvPr>
+          <p:cNvSpPr txBox="1">
+            <a:spLocks/>
+          </p:cNvSpPr>
+          <p:nvPr/>
+        </p:nvSpPr>
+        <p:spPr>
+          <a:xfrm>
+            <a:off x="725683" y="871606"/>
+            <a:ext cx="7893050" cy="5114787"/>
+          </a:xfrm>
+          <a:prstGeom prst="rect">
+            <a:avLst/>
+          </a:prstGeom>
+        </p:spPr>
+        <p:txBody>
+          <a:bodyPr/>
+          <a:lstStyle>
+            <a:lvl1pPr marL="0" indent="0" algn="ctr" defTabSz="685800" rtl="0" eaLnBrk="0" fontAlgn="base" hangingPunct="0">
+              <a:lnSpc>
+                <a:spcPct val="90000"/>
+              </a:lnSpc>
+              <a:spcBef>
+                <a:spcPts val="750"/>
+              </a:spcBef>
+              <a:spcAft>
+                <a:spcPct val="0"/>
+              </a:spcAft>
+              <a:buFont typeface="Arial" charset="0"/>
+              <a:buNone/>
+              <a:defRPr sz="1800" kern="1200">
+                <a:solidFill>
+                  <a:schemeClr val="tx1"/>
+                </a:solidFill>
+                <a:latin typeface="+mn-lt"/>
+                <a:ea typeface="+mn-ea"/>
+                <a:cs typeface="+mn-cs"/>
+              </a:defRPr>
+            </a:lvl1pPr>
+            <a:lvl2pPr marL="514350" indent="-171450" algn="l" defTabSz="685800" rtl="0" eaLnBrk="0" fontAlgn="base" hangingPunct="0">
+              <a:lnSpc>
+                <a:spcPct val="90000"/>
+              </a:lnSpc>
+              <a:spcBef>
+                <a:spcPts val="375"/>
+              </a:spcBef>
+              <a:spcAft>
+                <a:spcPct val="0"/>
+              </a:spcAft>
+              <a:buFont typeface="Arial" charset="0"/>
+              <a:buChar char="•"/>
+              <a:defRPr sz="2400" kern="1200">
+                <a:solidFill>
+                  <a:schemeClr val="tx1"/>
+                </a:solidFill>
+                <a:latin typeface="+mn-lt"/>
+                <a:ea typeface="+mn-ea"/>
+                <a:cs typeface="+mn-cs"/>
+              </a:defRPr>
+            </a:lvl2pPr>
+            <a:lvl3pPr marL="857250" indent="-171450" algn="l" defTabSz="685800" rtl="0" eaLnBrk="0" fontAlgn="base" hangingPunct="0">
+              <a:lnSpc>
+                <a:spcPct val="90000"/>
+              </a:lnSpc>
+              <a:spcBef>
+                <a:spcPts val="375"/>
+              </a:spcBef>
+              <a:spcAft>
+                <a:spcPct val="0"/>
+              </a:spcAft>
+              <a:buFont typeface="Arial" charset="0"/>
+              <a:buChar char="•"/>
+              <a:defRPr sz="1800" kern="1200">
+                <a:solidFill>
+                  <a:schemeClr val="tx1"/>
+                </a:solidFill>
+                <a:latin typeface="+mn-lt"/>
+                <a:ea typeface="+mn-ea"/>
+                <a:cs typeface="+mn-cs"/>
+              </a:defRPr>
+            </a:lvl3pPr>
+            <a:lvl4pPr marL="1200150" indent="-171450" algn="l" defTabSz="685800" rtl="0" eaLnBrk="0" fontAlgn="base" hangingPunct="0">
+              <a:lnSpc>
+                <a:spcPct val="90000"/>
+              </a:lnSpc>
+              <a:spcBef>
+                <a:spcPts val="375"/>
+              </a:spcBef>
+              <a:spcAft>
+                <a:spcPct val="0"/>
+              </a:spcAft>
+              <a:buFont typeface="Arial" charset="0"/>
+              <a:buChar char="•"/>
+              <a:defRPr sz="1600" kern="1200">
+                <a:solidFill>
+                  <a:schemeClr val="tx1"/>
+                </a:solidFill>
+                <a:latin typeface="+mn-lt"/>
+                <a:ea typeface="+mn-ea"/>
+                <a:cs typeface="+mn-cs"/>
+              </a:defRPr>
+            </a:lvl4pPr>
+            <a:lvl5pPr marL="1543050" indent="-171450" algn="l" defTabSz="685800" rtl="0" eaLnBrk="0" fontAlgn="base" hangingPunct="0">
+              <a:lnSpc>
+                <a:spcPct val="90000"/>
+              </a:lnSpc>
+              <a:spcBef>
+                <a:spcPts val="375"/>
+              </a:spcBef>
+              <a:spcAft>
+                <a:spcPct val="0"/>
+              </a:spcAft>
+              <a:buFont typeface="Arial" charset="0"/>
+              <a:buChar char="•"/>
+              <a:defRPr sz="1600" kern="1200">
+                <a:solidFill>
+                  <a:schemeClr val="tx1"/>
+                </a:solidFill>
+                <a:latin typeface="+mn-lt"/>
+                <a:ea typeface="+mn-ea"/>
+                <a:cs typeface="+mn-cs"/>
+              </a:defRPr>
+            </a:lvl5pPr>
+            <a:lvl6pPr marL="1885950" indent="-171450" algn="l" defTabSz="685800" rtl="0" eaLnBrk="1" latinLnBrk="0" hangingPunct="1">
+              <a:lnSpc>
+                <a:spcPct val="90000"/>
+              </a:lnSpc>
+              <a:spcBef>
+                <a:spcPts val="375"/>
+              </a:spcBef>
+              <a:buFont typeface="Arial" panose="020B0604020202020204" pitchFamily="34" charset="0"/>
+              <a:buChar char="•"/>
+              <a:defRPr sz="1350" kern="1200">
+                <a:solidFill>
+                  <a:schemeClr val="tx1"/>
+                </a:solidFill>
+                <a:latin typeface="+mn-lt"/>
+                <a:ea typeface="+mn-ea"/>
+                <a:cs typeface="+mn-cs"/>
+              </a:defRPr>
+            </a:lvl6pPr>
+            <a:lvl7pPr marL="2228850" indent="-171450" algn="l" defTabSz="685800" rtl="0" eaLnBrk="1" latinLnBrk="0" hangingPunct="1">
+              <a:lnSpc>
+                <a:spcPct val="90000"/>
+              </a:lnSpc>
+              <a:spcBef>
+                <a:spcPts val="375"/>
+              </a:spcBef>
+              <a:buFont typeface="Arial" panose="020B0604020202020204" pitchFamily="34" charset="0"/>
+              <a:buChar char="•"/>
+              <a:defRPr sz="1350" kern="1200">
+                <a:solidFill>
+                  <a:schemeClr val="tx1"/>
+                </a:solidFill>
+                <a:latin typeface="+mn-lt"/>
+                <a:ea typeface="+mn-ea"/>
+                <a:cs typeface="+mn-cs"/>
+              </a:defRPr>
+            </a:lvl7pPr>
+            <a:lvl8pPr marL="2571750" indent="-171450" algn="l" defTabSz="685800" rtl="0" eaLnBrk="1" latinLnBrk="0" hangingPunct="1">
+              <a:lnSpc>
+                <a:spcPct val="90000"/>
+              </a:lnSpc>
+              <a:spcBef>
+                <a:spcPts val="375"/>
+              </a:spcBef>
+              <a:buFont typeface="Arial" panose="020B0604020202020204" pitchFamily="34" charset="0"/>
+              <a:buChar char="•"/>
+              <a:defRPr sz="1350" kern="1200">
+                <a:solidFill>
+                  <a:schemeClr val="tx1"/>
+                </a:solidFill>
+                <a:latin typeface="+mn-lt"/>
+                <a:ea typeface="+mn-ea"/>
+                <a:cs typeface="+mn-cs"/>
+              </a:defRPr>
+            </a:lvl8pPr>
+            <a:lvl9pPr marL="2914650" indent="-171450" algn="l" defTabSz="685800" rtl="0" eaLnBrk="1" latinLnBrk="0" hangingPunct="1">
+              <a:lnSpc>
+                <a:spcPct val="90000"/>
+              </a:lnSpc>
+              <a:spcBef>
+                <a:spcPts val="375"/>
+              </a:spcBef>
+              <a:buFont typeface="Arial" panose="020B0604020202020204" pitchFamily="34" charset="0"/>
+              <a:buChar char="•"/>
+              <a:defRPr sz="1350" kern="1200">
+                <a:solidFill>
+                  <a:schemeClr val="tx1"/>
+                </a:solidFill>
+                <a:latin typeface="+mn-lt"/>
+                <a:ea typeface="+mn-ea"/>
+                <a:cs typeface="+mn-cs"/>
+              </a:defRPr>
+            </a:lvl9pPr>
+          </a:lstStyle>
+          <a:p>
+            <a:r>
+              <a:rPr lang="en-US" dirty="0"/>
+              <a:t>Please attribute Dr. Jim Alves-Foss and Dr. Jia Song, University of Idaho</a:t>
+            </a:r>
+            <a:br>
+              <a:rPr lang="en-US" dirty="0"/>
+            </a:br>
+            <a:r>
+              <a:rPr lang="en-US" dirty="0"/>
+              <a:t/>
+            </a:r>
+            <a:br>
+              <a:rPr lang="en-US" dirty="0"/>
+            </a:br>
+            <a:r>
+              <a:rPr lang="en-US" dirty="0"/>
+              <a:t/>
+            </a:r>
+            <a:br>
+              <a:rPr lang="en-US" dirty="0"/>
+            </a:br>
+            <a:r>
+              <a:rPr lang="en-US" dirty="0"/>
+              <a:t/>
+            </a:r>
+            <a:br>
+              <a:rPr lang="en-US" dirty="0"/>
+            </a:br>
+            <a:r>
+              <a:rPr lang="en-US" dirty="0"/>
+              <a:t/>
+            </a:r>
+            <a:br>
+              <a:rPr lang="en-US" dirty="0"/>
+            </a:br>
+            <a:r>
+              <a:rPr lang="en-US" dirty="0"/>
+              <a:t/>
+            </a:r>
+            <a:br>
+              <a:rPr lang="en-US" dirty="0"/>
+            </a:br>
+            <a:r>
+              <a:rPr lang="en-US" dirty="0"/>
+              <a:t/>
+            </a:r>
+            <a:br>
+              <a:rPr lang="en-US" dirty="0"/>
+            </a:br>
+            <a:r>
+              <a:rPr lang="en-US" dirty="0"/>
+              <a:t/>
+            </a:r>
+            <a:br>
+              <a:rPr lang="en-US" dirty="0"/>
+            </a:br>
+            <a:endParaRPr lang="en-US" dirty="0"/>
+          </a:p>
+          <a:p>
+            <a:r>
+              <a:rPr lang="en-US" sz="1600" dirty="0"/>
+              <a:t>Except where otherwise noted, this work is licensed under https://creativecommons.org/licenses/by-nc-sa/4.0/</a:t>
+            </a:r>
+            <a:br>
+              <a:rPr lang="en-US" sz="1600" dirty="0"/>
+            </a:br>
+            <a:r>
+              <a:rPr lang="en-US" sz="1600" dirty="0"/>
+              <a:t/>
+            </a:r>
+            <a:br>
+              <a:rPr lang="en-US" sz="1600" dirty="0"/>
+            </a:br>
+            <a:r>
+              <a:rPr lang="en-US" sz="1600" dirty="0"/>
+              <a:t>Not withstanding the non-commercial license terms, non-profit educational institutions are granted a non-exclusive license to adapt and use this material, with attribution.</a:t>
+            </a:r>
+            <a:br>
+              <a:rPr lang="en-US" sz="1600" dirty="0"/>
+            </a:br>
+            <a:r>
+              <a:rPr lang="en-US" sz="1600" dirty="0"/>
+              <a:t/>
+            </a:r>
+            <a:br>
+              <a:rPr lang="en-US" sz="1600" dirty="0"/>
+            </a:br>
+            <a:r>
+              <a:rPr lang="en-US" sz="1600" dirty="0"/>
+              <a:t>Creative Commons and the double C in a circle are registered trademarks of Creative commons in the United States and other countries. Third party marks and brands are the property of their respective holders</a:t>
+            </a:r>
+            <a:r>
+              <a:rPr lang="en-US" sz="1600" dirty="0" smtClean="0"/>
+              <a:t>.</a:t>
+            </a:r>
+          </a:p>
+          <a:p>
+            <a:r>
+              <a:rPr lang="en-US" sz="1600" dirty="0"/>
+              <a:t>Project sponsored by the National Security Agency under grant Number </a:t>
+            </a:r>
+            <a:r>
+              <a:rPr lang="en-US" sz="1600" dirty="0" smtClean="0"/>
+              <a:t>H98230-17-1-0199. The </a:t>
+            </a:r>
+            <a:r>
+              <a:rPr lang="en-US" sz="1600" dirty="0"/>
+              <a:t>United States Government is authorized to reproduce and distribute reprints notwithstanding any copyright notation herein.</a:t>
+            </a:r>
+          </a:p>
+          <a:p>
+            <a:endParaRPr lang="en-US" sz="1600" dirty="0"/>
+          </a:p>
+        </p:txBody>
+      </p:sp>
+    </p:spTree>
+    <p:custDataLst>
+      <p:tags r:id="rId1"/>
+    </p:custDataLst>
+    <p:extLst>
+      <p:ext uri="{BB962C8B-B14F-4D97-AF65-F5344CB8AC3E}">
+        <p14:creationId xmlns:p14="http://schemas.microsoft.com/office/powerpoint/2010/main" val="205353854"/>
       </p:ext>
     </p:extLst>
   </p:cSld>
@@ -8782,7 +11172,7 @@
           <p:cNvPr id="2" name="Title 1">
             <a:extLst>
               <a:ext uri="{FF2B5EF4-FFF2-40B4-BE49-F238E27FC236}">
-                <a16:creationId xmlns:a16="http://schemas.microsoft.com/office/drawing/2014/main" id="{4FDDDE79-84CD-4BD4-8191-64CD17F70EB2}"/>
+                <a16:creationId xmlns="" xmlns:a16="http://schemas.microsoft.com/office/drawing/2014/main" id="{4FDDDE79-84CD-4BD4-8191-64CD17F70EB2}"/>
               </a:ext>
             </a:extLst>
           </p:cNvPr>
@@ -8810,7 +11200,7 @@
           <p:cNvPr id="3" name="Content Placeholder 2">
             <a:extLst>
               <a:ext uri="{FF2B5EF4-FFF2-40B4-BE49-F238E27FC236}">
-                <a16:creationId xmlns:a16="http://schemas.microsoft.com/office/drawing/2014/main" id="{1E11D7D9-AFF5-4F1C-A116-5D460DCCEF0D}"/>
+                <a16:creationId xmlns="" xmlns:a16="http://schemas.microsoft.com/office/drawing/2014/main" id="{1E11D7D9-AFF5-4F1C-A116-5D460DCCEF0D}"/>
               </a:ext>
             </a:extLst>
           </p:cNvPr>
@@ -8881,7 +11271,7 @@
           <p:cNvPr id="4" name="Slide Number Placeholder 3">
             <a:extLst>
               <a:ext uri="{FF2B5EF4-FFF2-40B4-BE49-F238E27FC236}">
-                <a16:creationId xmlns:a16="http://schemas.microsoft.com/office/drawing/2014/main" id="{95BCECBD-F96D-47DA-9A6D-248B240ABC8D}"/>
+                <a16:creationId xmlns="" xmlns:a16="http://schemas.microsoft.com/office/drawing/2014/main" id="{95BCECBD-F96D-47DA-9A6D-248B240ABC8D}"/>
               </a:ext>
             </a:extLst>
           </p:cNvPr>
@@ -8912,6 +11302,9 @@
         </p:txBody>
       </p:sp>
     </p:spTree>
+    <p:custDataLst>
+      <p:tags r:id="rId1"/>
+    </p:custDataLst>
     <p:extLst>
       <p:ext uri="{BB962C8B-B14F-4D97-AF65-F5344CB8AC3E}">
         <p14:creationId xmlns:p14="http://schemas.microsoft.com/office/powerpoint/2010/main" val="753152418"/>
@@ -9010,7 +11403,7 @@
           <p:cNvPr id="3" name="Slide Number Placeholder 2">
             <a:extLst>
               <a:ext uri="{FF2B5EF4-FFF2-40B4-BE49-F238E27FC236}">
-                <a16:creationId xmlns:a16="http://schemas.microsoft.com/office/drawing/2014/main" id="{0B1163B0-19D9-4859-8B88-CD4B646011C3}"/>
+                <a16:creationId xmlns="" xmlns:a16="http://schemas.microsoft.com/office/drawing/2014/main" id="{0B1163B0-19D9-4859-8B88-CD4B646011C3}"/>
               </a:ext>
             </a:extLst>
           </p:cNvPr>
@@ -9084,10 +11477,9 @@
           <a:lstStyle/>
           <a:p>
             <a:r>
-              <a:rPr lang="en-US"/>
-              <a:t>Background</a:t>
-            </a:r>
-            <a:endParaRPr lang="en-US" dirty="0"/>
+              <a:rPr lang="en-US" dirty="0"/>
+              <a:t>Networking Background (part 1)</a:t>
+            </a:r>
           </a:p>
         </p:txBody>
       </p:sp>
@@ -9107,52 +11499,51 @@
           <a:lstStyle/>
           <a:p>
             <a:r>
-              <a:rPr lang="en-US"/>
+              <a:rPr lang="en-US" dirty="0"/>
               <a:t>What are networked systems?</a:t>
             </a:r>
           </a:p>
           <a:p>
             <a:pPr lvl="1"/>
             <a:r>
-              <a:rPr lang="en-US"/>
+              <a:rPr lang="en-US" dirty="0"/>
               <a:t>A set of devices (hosts) connected by a communication medium that are able to share data through transmission over the media</a:t>
             </a:r>
           </a:p>
           <a:p>
             <a:pPr lvl="1"/>
             <a:r>
-              <a:rPr lang="en-US"/>
+              <a:rPr lang="en-US" dirty="0"/>
               <a:t>System Characteristics include (but are not limited to)</a:t>
             </a:r>
           </a:p>
           <a:p>
             <a:pPr lvl="2"/>
             <a:r>
-              <a:rPr lang="en-US"/>
+              <a:rPr lang="en-US" dirty="0"/>
               <a:t>Physical properties of the communication signals</a:t>
             </a:r>
           </a:p>
           <a:p>
             <a:pPr lvl="2"/>
             <a:r>
-              <a:rPr lang="en-US"/>
+              <a:rPr lang="en-US" dirty="0"/>
               <a:t>Physical topology of the communication medium and logical topology of the data transmission</a:t>
             </a:r>
           </a:p>
           <a:p>
             <a:pPr lvl="2"/>
             <a:r>
-              <a:rPr lang="en-US"/>
+              <a:rPr lang="en-US" dirty="0"/>
               <a:t>Format and timing of the signals</a:t>
             </a:r>
           </a:p>
           <a:p>
             <a:pPr lvl="2"/>
             <a:r>
-              <a:rPr lang="en-US"/>
+              <a:rPr lang="en-US" dirty="0"/>
               <a:t>Error and Flow control, connection management, recovery, security </a:t>
             </a:r>
-            <a:endParaRPr lang="en-US" dirty="0"/>
           </a:p>
         </p:txBody>
       </p:sp>
@@ -9186,7 +11577,7 @@
     </p:custDataLst>
     <p:extLst>
       <p:ext uri="{BB962C8B-B14F-4D97-AF65-F5344CB8AC3E}">
-        <p14:creationId xmlns:p14="http://schemas.microsoft.com/office/powerpoint/2010/main" val="3071811441"/>
+        <p14:creationId xmlns:p14="http://schemas.microsoft.com/office/powerpoint/2010/main" val="545083150"/>
       </p:ext>
     </p:extLst>
   </p:cSld>
@@ -9230,10 +11621,9 @@
           <a:lstStyle/>
           <a:p>
             <a:r>
-              <a:rPr lang="en-US"/>
-              <a:t>Background</a:t>
-            </a:r>
-            <a:endParaRPr lang="en-US" dirty="0"/>
+              <a:rPr lang="en-US" dirty="0"/>
+              <a:t>Networking Background  (part 2)</a:t>
+            </a:r>
           </a:p>
         </p:txBody>
       </p:sp>
@@ -9381,7 +11771,7 @@
     </p:custDataLst>
     <p:extLst>
       <p:ext uri="{BB962C8B-B14F-4D97-AF65-F5344CB8AC3E}">
-        <p14:creationId xmlns:p14="http://schemas.microsoft.com/office/powerpoint/2010/main" val="1741935553"/>
+        <p14:creationId xmlns:p14="http://schemas.microsoft.com/office/powerpoint/2010/main" val="2833212374"/>
       </p:ext>
     </p:extLst>
   </p:cSld>
@@ -9425,10 +11815,9 @@
           <a:lstStyle/>
           <a:p>
             <a:r>
-              <a:rPr lang="en-US"/>
-              <a:t>Background</a:t>
-            </a:r>
-            <a:endParaRPr lang="en-US" dirty="0"/>
+              <a:rPr lang="en-US" dirty="0"/>
+              <a:t>Networking Background  (part 3)</a:t>
+            </a:r>
           </a:p>
         </p:txBody>
       </p:sp>
@@ -9448,59 +11837,58 @@
           <a:lstStyle/>
           <a:p>
             <a:r>
-              <a:rPr lang="en-US"/>
+              <a:rPr lang="en-US" dirty="0"/>
               <a:t>How do data networks work?</a:t>
             </a:r>
           </a:p>
           <a:p>
             <a:pPr lvl="1"/>
             <a:r>
-              <a:rPr lang="en-US"/>
+              <a:rPr lang="en-US" dirty="0"/>
               <a:t>Systems communicate over a shared communication medium according to an agreed upon convention (standard).</a:t>
             </a:r>
           </a:p>
           <a:p>
             <a:pPr lvl="1"/>
             <a:r>
-              <a:rPr lang="en-US"/>
+              <a:rPr lang="en-US" dirty="0"/>
               <a:t>Several sets of standards currently exist: </a:t>
             </a:r>
           </a:p>
           <a:p>
             <a:pPr lvl="2"/>
             <a:r>
-              <a:rPr lang="en-US"/>
+              <a:rPr lang="en-US" dirty="0"/>
               <a:t>DoD: TCP/IP</a:t>
             </a:r>
           </a:p>
           <a:p>
             <a:pPr lvl="2"/>
             <a:r>
-              <a:rPr lang="en-US"/>
+              <a:rPr lang="en-US" dirty="0"/>
               <a:t>ISO: OSI model</a:t>
             </a:r>
           </a:p>
           <a:p>
             <a:pPr lvl="2"/>
             <a:r>
-              <a:rPr lang="en-US"/>
+              <a:rPr lang="en-US" dirty="0"/>
               <a:t>Commercial: SNA, IPX, X.25, ...</a:t>
             </a:r>
           </a:p>
           <a:p>
             <a:pPr lvl="2"/>
             <a:r>
-              <a:rPr lang="en-US"/>
+              <a:rPr lang="en-US" dirty="0"/>
               <a:t>Proprietary</a:t>
             </a:r>
           </a:p>
           <a:p>
             <a:pPr lvl="1"/>
             <a:r>
-              <a:rPr lang="en-US"/>
+              <a:rPr lang="en-US" dirty="0"/>
               <a:t>In this course we will basically follow the seven layer approach defined by ISO with additional emphasis on the DoD hierarchy.</a:t>
             </a:r>
-            <a:endParaRPr lang="en-US" dirty="0"/>
           </a:p>
         </p:txBody>
       </p:sp>
@@ -9534,7 +11922,7 @@
     </p:custDataLst>
     <p:extLst>
       <p:ext uri="{BB962C8B-B14F-4D97-AF65-F5344CB8AC3E}">
-        <p14:creationId xmlns:p14="http://schemas.microsoft.com/office/powerpoint/2010/main" val="3780358485"/>
+        <p14:creationId xmlns:p14="http://schemas.microsoft.com/office/powerpoint/2010/main" val="4124911609"/>
       </p:ext>
     </p:extLst>
   </p:cSld>
@@ -9578,10 +11966,9 @@
           <a:lstStyle/>
           <a:p>
             <a:r>
-              <a:rPr lang="en-US"/>
-              <a:t>Background</a:t>
-            </a:r>
-            <a:endParaRPr lang="en-US" dirty="0"/>
+              <a:rPr lang="en-US" dirty="0"/>
+              <a:t>Networking Background  (part 4)</a:t>
+            </a:r>
           </a:p>
         </p:txBody>
       </p:sp>
@@ -9673,7 +12060,7 @@
     </p:custDataLst>
     <p:extLst>
       <p:ext uri="{BB962C8B-B14F-4D97-AF65-F5344CB8AC3E}">
-        <p14:creationId xmlns:p14="http://schemas.microsoft.com/office/powerpoint/2010/main" val="930518958"/>
+        <p14:creationId xmlns:p14="http://schemas.microsoft.com/office/powerpoint/2010/main" val="3587180378"/>
       </p:ext>
     </p:extLst>
   </p:cSld>
@@ -9717,10 +12104,9 @@
           <a:lstStyle/>
           <a:p>
             <a:r>
-              <a:rPr lang="en-US"/>
-              <a:t>Background</a:t>
-            </a:r>
-            <a:endParaRPr lang="en-US" dirty="0"/>
+              <a:rPr lang="en-US" dirty="0"/>
+              <a:t>Networking Background  (part 5)</a:t>
+            </a:r>
           </a:p>
         </p:txBody>
       </p:sp>
@@ -9811,7 +12197,7 @@
     </p:custDataLst>
     <p:extLst>
       <p:ext uri="{BB962C8B-B14F-4D97-AF65-F5344CB8AC3E}">
-        <p14:creationId xmlns:p14="http://schemas.microsoft.com/office/powerpoint/2010/main" val="2846475345"/>
+        <p14:creationId xmlns:p14="http://schemas.microsoft.com/office/powerpoint/2010/main" val="4138232501"/>
       </p:ext>
     </p:extLst>
   </p:cSld>
@@ -9855,10 +12241,9 @@
           <a:lstStyle/>
           <a:p>
             <a:r>
-              <a:rPr lang="en-US"/>
-              <a:t>Background</a:t>
-            </a:r>
-            <a:endParaRPr lang="en-US" dirty="0"/>
+              <a:rPr lang="en-US" dirty="0"/>
+              <a:t>Networking Background</a:t>
+            </a:r>
           </a:p>
         </p:txBody>
       </p:sp>
@@ -9936,7 +12321,7 @@
     </p:custDataLst>
     <p:extLst>
       <p:ext uri="{BB962C8B-B14F-4D97-AF65-F5344CB8AC3E}">
-        <p14:creationId xmlns:p14="http://schemas.microsoft.com/office/powerpoint/2010/main" val="336355239"/>
+        <p14:creationId xmlns:p14="http://schemas.microsoft.com/office/powerpoint/2010/main" val="2150190436"/>
       </p:ext>
     </p:extLst>
   </p:cSld>
@@ -9957,7 +12342,7 @@
   <p:tag name="TAG_BACKING_FORM_KEY" val="16519558-k:\cnap\netsec course\lectures\module_1\lesson 1 networking overview.pptx"/>
   <p:tag name="ARTICULATE_PRESENTER_VERSION" val="8"/>
   <p:tag name="ARTICULATE_PROJECT_OPEN" val="0"/>
-  <p:tag name="ARTICULATE_SLIDE_COUNT" val="16"/>
+  <p:tag name="ARTICULATE_SLIDE_COUNT" val="17"/>
 </p:tagLst>
 </file>
 
@@ -9983,15 +12368,13 @@
 
 <file path=ppt/tags/tag13.xml><?xml version="1.0" encoding="utf-8"?>
 <p:tagLst xmlns:a="http://schemas.openxmlformats.org/drawingml/2006/main" xmlns:r="http://schemas.openxmlformats.org/officeDocument/2006/relationships" xmlns:p="http://schemas.openxmlformats.org/presentationml/2006/main">
-  <p:tag name="AUDIO_ID" val="303"/>
-  <p:tag name="ARTICULATE_USED_LAYOUT" val="2"/>
   <p:tag name="ARTICULATE_SLIDE_THUMBNAIL_REFRESH" val="1"/>
 </p:tagLst>
 </file>
 
 <file path=ppt/tags/tag14.xml><?xml version="1.0" encoding="utf-8"?>
 <p:tagLst xmlns:a="http://schemas.openxmlformats.org/drawingml/2006/main" xmlns:r="http://schemas.openxmlformats.org/officeDocument/2006/relationships" xmlns:p="http://schemas.openxmlformats.org/presentationml/2006/main">
-  <p:tag name="AUDIO_ID" val="321"/>
+  <p:tag name="AUDIO_ID" val="303"/>
   <p:tag name="ARTICULATE_USED_LAYOUT" val="2"/>
   <p:tag name="ARTICULATE_SLIDE_THUMBNAIL_REFRESH" val="1"/>
 </p:tagLst>
@@ -9999,7 +12382,14 @@
 
 <file path=ppt/tags/tag15.xml><?xml version="1.0" encoding="utf-8"?>
 <p:tagLst xmlns:a="http://schemas.openxmlformats.org/drawingml/2006/main" xmlns:r="http://schemas.openxmlformats.org/officeDocument/2006/relationships" xmlns:p="http://schemas.openxmlformats.org/presentationml/2006/main">
-  <p:tag name="AUDIO_ID" val="322"/>
+  <p:tag name="AUDIO_ID" val="321"/>
+  <p:tag name="ARTICULATE_NAV_LEVEL" val="1"/>
+  <p:tag name="ARTICULATE_TOC_EXPANDED" val="True"/>
+  <p:tag name="ARTICULATE_SLIDE_PRESENTER_GUID" val="b6afec6b-4ad9-49aa-931c-79381ce9333b"/>
+  <p:tag name="ARTICULATE_SLIDE_PAUSE" val="0"/>
+  <p:tag name="ARTICULATE_HIDE_SLIDE" val="0"/>
+  <p:tag name="ARTICULATE_PLAYER_CONTROL_PREVIOUS" val="True"/>
+  <p:tag name="ARTICULATE_PLAYER_CONTROL_NEXT" val="True"/>
   <p:tag name="ARTICULATE_USED_LAYOUT" val="2"/>
   <p:tag name="ARTICULATE_SLIDE_THUMBNAIL_REFRESH" val="1"/>
 </p:tagLst>
@@ -10007,7 +12397,14 @@
 
 <file path=ppt/tags/tag16.xml><?xml version="1.0" encoding="utf-8"?>
 <p:tagLst xmlns:a="http://schemas.openxmlformats.org/drawingml/2006/main" xmlns:r="http://schemas.openxmlformats.org/officeDocument/2006/relationships" xmlns:p="http://schemas.openxmlformats.org/presentationml/2006/main">
-  <p:tag name="AUDIO_ID" val="323"/>
+  <p:tag name="AUDIO_ID" val="322"/>
+  <p:tag name="ARTICULATE_NAV_LEVEL" val="1"/>
+  <p:tag name="ARTICULATE_TOC_EXPANDED" val="True"/>
+  <p:tag name="ARTICULATE_SLIDE_PRESENTER_GUID" val="b6afec6b-4ad9-49aa-931c-79381ce9333b"/>
+  <p:tag name="ARTICULATE_SLIDE_PAUSE" val="0"/>
+  <p:tag name="ARTICULATE_HIDE_SLIDE" val="0"/>
+  <p:tag name="ARTICULATE_PLAYER_CONTROL_PREVIOUS" val="True"/>
+  <p:tag name="ARTICULATE_PLAYER_CONTROL_NEXT" val="True"/>
   <p:tag name="ARTICULATE_USED_LAYOUT" val="2"/>
   <p:tag name="ARTICULATE_SLIDE_THUMBNAIL_REFRESH" val="1"/>
 </p:tagLst>
@@ -10015,7 +12412,14 @@
 
 <file path=ppt/tags/tag17.xml><?xml version="1.0" encoding="utf-8"?>
 <p:tagLst xmlns:a="http://schemas.openxmlformats.org/drawingml/2006/main" xmlns:r="http://schemas.openxmlformats.org/officeDocument/2006/relationships" xmlns:p="http://schemas.openxmlformats.org/presentationml/2006/main">
-  <p:tag name="AUDIO_ID" val="324"/>
+  <p:tag name="AUDIO_ID" val="323"/>
+  <p:tag name="ARTICULATE_NAV_LEVEL" val="1"/>
+  <p:tag name="ARTICULATE_TOC_EXPANDED" val="True"/>
+  <p:tag name="ARTICULATE_SLIDE_PRESENTER_GUID" val="b6afec6b-4ad9-49aa-931c-79381ce9333b"/>
+  <p:tag name="ARTICULATE_SLIDE_PAUSE" val="0"/>
+  <p:tag name="ARTICULATE_HIDE_SLIDE" val="0"/>
+  <p:tag name="ARTICULATE_PLAYER_CONTROL_PREVIOUS" val="True"/>
+  <p:tag name="ARTICULATE_PLAYER_CONTROL_NEXT" val="True"/>
   <p:tag name="ARTICULATE_USED_LAYOUT" val="2"/>
   <p:tag name="ARTICULATE_SLIDE_THUMBNAIL_REFRESH" val="1"/>
 </p:tagLst>
@@ -10023,7 +12427,14 @@
 
 <file path=ppt/tags/tag18.xml><?xml version="1.0" encoding="utf-8"?>
 <p:tagLst xmlns:a="http://schemas.openxmlformats.org/drawingml/2006/main" xmlns:r="http://schemas.openxmlformats.org/officeDocument/2006/relationships" xmlns:p="http://schemas.openxmlformats.org/presentationml/2006/main">
-  <p:tag name="AUDIO_ID" val="325"/>
+  <p:tag name="AUDIO_ID" val="324"/>
+  <p:tag name="ARTICULATE_NAV_LEVEL" val="1"/>
+  <p:tag name="ARTICULATE_TOC_EXPANDED" val="True"/>
+  <p:tag name="ARTICULATE_SLIDE_PRESENTER_GUID" val="b6afec6b-4ad9-49aa-931c-79381ce9333b"/>
+  <p:tag name="ARTICULATE_SLIDE_PAUSE" val="0"/>
+  <p:tag name="ARTICULATE_HIDE_SLIDE" val="0"/>
+  <p:tag name="ARTICULATE_PLAYER_CONTROL_PREVIOUS" val="True"/>
+  <p:tag name="ARTICULATE_PLAYER_CONTROL_NEXT" val="True"/>
   <p:tag name="ARTICULATE_USED_LAYOUT" val="2"/>
   <p:tag name="ARTICULATE_SLIDE_THUMBNAIL_REFRESH" val="1"/>
 </p:tagLst>
@@ -10031,7 +12442,14 @@
 
 <file path=ppt/tags/tag19.xml><?xml version="1.0" encoding="utf-8"?>
 <p:tagLst xmlns:a="http://schemas.openxmlformats.org/drawingml/2006/main" xmlns:r="http://schemas.openxmlformats.org/officeDocument/2006/relationships" xmlns:p="http://schemas.openxmlformats.org/presentationml/2006/main">
-  <p:tag name="AUDIO_ID" val="326"/>
+  <p:tag name="AUDIO_ID" val="325"/>
+  <p:tag name="ARTICULATE_NAV_LEVEL" val="1"/>
+  <p:tag name="ARTICULATE_TOC_EXPANDED" val="True"/>
+  <p:tag name="ARTICULATE_SLIDE_PRESENTER_GUID" val="b6afec6b-4ad9-49aa-931c-79381ce9333b"/>
+  <p:tag name="ARTICULATE_SLIDE_PAUSE" val="0"/>
+  <p:tag name="ARTICULATE_HIDE_SLIDE" val="0"/>
+  <p:tag name="ARTICULATE_PLAYER_CONTROL_PREVIOUS" val="True"/>
+  <p:tag name="ARTICULATE_PLAYER_CONTROL_NEXT" val="True"/>
   <p:tag name="ARTICULATE_USED_LAYOUT" val="2"/>
   <p:tag name="ARTICULATE_SLIDE_THUMBNAIL_REFRESH" val="1"/>
 </p:tagLst>
@@ -10045,7 +12463,14 @@
 
 <file path=ppt/tags/tag20.xml><?xml version="1.0" encoding="utf-8"?>
 <p:tagLst xmlns:a="http://schemas.openxmlformats.org/drawingml/2006/main" xmlns:r="http://schemas.openxmlformats.org/officeDocument/2006/relationships" xmlns:p="http://schemas.openxmlformats.org/presentationml/2006/main">
-  <p:tag name="AUDIO_ID" val="327"/>
+  <p:tag name="AUDIO_ID" val="326"/>
+  <p:tag name="ARTICULATE_NAV_LEVEL" val="1"/>
+  <p:tag name="ARTICULATE_TOC_EXPANDED" val="True"/>
+  <p:tag name="ARTICULATE_SLIDE_PRESENTER_GUID" val="b6afec6b-4ad9-49aa-931c-79381ce9333b"/>
+  <p:tag name="ARTICULATE_SLIDE_PAUSE" val="0"/>
+  <p:tag name="ARTICULATE_HIDE_SLIDE" val="0"/>
+  <p:tag name="ARTICULATE_PLAYER_CONTROL_PREVIOUS" val="True"/>
+  <p:tag name="ARTICULATE_PLAYER_CONTROL_NEXT" val="True"/>
   <p:tag name="ARTICULATE_USED_LAYOUT" val="2"/>
   <p:tag name="ARTICULATE_SLIDE_THUMBNAIL_REFRESH" val="1"/>
 </p:tagLst>
@@ -10053,7 +12478,14 @@
 
 <file path=ppt/tags/tag21.xml><?xml version="1.0" encoding="utf-8"?>
 <p:tagLst xmlns:a="http://schemas.openxmlformats.org/drawingml/2006/main" xmlns:r="http://schemas.openxmlformats.org/officeDocument/2006/relationships" xmlns:p="http://schemas.openxmlformats.org/presentationml/2006/main">
-  <p:tag name="AUDIO_ID" val="328"/>
+  <p:tag name="AUDIO_ID" val="327"/>
+  <p:tag name="ARTICULATE_NAV_LEVEL" val="1"/>
+  <p:tag name="ARTICULATE_TOC_EXPANDED" val="True"/>
+  <p:tag name="ARTICULATE_SLIDE_PRESENTER_GUID" val="b6afec6b-4ad9-49aa-931c-79381ce9333b"/>
+  <p:tag name="ARTICULATE_SLIDE_PAUSE" val="0"/>
+  <p:tag name="ARTICULATE_HIDE_SLIDE" val="0"/>
+  <p:tag name="ARTICULATE_PLAYER_CONTROL_PREVIOUS" val="True"/>
+  <p:tag name="ARTICULATE_PLAYER_CONTROL_NEXT" val="True"/>
   <p:tag name="ARTICULATE_USED_LAYOUT" val="2"/>
   <p:tag name="ARTICULATE_SLIDE_THUMBNAIL_REFRESH" val="1"/>
 </p:tagLst>
@@ -10061,7 +12493,14 @@
 
 <file path=ppt/tags/tag22.xml><?xml version="1.0" encoding="utf-8"?>
 <p:tagLst xmlns:a="http://schemas.openxmlformats.org/drawingml/2006/main" xmlns:r="http://schemas.openxmlformats.org/officeDocument/2006/relationships" xmlns:p="http://schemas.openxmlformats.org/presentationml/2006/main">
-  <p:tag name="AUDIO_ID" val="329"/>
+  <p:tag name="AUDIO_ID" val="328"/>
+  <p:tag name="ARTICULATE_NAV_LEVEL" val="1"/>
+  <p:tag name="ARTICULATE_TOC_EXPANDED" val="True"/>
+  <p:tag name="ARTICULATE_SLIDE_PRESENTER_GUID" val="b6afec6b-4ad9-49aa-931c-79381ce9333b"/>
+  <p:tag name="ARTICULATE_SLIDE_PAUSE" val="0"/>
+  <p:tag name="ARTICULATE_HIDE_SLIDE" val="0"/>
+  <p:tag name="ARTICULATE_PLAYER_CONTROL_PREVIOUS" val="True"/>
+  <p:tag name="ARTICULATE_PLAYER_CONTROL_NEXT" val="True"/>
   <p:tag name="ARTICULATE_USED_LAYOUT" val="2"/>
   <p:tag name="ARTICULATE_SLIDE_THUMBNAIL_REFRESH" val="1"/>
 </p:tagLst>
@@ -10069,7 +12508,14 @@
 
 <file path=ppt/tags/tag23.xml><?xml version="1.0" encoding="utf-8"?>
 <p:tagLst xmlns:a="http://schemas.openxmlformats.org/drawingml/2006/main" xmlns:r="http://schemas.openxmlformats.org/officeDocument/2006/relationships" xmlns:p="http://schemas.openxmlformats.org/presentationml/2006/main">
-  <p:tag name="AUDIO_ID" val="330"/>
+  <p:tag name="AUDIO_ID" val="329"/>
+  <p:tag name="ARTICULATE_NAV_LEVEL" val="1"/>
+  <p:tag name="ARTICULATE_TOC_EXPANDED" val="True"/>
+  <p:tag name="ARTICULATE_SLIDE_PRESENTER_GUID" val="b6afec6b-4ad9-49aa-931c-79381ce9333b"/>
+  <p:tag name="ARTICULATE_SLIDE_PAUSE" val="0"/>
+  <p:tag name="ARTICULATE_HIDE_SLIDE" val="0"/>
+  <p:tag name="ARTICULATE_PLAYER_CONTROL_PREVIOUS" val="True"/>
+  <p:tag name="ARTICULATE_PLAYER_CONTROL_NEXT" val="True"/>
   <p:tag name="ARTICULATE_USED_LAYOUT" val="2"/>
   <p:tag name="ARTICULATE_SLIDE_THUMBNAIL_REFRESH" val="1"/>
 </p:tagLst>
@@ -10077,7 +12523,14 @@
 
 <file path=ppt/tags/tag24.xml><?xml version="1.0" encoding="utf-8"?>
 <p:tagLst xmlns:a="http://schemas.openxmlformats.org/drawingml/2006/main" xmlns:r="http://schemas.openxmlformats.org/officeDocument/2006/relationships" xmlns:p="http://schemas.openxmlformats.org/presentationml/2006/main">
-  <p:tag name="AUDIO_ID" val="331"/>
+  <p:tag name="AUDIO_ID" val="330"/>
+  <p:tag name="ARTICULATE_NAV_LEVEL" val="1"/>
+  <p:tag name="ARTICULATE_TOC_EXPANDED" val="True"/>
+  <p:tag name="ARTICULATE_SLIDE_PRESENTER_GUID" val="b6afec6b-4ad9-49aa-931c-79381ce9333b"/>
+  <p:tag name="ARTICULATE_SLIDE_PAUSE" val="0"/>
+  <p:tag name="ARTICULATE_HIDE_SLIDE" val="0"/>
+  <p:tag name="ARTICULATE_PLAYER_CONTROL_PREVIOUS" val="True"/>
+  <p:tag name="ARTICULATE_PLAYER_CONTROL_NEXT" val="True"/>
   <p:tag name="ARTICULATE_USED_LAYOUT" val="2"/>
   <p:tag name="ARTICULATE_SLIDE_THUMBNAIL_REFRESH" val="1"/>
 </p:tagLst>
@@ -10085,7 +12538,14 @@
 
 <file path=ppt/tags/tag25.xml><?xml version="1.0" encoding="utf-8"?>
 <p:tagLst xmlns:a="http://schemas.openxmlformats.org/drawingml/2006/main" xmlns:r="http://schemas.openxmlformats.org/officeDocument/2006/relationships" xmlns:p="http://schemas.openxmlformats.org/presentationml/2006/main">
-  <p:tag name="AUDIO_ID" val="332"/>
+  <p:tag name="AUDIO_ID" val="331"/>
+  <p:tag name="ARTICULATE_NAV_LEVEL" val="1"/>
+  <p:tag name="ARTICULATE_TOC_EXPANDED" val="True"/>
+  <p:tag name="ARTICULATE_SLIDE_PRESENTER_GUID" val="b6afec6b-4ad9-49aa-931c-79381ce9333b"/>
+  <p:tag name="ARTICULATE_SLIDE_PAUSE" val="0"/>
+  <p:tag name="ARTICULATE_HIDE_SLIDE" val="0"/>
+  <p:tag name="ARTICULATE_PLAYER_CONTROL_PREVIOUS" val="True"/>
+  <p:tag name="ARTICULATE_PLAYER_CONTROL_NEXT" val="True"/>
   <p:tag name="ARTICULATE_USED_LAYOUT" val="2"/>
   <p:tag name="ARTICULATE_SLIDE_THUMBNAIL_REFRESH" val="1"/>
 </p:tagLst>
@@ -10093,7 +12553,35 @@
 
 <file path=ppt/tags/tag26.xml><?xml version="1.0" encoding="utf-8"?>
 <p:tagLst xmlns:a="http://schemas.openxmlformats.org/drawingml/2006/main" xmlns:r="http://schemas.openxmlformats.org/officeDocument/2006/relationships" xmlns:p="http://schemas.openxmlformats.org/presentationml/2006/main">
+  <p:tag name="AUDIO_ID" val="332"/>
+  <p:tag name="ARTICULATE_NAV_LEVEL" val="1"/>
+  <p:tag name="ARTICULATE_TOC_EXPANDED" val="True"/>
+  <p:tag name="ARTICULATE_SLIDE_PRESENTER_GUID" val="b6afec6b-4ad9-49aa-931c-79381ce9333b"/>
+  <p:tag name="ARTICULATE_SLIDE_PAUSE" val="0"/>
+  <p:tag name="ARTICULATE_HIDE_SLIDE" val="0"/>
+  <p:tag name="ARTICULATE_PLAYER_CONTROL_PREVIOUS" val="True"/>
+  <p:tag name="ARTICULATE_PLAYER_CONTROL_NEXT" val="True"/>
+  <p:tag name="ARTICULATE_USED_LAYOUT" val="2"/>
+  <p:tag name="ARTICULATE_SLIDE_THUMBNAIL_REFRESH" val="1"/>
+</p:tagLst>
+</file>
+
+<file path=ppt/tags/tag27.xml><?xml version="1.0" encoding="utf-8"?>
+<p:tagLst xmlns:a="http://schemas.openxmlformats.org/drawingml/2006/main" xmlns:r="http://schemas.openxmlformats.org/officeDocument/2006/relationships" xmlns:p="http://schemas.openxmlformats.org/presentationml/2006/main">
+  <p:tag name="ARTICULATE_SLIDE_THUMBNAIL_REFRESH" val="1"/>
+</p:tagLst>
+</file>
+
+<file path=ppt/tags/tag28.xml><?xml version="1.0" encoding="utf-8"?>
+<p:tagLst xmlns:a="http://schemas.openxmlformats.org/drawingml/2006/main" xmlns:r="http://schemas.openxmlformats.org/officeDocument/2006/relationships" xmlns:p="http://schemas.openxmlformats.org/presentationml/2006/main">
   <p:tag name="AUDIO_ID" val="333"/>
+  <p:tag name="ARTICULATE_NAV_LEVEL" val="1"/>
+  <p:tag name="ARTICULATE_TOC_EXPANDED" val="True"/>
+  <p:tag name="ARTICULATE_SLIDE_PRESENTER_GUID" val="b6afec6b-4ad9-49aa-931c-79381ce9333b"/>
+  <p:tag name="ARTICULATE_SLIDE_PAUSE" val="0"/>
+  <p:tag name="ARTICULATE_HIDE_SLIDE" val="0"/>
+  <p:tag name="ARTICULATE_PLAYER_CONTROL_PREVIOUS" val="True"/>
+  <p:tag name="ARTICULATE_PLAYER_CONTROL_NEXT" val="True"/>
   <p:tag name="ARTICULATE_USED_LAYOUT" val="9"/>
   <p:tag name="ARTICULATE_SLIDE_THUMBNAIL_REFRESH" val="1"/>
 </p:tagLst>
